--- a/DCT.pptx
+++ b/DCT.pptx
@@ -5,7 +5,7 @@
     <p:sldMasterId id="2147483648" r:id="rId1"/>
   </p:sldMasterIdLst>
   <p:notesMasterIdLst>
-    <p:notesMasterId r:id="rId31"/>
+    <p:notesMasterId r:id="rId33"/>
   </p:notesMasterIdLst>
   <p:sldIdLst>
     <p:sldId id="256" r:id="rId2"/>
@@ -35,8 +35,10 @@
     <p:sldId id="280" r:id="rId26"/>
     <p:sldId id="287" r:id="rId27"/>
     <p:sldId id="258" r:id="rId28"/>
-    <p:sldId id="257" r:id="rId29"/>
-    <p:sldId id="284" r:id="rId30"/>
+    <p:sldId id="289" r:id="rId29"/>
+    <p:sldId id="288" r:id="rId30"/>
+    <p:sldId id="257" r:id="rId31"/>
+    <p:sldId id="284" r:id="rId32"/>
   </p:sldIdLst>
   <p:sldSz cx="12192000" cy="6858000"/>
   <p:notesSz cx="6858000" cy="9144000"/>
@@ -756,7 +758,7 @@
           <a:p>
             <a:fld id="{36FD31FC-FF35-4123-BC52-49832CE09E82}" type="slidenum">
               <a:rPr lang="de-DE" smtClean="0"/>
-              <a:t>29</a:t>
+              <a:t>31</a:t>
             </a:fld>
             <a:endParaRPr lang="de-DE"/>
           </a:p>
@@ -22788,8 +22790,8 @@
         </p:blipFill>
         <p:spPr>
           <a:xfrm>
-            <a:off x="3467111" y="2900232"/>
-            <a:ext cx="5257778" cy="3947616"/>
+            <a:off x="1572768" y="2900232"/>
+            <a:ext cx="9354312" cy="3947616"/>
           </a:xfrm>
           <a:prstGeom prst="rect">
             <a:avLst/>
@@ -22826,86 +22828,102 @@
           <a:chExt cx="0" cy="0"/>
         </a:xfrm>
       </p:grpSpPr>
-    </p:spTree>
-    <p:extLst>
-      <p:ext uri="{BB962C8B-B14F-4D97-AF65-F5344CB8AC3E}">
-        <p14:creationId xmlns:p14="http://schemas.microsoft.com/office/powerpoint/2010/main" val="3946098875"/>
-      </p:ext>
-    </p:extLst>
-  </p:cSld>
-  <p:clrMapOvr>
-    <a:masterClrMapping/>
-  </p:clrMapOvr>
-</p:sld>
-</file>
-
-<file path=ppt/slides/slide28.xml><?xml version="1.0" encoding="utf-8"?>
-<p:sld xmlns:a="http://schemas.openxmlformats.org/drawingml/2006/main" xmlns:r="http://schemas.openxmlformats.org/officeDocument/2006/relationships" xmlns:p="http://schemas.openxmlformats.org/presentationml/2006/main">
-  <p:cSld>
-    <p:spTree>
-      <p:nvGrpSpPr>
-        <p:cNvPr id="1" name=""/>
-        <p:cNvGrpSpPr/>
-        <p:nvPr/>
-      </p:nvGrpSpPr>
-      <p:grpSpPr>
-        <a:xfrm>
-          <a:off x="0" y="0"/>
-          <a:ext cx="0" cy="0"/>
-          <a:chOff x="0" y="0"/>
-          <a:chExt cx="0" cy="0"/>
-        </a:xfrm>
-      </p:grpSpPr>
-      <mc:AlternateContent xmlns:mc="http://schemas.openxmlformats.org/markup-compatibility/2006" xmlns:a14="http://schemas.microsoft.com/office/drawing/2010/main">
-        <mc:Choice Requires="a14">
+      <mc:AlternateContent xmlns:mc="http://schemas.openxmlformats.org/markup-compatibility/2006">
+        <mc:Choice xmlns:a14="http://schemas.microsoft.com/office/drawing/2010/main" Requires="a14">
           <p:sp>
             <p:nvSpPr>
-              <p:cNvPr id="7" name="Inhaltsplatzhalter 6">
+              <p:cNvPr id="24" name="Textfeld 23">
                 <a:extLst>
                   <a:ext uri="{FF2B5EF4-FFF2-40B4-BE49-F238E27FC236}">
-                    <a16:creationId xmlns:a16="http://schemas.microsoft.com/office/drawing/2014/main" id="{E8ADD068-8AA9-713B-D64D-CD16602FC7FD}"/>
+                    <a16:creationId xmlns:a16="http://schemas.microsoft.com/office/drawing/2014/main" id="{3AB2B359-D923-86C1-C633-3BFE2C88EEA7}"/>
                   </a:ext>
                 </a:extLst>
               </p:cNvPr>
-              <p:cNvSpPr>
-                <a:spLocks noGrp="1"/>
-              </p:cNvSpPr>
-              <p:nvPr>
-                <p:ph idx="1"/>
-              </p:nvPr>
+              <p:cNvSpPr txBox="1"/>
+              <p:nvPr/>
             </p:nvSpPr>
             <p:spPr>
               <a:xfrm>
-                <a:off x="565136" y="992853"/>
-                <a:ext cx="2596299" cy="1221319"/>
+                <a:off x="-1" y="2368517"/>
+                <a:ext cx="5188178" cy="1060483"/>
               </a:xfrm>
+              <a:prstGeom prst="rect">
+                <a:avLst/>
+              </a:prstGeom>
+              <a:noFill/>
             </p:spPr>
             <p:txBody>
-              <a:bodyPr>
-                <a:normAutofit/>
+              <a:bodyPr wrap="square" rtlCol="0">
+                <a:spAutoFit/>
               </a:bodyPr>
               <a:lstStyle/>
               <a:p>
-                <a:pPr marL="0" indent="0">
-                  <a:buNone/>
-                </a:pPr>
+                <a:pPr/>
                 <a14:m>
                   <m:oMathPara xmlns:m="http://schemas.openxmlformats.org/officeDocument/2006/math">
                     <m:oMathParaPr>
                       <m:jc m:val="centerGroup"/>
                     </m:oMathParaPr>
                     <m:oMath xmlns:m="http://schemas.openxmlformats.org/officeDocument/2006/math">
+                      <m:sSub>
+                        <m:sSubPr>
+                          <m:ctrlPr>
+                            <a:rPr lang="de-DE" sz="2800" i="1" smtClean="0">
+                              <a:solidFill>
+                                <a:schemeClr val="tx1"/>
+                              </a:solidFill>
+                              <a:latin typeface="Cambria Math" panose="02040503050406030204" pitchFamily="18" charset="0"/>
+                            </a:rPr>
+                          </m:ctrlPr>
+                        </m:sSubPr>
+                        <m:e>
+                          <m:r>
+                            <a:rPr lang="de-DE" sz="2800" i="1">
+                              <a:solidFill>
+                                <a:schemeClr val="tx1"/>
+                              </a:solidFill>
+                              <a:latin typeface="Cambria Math" panose="02040503050406030204" pitchFamily="18" charset="0"/>
+                            </a:rPr>
+                            <m:t>𝑏</m:t>
+                          </m:r>
+                        </m:e>
+                        <m:sub>
+                          <m:r>
+                            <a:rPr lang="de-DE" sz="2800" i="1">
+                              <a:solidFill>
+                                <a:schemeClr val="tx1"/>
+                              </a:solidFill>
+                              <a:latin typeface="Cambria Math" panose="02040503050406030204" pitchFamily="18" charset="0"/>
+                            </a:rPr>
+                            <m:t>𝑘</m:t>
+                          </m:r>
+                        </m:sub>
+                      </m:sSub>
+                      <m:d>
+                        <m:dPr>
+                          <m:ctrlPr>
+                            <a:rPr lang="de-DE" sz="2800" i="1">
+                              <a:solidFill>
+                                <a:schemeClr val="tx1"/>
+                              </a:solidFill>
+                              <a:latin typeface="Cambria Math" panose="02040503050406030204" pitchFamily="18" charset="0"/>
+                            </a:rPr>
+                          </m:ctrlPr>
+                        </m:dPr>
+                        <m:e>
+                          <m:r>
+                            <a:rPr lang="de-DE" sz="2800" i="1">
+                              <a:solidFill>
+                                <a:schemeClr val="tx1"/>
+                              </a:solidFill>
+                              <a:latin typeface="Cambria Math" panose="02040503050406030204" pitchFamily="18" charset="0"/>
+                            </a:rPr>
+                            <m:t>𝑛</m:t>
+                          </m:r>
+                        </m:e>
+                      </m:d>
                       <m:r>
-                        <a:rPr lang="de-DE" sz="2000" i="1" smtClean="0">
-                          <a:solidFill>
-                            <a:schemeClr val="tx1"/>
-                          </a:solidFill>
-                          <a:latin typeface="Cambria Math" panose="02040503050406030204" pitchFamily="18" charset="0"/>
-                        </a:rPr>
-                        <m:t>𝑠</m:t>
-                      </m:r>
-                      <m:r>
-                        <a:rPr lang="de-DE" sz="2000" i="1" smtClean="0">
+                        <a:rPr lang="de-DE" sz="2800" i="0">
                           <a:solidFill>
                             <a:schemeClr val="tx1"/>
                           </a:solidFill>
@@ -22913,74 +22931,70 @@
                         </a:rPr>
                         <m:t>=</m:t>
                       </m:r>
-                      <m:nary>
-                        <m:naryPr>
-                          <m:chr m:val="∑"/>
-                          <m:limLoc m:val="undOvr"/>
-                          <m:grow m:val="on"/>
+                      <m:sSub>
+                        <m:sSubPr>
                           <m:ctrlPr>
-                            <a:rPr lang="de-DE" sz="2000" i="1" smtClean="0">
+                            <a:rPr lang="de-DE" sz="2800" i="1" smtClean="0">
+                              <a:solidFill>
+                                <a:schemeClr val="bg1"/>
+                              </a:solidFill>
+                              <a:latin typeface="Cambria Math" panose="02040503050406030204" pitchFamily="18" charset="0"/>
+                            </a:rPr>
+                          </m:ctrlPr>
+                        </m:sSubPr>
+                        <m:e>
+                          <m:r>
+                            <a:rPr lang="de-DE" sz="2800" i="1">
+                              <a:solidFill>
+                                <a:schemeClr val="bg1"/>
+                              </a:solidFill>
+                              <a:latin typeface="Cambria Math" panose="02040503050406030204" pitchFamily="18" charset="0"/>
+                            </a:rPr>
+                            <m:t>𝛼</m:t>
+                          </m:r>
+                        </m:e>
+                        <m:sub>
+                          <m:r>
+                            <a:rPr lang="de-DE" sz="2800" i="1">
+                              <a:solidFill>
+                                <a:schemeClr val="bg1"/>
+                              </a:solidFill>
+                              <a:latin typeface="Cambria Math" panose="02040503050406030204" pitchFamily="18" charset="0"/>
+                            </a:rPr>
+                            <m:t>𝑘</m:t>
+                          </m:r>
+                        </m:sub>
+                      </m:sSub>
+                      <m:func>
+                        <m:funcPr>
+                          <m:ctrlPr>
+                            <a:rPr lang="de-DE" sz="2800" i="1">
                               <a:solidFill>
                                 <a:schemeClr val="tx1"/>
                               </a:solidFill>
                               <a:latin typeface="Cambria Math" panose="02040503050406030204" pitchFamily="18" charset="0"/>
                             </a:rPr>
                           </m:ctrlPr>
-                        </m:naryPr>
-                        <m:sub>
+                        </m:funcPr>
+                        <m:fName>
                           <m:r>
-                            <a:rPr lang="de-DE" sz="2000" i="1" smtClean="0">
+                            <m:rPr>
+                              <m:sty m:val="p"/>
+                            </m:rPr>
+                            <a:rPr lang="de-DE" sz="2800" i="0">
                               <a:solidFill>
                                 <a:schemeClr val="tx1"/>
                               </a:solidFill>
                               <a:latin typeface="Cambria Math" panose="02040503050406030204" pitchFamily="18" charset="0"/>
                             </a:rPr>
-                            <m:t>𝑘</m:t>
+                            <m:t>cos</m:t>
                           </m:r>
-                          <m:r>
-                            <a:rPr lang="de-DE" sz="2000" i="1" smtClean="0">
-                              <a:solidFill>
-                                <a:schemeClr val="tx1"/>
-                              </a:solidFill>
-                              <a:latin typeface="Cambria Math" panose="02040503050406030204" pitchFamily="18" charset="0"/>
-                            </a:rPr>
-                            <m:t>=0</m:t>
-                          </m:r>
-                        </m:sub>
-                        <m:sup>
-                          <m:r>
-                            <a:rPr lang="de-DE" sz="2000" i="1" smtClean="0">
-                              <a:solidFill>
-                                <a:schemeClr val="tx1"/>
-                              </a:solidFill>
-                              <a:latin typeface="Cambria Math" panose="02040503050406030204" pitchFamily="18" charset="0"/>
-                            </a:rPr>
-                            <m:t>𝑁</m:t>
-                          </m:r>
-                          <m:r>
-                            <a:rPr lang="de-DE" sz="2000" i="1" smtClean="0">
-                              <a:solidFill>
-                                <a:schemeClr val="tx1"/>
-                              </a:solidFill>
-                              <a:latin typeface="Cambria Math" panose="02040503050406030204" pitchFamily="18" charset="0"/>
-                            </a:rPr>
-                            <m:t>−1</m:t>
-                          </m:r>
-                        </m:sup>
+                        </m:fName>
                         <m:e>
-                          <m:r>
-                            <a:rPr lang="de-DE" sz="2000" i="1" smtClean="0">
-                              <a:solidFill>
-                                <a:schemeClr val="tx1"/>
-                              </a:solidFill>
-                              <a:latin typeface="Cambria Math" panose="02040503050406030204" pitchFamily="18" charset="0"/>
-                            </a:rPr>
-                            <m:t>𝑡</m:t>
-                          </m:r>
                           <m:d>
                             <m:dPr>
                               <m:ctrlPr>
-                                <a:rPr lang="de-DE" sz="2000" i="1" smtClean="0">
+                                <a:rPr lang="de-DE" sz="2800" i="1">
                                   <a:solidFill>
                                     <a:schemeClr val="tx1"/>
                                   </a:solidFill>
@@ -22989,57 +23003,107 @@
                               </m:ctrlPr>
                             </m:dPr>
                             <m:e>
-                              <m:r>
-                                <a:rPr lang="de-DE" sz="2000" i="1" smtClean="0">
-                                  <a:solidFill>
-                                    <a:schemeClr val="tx1"/>
-                                  </a:solidFill>
-                                  <a:latin typeface="Cambria Math" panose="02040503050406030204" pitchFamily="18" charset="0"/>
-                                </a:rPr>
-                                <m:t>𝑘</m:t>
-                              </m:r>
+                              <m:f>
+                                <m:fPr>
+                                  <m:ctrlPr>
+                                    <a:rPr lang="de-DE" sz="2800" i="1">
+                                      <a:solidFill>
+                                        <a:schemeClr val="tx1"/>
+                                      </a:solidFill>
+                                      <a:latin typeface="Cambria Math" panose="02040503050406030204" pitchFamily="18" charset="0"/>
+                                    </a:rPr>
+                                  </m:ctrlPr>
+                                </m:fPr>
+                                <m:num>
+                                  <m:d>
+                                    <m:dPr>
+                                      <m:ctrlPr>
+                                        <a:rPr lang="de-DE" sz="2800" i="1">
+                                          <a:solidFill>
+                                            <a:schemeClr val="tx1"/>
+                                          </a:solidFill>
+                                          <a:latin typeface="Cambria Math" panose="02040503050406030204" pitchFamily="18" charset="0"/>
+                                        </a:rPr>
+                                      </m:ctrlPr>
+                                    </m:dPr>
+                                    <m:e>
+                                      <m:r>
+                                        <a:rPr lang="de-DE" sz="2800" i="0">
+                                          <a:solidFill>
+                                            <a:schemeClr val="tx1"/>
+                                          </a:solidFill>
+                                          <a:latin typeface="Cambria Math" panose="02040503050406030204" pitchFamily="18" charset="0"/>
+                                        </a:rPr>
+                                        <m:t>2</m:t>
+                                      </m:r>
+                                      <m:r>
+                                        <a:rPr lang="de-DE" sz="2800" i="1">
+                                          <a:solidFill>
+                                            <a:schemeClr val="tx1"/>
+                                          </a:solidFill>
+                                          <a:latin typeface="Cambria Math" panose="02040503050406030204" pitchFamily="18" charset="0"/>
+                                        </a:rPr>
+                                        <m:t>𝑛</m:t>
+                                      </m:r>
+                                      <m:r>
+                                        <a:rPr lang="de-DE" sz="2800" i="0">
+                                          <a:solidFill>
+                                            <a:schemeClr val="tx1"/>
+                                          </a:solidFill>
+                                          <a:latin typeface="Cambria Math" panose="02040503050406030204" pitchFamily="18" charset="0"/>
+                                        </a:rPr>
+                                        <m:t>+1</m:t>
+                                      </m:r>
+                                    </m:e>
+                                  </m:d>
+                                  <m:r>
+                                    <a:rPr lang="de-DE" sz="2800" i="1">
+                                      <a:solidFill>
+                                        <a:schemeClr val="tx1"/>
+                                      </a:solidFill>
+                                      <a:latin typeface="Cambria Math" panose="02040503050406030204" pitchFamily="18" charset="0"/>
+                                    </a:rPr>
+                                    <m:t>𝑘</m:t>
+                                  </m:r>
+                                  <m:r>
+                                    <a:rPr lang="de-DE" sz="2800" i="1">
+                                      <a:solidFill>
+                                        <a:schemeClr val="tx1"/>
+                                      </a:solidFill>
+                                      <a:latin typeface="Cambria Math" panose="02040503050406030204" pitchFamily="18" charset="0"/>
+                                    </a:rPr>
+                                    <m:t>𝜋</m:t>
+                                  </m:r>
+                                </m:num>
+                                <m:den>
+                                  <m:r>
+                                    <a:rPr lang="de-DE" sz="2800" i="0">
+                                      <a:solidFill>
+                                        <a:schemeClr val="tx1"/>
+                                      </a:solidFill>
+                                      <a:latin typeface="Cambria Math" panose="02040503050406030204" pitchFamily="18" charset="0"/>
+                                    </a:rPr>
+                                    <m:t>2</m:t>
+                                  </m:r>
+                                  <m:r>
+                                    <a:rPr lang="de-DE" sz="2800" i="1">
+                                      <a:solidFill>
+                                        <a:schemeClr val="tx1"/>
+                                      </a:solidFill>
+                                      <a:latin typeface="Cambria Math" panose="02040503050406030204" pitchFamily="18" charset="0"/>
+                                    </a:rPr>
+                                    <m:t>𝑁</m:t>
+                                  </m:r>
+                                </m:den>
+                              </m:f>
                             </m:e>
                           </m:d>
-                          <m:sSub>
-                            <m:sSubPr>
-                              <m:ctrlPr>
-                                <a:rPr lang="de-DE" sz="2000" i="1" smtClean="0">
-                                  <a:solidFill>
-                                    <a:schemeClr val="tx1"/>
-                                  </a:solidFill>
-                                  <a:latin typeface="Cambria Math" panose="02040503050406030204" pitchFamily="18" charset="0"/>
-                                </a:rPr>
-                              </m:ctrlPr>
-                            </m:sSubPr>
-                            <m:e>
-                              <m:r>
-                                <a:rPr lang="de-DE" sz="2000" i="1" smtClean="0">
-                                  <a:solidFill>
-                                    <a:schemeClr val="tx1"/>
-                                  </a:solidFill>
-                                  <a:latin typeface="Cambria Math" panose="02040503050406030204" pitchFamily="18" charset="0"/>
-                                </a:rPr>
-                                <m:t>𝑏</m:t>
-                              </m:r>
-                            </m:e>
-                            <m:sub>
-                              <m:r>
-                                <a:rPr lang="de-DE" sz="2000" i="1" smtClean="0">
-                                  <a:solidFill>
-                                    <a:schemeClr val="tx1"/>
-                                  </a:solidFill>
-                                  <a:latin typeface="Cambria Math" panose="02040503050406030204" pitchFamily="18" charset="0"/>
-                                </a:rPr>
-                                <m:t>𝑘</m:t>
-                              </m:r>
-                            </m:sub>
-                          </m:sSub>
                         </m:e>
-                      </m:nary>
+                      </m:func>
                     </m:oMath>
                   </m:oMathPara>
                 </a14:m>
-                <a:endParaRPr lang="de-DE" sz="2000" dirty="0">
+                <a:endParaRPr lang="de-DE" sz="2800" dirty="0">
                   <a:solidFill>
                     <a:schemeClr val="tx1"/>
                   </a:solidFill>
@@ -23048,28 +23112,29 @@
             </p:txBody>
           </p:sp>
         </mc:Choice>
-        <mc:Fallback xmlns="">
+        <mc:Fallback>
           <p:sp>
             <p:nvSpPr>
-              <p:cNvPr id="7" name="Inhaltsplatzhalter 6">
+              <p:cNvPr id="24" name="Textfeld 23">
                 <a:extLst>
                   <a:ext uri="{FF2B5EF4-FFF2-40B4-BE49-F238E27FC236}">
-                    <a16:creationId xmlns:a16="http://schemas.microsoft.com/office/drawing/2014/main" id="{E8ADD068-8AA9-713B-D64D-CD16602FC7FD}"/>
+                    <a16:creationId xmlns:a16="http://schemas.microsoft.com/office/drawing/2014/main" id="{3AB2B359-D923-86C1-C633-3BFE2C88EEA7}"/>
                   </a:ext>
                 </a:extLst>
               </p:cNvPr>
-              <p:cNvSpPr>
-                <a:spLocks noGrp="1" noRot="1" noChangeAspect="1" noMove="1" noResize="1" noEditPoints="1" noAdjustHandles="1" noChangeArrowheads="1" noChangeShapeType="1" noTextEdit="1"/>
+              <p:cNvSpPr txBox="1">
+                <a:spLocks noRot="1" noChangeAspect="1" noMove="1" noResize="1" noEditPoints="1" noAdjustHandles="1" noChangeArrowheads="1" noChangeShapeType="1" noTextEdit="1"/>
               </p:cNvSpPr>
-              <p:nvPr>
-                <p:ph idx="1"/>
-              </p:nvPr>
+              <p:nvPr/>
             </p:nvSpPr>
             <p:spPr>
               <a:xfrm>
-                <a:off x="565136" y="992853"/>
-                <a:ext cx="2596299" cy="1221319"/>
+                <a:off x="-1" y="2368517"/>
+                <a:ext cx="5188178" cy="1060483"/>
               </a:xfrm>
+              <a:prstGeom prst="rect">
+                <a:avLst/>
+              </a:prstGeom>
               <a:blipFill>
                 <a:blip r:embed="rId2"/>
                 <a:stretch>
@@ -23092,14 +23157,14 @@
           </p:sp>
         </mc:Fallback>
       </mc:AlternateContent>
-      <mc:AlternateContent xmlns:mc="http://schemas.openxmlformats.org/markup-compatibility/2006" xmlns:a14="http://schemas.microsoft.com/office/drawing/2010/main">
-        <mc:Choice Requires="a14">
+      <mc:AlternateContent xmlns:mc="http://schemas.openxmlformats.org/markup-compatibility/2006">
+        <mc:Choice xmlns:a14="http://schemas.microsoft.com/office/drawing/2010/main" Requires="a14">
           <p:sp>
             <p:nvSpPr>
-              <p:cNvPr id="24" name="Textfeld 23">
+              <p:cNvPr id="3" name="Textfeld 2">
                 <a:extLst>
                   <a:ext uri="{FF2B5EF4-FFF2-40B4-BE49-F238E27FC236}">
-                    <a16:creationId xmlns:a16="http://schemas.microsoft.com/office/drawing/2014/main" id="{3AB2B359-D923-86C1-C633-3BFE2C88EEA7}"/>
+                    <a16:creationId xmlns:a16="http://schemas.microsoft.com/office/drawing/2014/main" id="{77490309-9870-4C15-2DAE-7B0B8BB76296}"/>
                   </a:ext>
                 </a:extLst>
               </p:cNvPr>
@@ -23108,8 +23173,1346 @@
             </p:nvSpPr>
             <p:spPr>
               <a:xfrm>
-                <a:off x="-448367" y="2046703"/>
-                <a:ext cx="5202025" cy="783869"/>
+                <a:off x="0" y="3429000"/>
+                <a:ext cx="5188177" cy="1365374"/>
+              </a:xfrm>
+              <a:prstGeom prst="rect">
+                <a:avLst/>
+              </a:prstGeom>
+              <a:noFill/>
+            </p:spPr>
+            <p:txBody>
+              <a:bodyPr wrap="square" rtlCol="0">
+                <a:spAutoFit/>
+              </a:bodyPr>
+              <a:lstStyle/>
+              <a:p>
+                <a14:m>
+                  <m:oMathPara xmlns:m="http://schemas.openxmlformats.org/officeDocument/2006/math">
+                    <m:oMathParaPr>
+                      <m:jc m:val="centerGroup"/>
+                    </m:oMathParaPr>
+                    <m:oMath xmlns:m="http://schemas.openxmlformats.org/officeDocument/2006/math">
+                      <m:sSub>
+                        <m:sSubPr>
+                          <m:ctrlPr>
+                            <a:rPr lang="de-DE" sz="2800" i="1" kern="100" smtClean="0">
+                              <a:solidFill>
+                                <a:schemeClr val="bg1"/>
+                              </a:solidFill>
+                              <a:effectLst/>
+                              <a:latin typeface="Cambria Math" panose="02040503050406030204" pitchFamily="18" charset="0"/>
+                              <a:ea typeface="Aptos" panose="020B0004020202020204" pitchFamily="34" charset="0"/>
+                              <a:cs typeface="Times New Roman" panose="02020603050405020304" pitchFamily="18" charset="0"/>
+                            </a:rPr>
+                          </m:ctrlPr>
+                        </m:sSubPr>
+                        <m:e>
+                          <m:r>
+                            <m:rPr>
+                              <m:sty m:val="p"/>
+                            </m:rPr>
+                            <a:rPr lang="de-DE" sz="2800" kern="100">
+                              <a:solidFill>
+                                <a:schemeClr val="bg1"/>
+                              </a:solidFill>
+                              <a:effectLst/>
+                              <a:latin typeface="Cambria Math" panose="02040503050406030204" pitchFamily="18" charset="0"/>
+                              <a:ea typeface="Aptos" panose="020B0004020202020204" pitchFamily="34" charset="0"/>
+                              <a:cs typeface="Times New Roman" panose="02020603050405020304" pitchFamily="18" charset="0"/>
+                            </a:rPr>
+                            <m:t>α</m:t>
+                          </m:r>
+                        </m:e>
+                        <m:sub>
+                          <m:r>
+                            <a:rPr lang="de-DE" sz="2800" i="1" kern="100">
+                              <a:solidFill>
+                                <a:schemeClr val="bg1"/>
+                              </a:solidFill>
+                              <a:effectLst/>
+                              <a:latin typeface="Cambria Math" panose="02040503050406030204" pitchFamily="18" charset="0"/>
+                              <a:ea typeface="Aptos" panose="020B0004020202020204" pitchFamily="34" charset="0"/>
+                              <a:cs typeface="Times New Roman" panose="02020603050405020304" pitchFamily="18" charset="0"/>
+                            </a:rPr>
+                            <m:t>0</m:t>
+                          </m:r>
+                        </m:sub>
+                      </m:sSub>
+                      <m:r>
+                        <a:rPr lang="de-DE" sz="2800" i="1" kern="100">
+                          <a:solidFill>
+                            <a:schemeClr val="bg1"/>
+                          </a:solidFill>
+                          <a:effectLst/>
+                          <a:latin typeface="Cambria Math" panose="02040503050406030204" pitchFamily="18" charset="0"/>
+                          <a:ea typeface="Aptos" panose="020B0004020202020204" pitchFamily="34" charset="0"/>
+                          <a:cs typeface="Times New Roman" panose="02020603050405020304" pitchFamily="18" charset="0"/>
+                        </a:rPr>
+                        <m:t>=</m:t>
+                      </m:r>
+                      <m:rad>
+                        <m:radPr>
+                          <m:degHide m:val="on"/>
+                          <m:ctrlPr>
+                            <a:rPr lang="de-DE" sz="2800" i="1" kern="100">
+                              <a:solidFill>
+                                <a:schemeClr val="bg1"/>
+                              </a:solidFill>
+                              <a:effectLst/>
+                              <a:latin typeface="Cambria Math" panose="02040503050406030204" pitchFamily="18" charset="0"/>
+                              <a:ea typeface="Aptos" panose="020B0004020202020204" pitchFamily="34" charset="0"/>
+                              <a:cs typeface="Times New Roman" panose="02020603050405020304" pitchFamily="18" charset="0"/>
+                            </a:rPr>
+                          </m:ctrlPr>
+                        </m:radPr>
+                        <m:deg/>
+                        <m:e>
+                          <m:f>
+                            <m:fPr>
+                              <m:ctrlPr>
+                                <a:rPr lang="de-DE" sz="2800" i="1" kern="100">
+                                  <a:solidFill>
+                                    <a:schemeClr val="bg1"/>
+                                  </a:solidFill>
+                                  <a:effectLst/>
+                                  <a:latin typeface="Cambria Math" panose="02040503050406030204" pitchFamily="18" charset="0"/>
+                                  <a:ea typeface="Aptos" panose="020B0004020202020204" pitchFamily="34" charset="0"/>
+                                  <a:cs typeface="Times New Roman" panose="02020603050405020304" pitchFamily="18" charset="0"/>
+                                </a:rPr>
+                              </m:ctrlPr>
+                            </m:fPr>
+                            <m:num>
+                              <m:r>
+                                <a:rPr lang="de-DE" sz="2800" i="1" kern="100">
+                                  <a:solidFill>
+                                    <a:schemeClr val="bg1"/>
+                                  </a:solidFill>
+                                  <a:effectLst/>
+                                  <a:latin typeface="Cambria Math" panose="02040503050406030204" pitchFamily="18" charset="0"/>
+                                  <a:ea typeface="Aptos" panose="020B0004020202020204" pitchFamily="34" charset="0"/>
+                                  <a:cs typeface="Times New Roman" panose="02020603050405020304" pitchFamily="18" charset="0"/>
+                                </a:rPr>
+                                <m:t>1</m:t>
+                              </m:r>
+                            </m:num>
+                            <m:den>
+                              <m:r>
+                                <a:rPr lang="de-DE" sz="2800" i="1" kern="100">
+                                  <a:solidFill>
+                                    <a:schemeClr val="bg1"/>
+                                  </a:solidFill>
+                                  <a:effectLst/>
+                                  <a:latin typeface="Cambria Math" panose="02040503050406030204" pitchFamily="18" charset="0"/>
+                                  <a:ea typeface="Aptos" panose="020B0004020202020204" pitchFamily="34" charset="0"/>
+                                  <a:cs typeface="Times New Roman" panose="02020603050405020304" pitchFamily="18" charset="0"/>
+                                </a:rPr>
+                                <m:t>𝑁</m:t>
+                              </m:r>
+                            </m:den>
+                          </m:f>
+                        </m:e>
+                      </m:rad>
+                      <m:r>
+                        <a:rPr lang="de-DE" sz="2800" b="0" i="0" kern="100" smtClean="0">
+                          <a:solidFill>
+                            <a:schemeClr val="bg1"/>
+                          </a:solidFill>
+                          <a:effectLst/>
+                          <a:latin typeface="Cambria Math" panose="02040503050406030204" pitchFamily="18" charset="0"/>
+                          <a:ea typeface="Aptos" panose="020B0004020202020204" pitchFamily="34" charset="0"/>
+                          <a:cs typeface="Times New Roman" panose="02020603050405020304" pitchFamily="18" charset="0"/>
+                        </a:rPr>
+                        <m:t>,</m:t>
+                      </m:r>
+                      <m:r>
+                        <a:rPr lang="de-DE" sz="2800" b="0" i="1" kern="100" smtClean="0">
+                          <a:solidFill>
+                            <a:schemeClr val="bg1"/>
+                          </a:solidFill>
+                          <a:effectLst/>
+                          <a:latin typeface="Cambria Math" panose="02040503050406030204" pitchFamily="18" charset="0"/>
+                          <a:ea typeface="Aptos" panose="020B0004020202020204" pitchFamily="34" charset="0"/>
+                          <a:cs typeface="Times New Roman" panose="02020603050405020304" pitchFamily="18" charset="0"/>
+                        </a:rPr>
+                        <m:t>  </m:t>
+                      </m:r>
+                      <m:sSub>
+                        <m:sSubPr>
+                          <m:ctrlPr>
+                            <a:rPr lang="de-DE" sz="2800" i="1">
+                              <a:solidFill>
+                                <a:schemeClr val="bg1"/>
+                              </a:solidFill>
+                            </a:rPr>
+                          </m:ctrlPr>
+                        </m:sSubPr>
+                        <m:e>
+                          <m:r>
+                            <m:rPr>
+                              <m:sty m:val="p"/>
+                            </m:rPr>
+                            <a:rPr lang="de-DE" sz="2800">
+                              <a:solidFill>
+                                <a:schemeClr val="bg1"/>
+                              </a:solidFill>
+                            </a:rPr>
+                            <m:t>α</m:t>
+                          </m:r>
+                        </m:e>
+                        <m:sub>
+                          <m:r>
+                            <a:rPr lang="de-DE" sz="2800" b="0" i="1" smtClean="0">
+                              <a:solidFill>
+                                <a:schemeClr val="bg1"/>
+                              </a:solidFill>
+                              <a:latin typeface="Cambria Math" panose="02040503050406030204" pitchFamily="18" charset="0"/>
+                            </a:rPr>
+                            <m:t>𝑘</m:t>
+                          </m:r>
+                        </m:sub>
+                      </m:sSub>
+                      <m:r>
+                        <a:rPr lang="de-DE" sz="2800" i="1">
+                          <a:solidFill>
+                            <a:schemeClr val="bg1"/>
+                          </a:solidFill>
+                        </a:rPr>
+                        <m:t>=</m:t>
+                      </m:r>
+                      <m:rad>
+                        <m:radPr>
+                          <m:degHide m:val="on"/>
+                          <m:ctrlPr>
+                            <a:rPr lang="de-DE" sz="2800" i="1">
+                              <a:solidFill>
+                                <a:schemeClr val="bg1"/>
+                              </a:solidFill>
+                            </a:rPr>
+                          </m:ctrlPr>
+                        </m:radPr>
+                        <m:deg/>
+                        <m:e>
+                          <m:f>
+                            <m:fPr>
+                              <m:ctrlPr>
+                                <a:rPr lang="de-DE" sz="2800" i="1">
+                                  <a:solidFill>
+                                    <a:schemeClr val="bg1"/>
+                                  </a:solidFill>
+                                </a:rPr>
+                              </m:ctrlPr>
+                            </m:fPr>
+                            <m:num>
+                              <m:r>
+                                <a:rPr lang="de-DE" sz="2800" b="0" i="1" smtClean="0">
+                                  <a:solidFill>
+                                    <a:schemeClr val="bg1"/>
+                                  </a:solidFill>
+                                  <a:latin typeface="Cambria Math" panose="02040503050406030204" pitchFamily="18" charset="0"/>
+                                </a:rPr>
+                                <m:t>2</m:t>
+                              </m:r>
+                            </m:num>
+                            <m:den>
+                              <m:r>
+                                <a:rPr lang="de-DE" sz="2800" i="1">
+                                  <a:solidFill>
+                                    <a:schemeClr val="bg1"/>
+                                  </a:solidFill>
+                                </a:rPr>
+                                <m:t>𝑁</m:t>
+                              </m:r>
+                            </m:den>
+                          </m:f>
+                        </m:e>
+                      </m:rad>
+                    </m:oMath>
+                  </m:oMathPara>
+                </a14:m>
+                <a:endParaRPr lang="de-DE" sz="2800" dirty="0"/>
+              </a:p>
+            </p:txBody>
+          </p:sp>
+        </mc:Choice>
+        <mc:Fallback>
+          <p:sp>
+            <p:nvSpPr>
+              <p:cNvPr id="3" name="Textfeld 2">
+                <a:extLst>
+                  <a:ext uri="{FF2B5EF4-FFF2-40B4-BE49-F238E27FC236}">
+                    <a16:creationId xmlns:a16="http://schemas.microsoft.com/office/drawing/2014/main" id="{77490309-9870-4C15-2DAE-7B0B8BB76296}"/>
+                  </a:ext>
+                </a:extLst>
+              </p:cNvPr>
+              <p:cNvSpPr txBox="1">
+                <a:spLocks noRot="1" noChangeAspect="1" noMove="1" noResize="1" noEditPoints="1" noAdjustHandles="1" noChangeArrowheads="1" noChangeShapeType="1" noTextEdit="1"/>
+              </p:cNvSpPr>
+              <p:nvPr/>
+            </p:nvSpPr>
+            <p:spPr>
+              <a:xfrm>
+                <a:off x="0" y="3429000"/>
+                <a:ext cx="5188177" cy="1365374"/>
+              </a:xfrm>
+              <a:prstGeom prst="rect">
+                <a:avLst/>
+              </a:prstGeom>
+              <a:blipFill>
+                <a:blip r:embed="rId3"/>
+                <a:stretch>
+                  <a:fillRect/>
+                </a:stretch>
+              </a:blipFill>
+            </p:spPr>
+            <p:txBody>
+              <a:bodyPr/>
+              <a:lstStyle/>
+              <a:p>
+                <a:r>
+                  <a:rPr lang="de-DE">
+                    <a:noFill/>
+                  </a:rPr>
+                  <a:t> </a:t>
+                </a:r>
+              </a:p>
+            </p:txBody>
+          </p:sp>
+        </mc:Fallback>
+      </mc:AlternateContent>
+      <p:pic>
+        <p:nvPicPr>
+          <p:cNvPr id="5" name="Grafik 4">
+            <a:extLst>
+              <a:ext uri="{FF2B5EF4-FFF2-40B4-BE49-F238E27FC236}">
+                <a16:creationId xmlns:a16="http://schemas.microsoft.com/office/drawing/2014/main" id="{CF5FA7FD-1219-E049-DD60-AB6FF1EA3C7C}"/>
+              </a:ext>
+            </a:extLst>
+          </p:cNvPr>
+          <p:cNvPicPr>
+            <a:picLocks noChangeAspect="1"/>
+          </p:cNvPicPr>
+          <p:nvPr/>
+        </p:nvPicPr>
+        <p:blipFill>
+          <a:blip r:embed="rId4">
+            <a:extLst>
+              <a:ext uri="{96DAC541-7B7A-43D3-8B79-37D633B846F1}">
+                <asvg:svgBlip xmlns:asvg="http://schemas.microsoft.com/office/drawing/2016/SVG/main" r:embed="rId5"/>
+              </a:ext>
+            </a:extLst>
+          </a:blip>
+          <a:stretch>
+            <a:fillRect/>
+          </a:stretch>
+        </p:blipFill>
+        <p:spPr>
+          <a:xfrm>
+            <a:off x="5188177" y="724045"/>
+            <a:ext cx="7003823" cy="5258570"/>
+          </a:xfrm>
+          <a:prstGeom prst="rect">
+            <a:avLst/>
+          </a:prstGeom>
+        </p:spPr>
+      </p:pic>
+    </p:spTree>
+    <p:extLst>
+      <p:ext uri="{BB962C8B-B14F-4D97-AF65-F5344CB8AC3E}">
+        <p14:creationId xmlns:p14="http://schemas.microsoft.com/office/powerpoint/2010/main" val="3946098875"/>
+      </p:ext>
+    </p:extLst>
+  </p:cSld>
+  <p:clrMapOvr>
+    <a:masterClrMapping/>
+  </p:clrMapOvr>
+</p:sld>
+</file>
+
+<file path=ppt/slides/slide28.xml><?xml version="1.0" encoding="utf-8"?>
+<p:sld xmlns:a="http://schemas.openxmlformats.org/drawingml/2006/main" xmlns:r="http://schemas.openxmlformats.org/officeDocument/2006/relationships" xmlns:p="http://schemas.openxmlformats.org/presentationml/2006/main">
+  <p:cSld>
+    <p:spTree>
+      <p:nvGrpSpPr>
+        <p:cNvPr id="1" name="">
+          <a:extLst>
+            <a:ext uri="{FF2B5EF4-FFF2-40B4-BE49-F238E27FC236}">
+              <a16:creationId xmlns:a16="http://schemas.microsoft.com/office/drawing/2014/main" id="{9F16E78D-FC86-4514-221C-F65C1505EF50}"/>
+            </a:ext>
+          </a:extLst>
+        </p:cNvPr>
+        <p:cNvGrpSpPr/>
+        <p:nvPr/>
+      </p:nvGrpSpPr>
+      <p:grpSpPr>
+        <a:xfrm>
+          <a:off x="0" y="0"/>
+          <a:ext cx="0" cy="0"/>
+          <a:chOff x="0" y="0"/>
+          <a:chExt cx="0" cy="0"/>
+        </a:xfrm>
+      </p:grpSpPr>
+      <mc:AlternateContent xmlns:mc="http://schemas.openxmlformats.org/markup-compatibility/2006">
+        <mc:Choice xmlns:a14="http://schemas.microsoft.com/office/drawing/2010/main" Requires="a14">
+          <p:sp>
+            <p:nvSpPr>
+              <p:cNvPr id="24" name="Textfeld 23">
+                <a:extLst>
+                  <a:ext uri="{FF2B5EF4-FFF2-40B4-BE49-F238E27FC236}">
+                    <a16:creationId xmlns:a16="http://schemas.microsoft.com/office/drawing/2014/main" id="{20E4E045-A5F0-9FD3-2061-9D5D4297FF9D}"/>
+                  </a:ext>
+                </a:extLst>
+              </p:cNvPr>
+              <p:cNvSpPr txBox="1"/>
+              <p:nvPr/>
+            </p:nvSpPr>
+            <p:spPr>
+              <a:xfrm>
+                <a:off x="-1" y="2368517"/>
+                <a:ext cx="5188178" cy="1060483"/>
+              </a:xfrm>
+              <a:prstGeom prst="rect">
+                <a:avLst/>
+              </a:prstGeom>
+              <a:noFill/>
+            </p:spPr>
+            <p:txBody>
+              <a:bodyPr wrap="square" rtlCol="0">
+                <a:spAutoFit/>
+              </a:bodyPr>
+              <a:lstStyle/>
+              <a:p>
+                <a:pPr/>
+                <a14:m>
+                  <m:oMathPara xmlns:m="http://schemas.openxmlformats.org/officeDocument/2006/math">
+                    <m:oMathParaPr>
+                      <m:jc m:val="centerGroup"/>
+                    </m:oMathParaPr>
+                    <m:oMath xmlns:m="http://schemas.openxmlformats.org/officeDocument/2006/math">
+                      <m:sSub>
+                        <m:sSubPr>
+                          <m:ctrlPr>
+                            <a:rPr lang="de-DE" sz="2800" i="1" smtClean="0">
+                              <a:solidFill>
+                                <a:schemeClr val="tx1"/>
+                              </a:solidFill>
+                              <a:latin typeface="Cambria Math" panose="02040503050406030204" pitchFamily="18" charset="0"/>
+                            </a:rPr>
+                          </m:ctrlPr>
+                        </m:sSubPr>
+                        <m:e>
+                          <m:r>
+                            <a:rPr lang="de-DE" sz="2800" i="1">
+                              <a:solidFill>
+                                <a:schemeClr val="tx1"/>
+                              </a:solidFill>
+                              <a:latin typeface="Cambria Math" panose="02040503050406030204" pitchFamily="18" charset="0"/>
+                            </a:rPr>
+                            <m:t>𝑏</m:t>
+                          </m:r>
+                        </m:e>
+                        <m:sub>
+                          <m:r>
+                            <a:rPr lang="de-DE" sz="2800" i="1">
+                              <a:solidFill>
+                                <a:schemeClr val="tx1"/>
+                              </a:solidFill>
+                              <a:latin typeface="Cambria Math" panose="02040503050406030204" pitchFamily="18" charset="0"/>
+                            </a:rPr>
+                            <m:t>𝑘</m:t>
+                          </m:r>
+                        </m:sub>
+                      </m:sSub>
+                      <m:d>
+                        <m:dPr>
+                          <m:ctrlPr>
+                            <a:rPr lang="de-DE" sz="2800" i="1">
+                              <a:solidFill>
+                                <a:schemeClr val="tx1"/>
+                              </a:solidFill>
+                              <a:latin typeface="Cambria Math" panose="02040503050406030204" pitchFamily="18" charset="0"/>
+                            </a:rPr>
+                          </m:ctrlPr>
+                        </m:dPr>
+                        <m:e>
+                          <m:r>
+                            <a:rPr lang="de-DE" sz="2800" i="1">
+                              <a:solidFill>
+                                <a:schemeClr val="tx1"/>
+                              </a:solidFill>
+                              <a:latin typeface="Cambria Math" panose="02040503050406030204" pitchFamily="18" charset="0"/>
+                            </a:rPr>
+                            <m:t>𝑛</m:t>
+                          </m:r>
+                        </m:e>
+                      </m:d>
+                      <m:r>
+                        <a:rPr lang="de-DE" sz="2800" i="0">
+                          <a:solidFill>
+                            <a:schemeClr val="tx1"/>
+                          </a:solidFill>
+                          <a:latin typeface="Cambria Math" panose="02040503050406030204" pitchFamily="18" charset="0"/>
+                        </a:rPr>
+                        <m:t>=</m:t>
+                      </m:r>
+                      <m:sSub>
+                        <m:sSubPr>
+                          <m:ctrlPr>
+                            <a:rPr lang="de-DE" sz="2800" i="1">
+                              <a:solidFill>
+                                <a:schemeClr val="tx1"/>
+                              </a:solidFill>
+                              <a:latin typeface="Cambria Math" panose="02040503050406030204" pitchFamily="18" charset="0"/>
+                            </a:rPr>
+                          </m:ctrlPr>
+                        </m:sSubPr>
+                        <m:e>
+                          <m:r>
+                            <a:rPr lang="de-DE" sz="2800" i="1">
+                              <a:solidFill>
+                                <a:schemeClr val="tx1"/>
+                              </a:solidFill>
+                              <a:latin typeface="Cambria Math" panose="02040503050406030204" pitchFamily="18" charset="0"/>
+                            </a:rPr>
+                            <m:t>𝛼</m:t>
+                          </m:r>
+                        </m:e>
+                        <m:sub>
+                          <m:r>
+                            <a:rPr lang="de-DE" sz="2800" i="1">
+                              <a:solidFill>
+                                <a:schemeClr val="tx1"/>
+                              </a:solidFill>
+                              <a:latin typeface="Cambria Math" panose="02040503050406030204" pitchFamily="18" charset="0"/>
+                            </a:rPr>
+                            <m:t>𝑘</m:t>
+                          </m:r>
+                        </m:sub>
+                      </m:sSub>
+                      <m:func>
+                        <m:funcPr>
+                          <m:ctrlPr>
+                            <a:rPr lang="de-DE" sz="2800" i="1">
+                              <a:solidFill>
+                                <a:schemeClr val="tx1"/>
+                              </a:solidFill>
+                              <a:latin typeface="Cambria Math" panose="02040503050406030204" pitchFamily="18" charset="0"/>
+                            </a:rPr>
+                          </m:ctrlPr>
+                        </m:funcPr>
+                        <m:fName>
+                          <m:r>
+                            <m:rPr>
+                              <m:sty m:val="p"/>
+                            </m:rPr>
+                            <a:rPr lang="de-DE" sz="2800" i="0">
+                              <a:solidFill>
+                                <a:schemeClr val="tx1"/>
+                              </a:solidFill>
+                              <a:latin typeface="Cambria Math" panose="02040503050406030204" pitchFamily="18" charset="0"/>
+                            </a:rPr>
+                            <m:t>cos</m:t>
+                          </m:r>
+                        </m:fName>
+                        <m:e>
+                          <m:d>
+                            <m:dPr>
+                              <m:ctrlPr>
+                                <a:rPr lang="de-DE" sz="2800" i="1">
+                                  <a:solidFill>
+                                    <a:schemeClr val="tx1"/>
+                                  </a:solidFill>
+                                  <a:latin typeface="Cambria Math" panose="02040503050406030204" pitchFamily="18" charset="0"/>
+                                </a:rPr>
+                              </m:ctrlPr>
+                            </m:dPr>
+                            <m:e>
+                              <m:f>
+                                <m:fPr>
+                                  <m:ctrlPr>
+                                    <a:rPr lang="de-DE" sz="2800" i="1">
+                                      <a:solidFill>
+                                        <a:schemeClr val="tx1"/>
+                                      </a:solidFill>
+                                      <a:latin typeface="Cambria Math" panose="02040503050406030204" pitchFamily="18" charset="0"/>
+                                    </a:rPr>
+                                  </m:ctrlPr>
+                                </m:fPr>
+                                <m:num>
+                                  <m:d>
+                                    <m:dPr>
+                                      <m:ctrlPr>
+                                        <a:rPr lang="de-DE" sz="2800" i="1">
+                                          <a:solidFill>
+                                            <a:schemeClr val="tx1"/>
+                                          </a:solidFill>
+                                          <a:latin typeface="Cambria Math" panose="02040503050406030204" pitchFamily="18" charset="0"/>
+                                        </a:rPr>
+                                      </m:ctrlPr>
+                                    </m:dPr>
+                                    <m:e>
+                                      <m:r>
+                                        <a:rPr lang="de-DE" sz="2800" i="0">
+                                          <a:solidFill>
+                                            <a:schemeClr val="tx1"/>
+                                          </a:solidFill>
+                                          <a:latin typeface="Cambria Math" panose="02040503050406030204" pitchFamily="18" charset="0"/>
+                                        </a:rPr>
+                                        <m:t>2</m:t>
+                                      </m:r>
+                                      <m:r>
+                                        <a:rPr lang="de-DE" sz="2800" i="1">
+                                          <a:solidFill>
+                                            <a:schemeClr val="tx1"/>
+                                          </a:solidFill>
+                                          <a:latin typeface="Cambria Math" panose="02040503050406030204" pitchFamily="18" charset="0"/>
+                                        </a:rPr>
+                                        <m:t>𝑛</m:t>
+                                      </m:r>
+                                      <m:r>
+                                        <a:rPr lang="de-DE" sz="2800" i="0">
+                                          <a:solidFill>
+                                            <a:schemeClr val="tx1"/>
+                                          </a:solidFill>
+                                          <a:latin typeface="Cambria Math" panose="02040503050406030204" pitchFamily="18" charset="0"/>
+                                        </a:rPr>
+                                        <m:t>+1</m:t>
+                                      </m:r>
+                                    </m:e>
+                                  </m:d>
+                                  <m:r>
+                                    <a:rPr lang="de-DE" sz="2800" i="1">
+                                      <a:solidFill>
+                                        <a:schemeClr val="tx1"/>
+                                      </a:solidFill>
+                                      <a:latin typeface="Cambria Math" panose="02040503050406030204" pitchFamily="18" charset="0"/>
+                                    </a:rPr>
+                                    <m:t>𝑘</m:t>
+                                  </m:r>
+                                  <m:r>
+                                    <a:rPr lang="de-DE" sz="2800" i="1">
+                                      <a:solidFill>
+                                        <a:schemeClr val="tx1"/>
+                                      </a:solidFill>
+                                      <a:latin typeface="Cambria Math" panose="02040503050406030204" pitchFamily="18" charset="0"/>
+                                    </a:rPr>
+                                    <m:t>𝜋</m:t>
+                                  </m:r>
+                                </m:num>
+                                <m:den>
+                                  <m:r>
+                                    <a:rPr lang="de-DE" sz="2800" i="0">
+                                      <a:solidFill>
+                                        <a:schemeClr val="tx1"/>
+                                      </a:solidFill>
+                                      <a:latin typeface="Cambria Math" panose="02040503050406030204" pitchFamily="18" charset="0"/>
+                                    </a:rPr>
+                                    <m:t>2</m:t>
+                                  </m:r>
+                                  <m:r>
+                                    <a:rPr lang="de-DE" sz="2800" i="1">
+                                      <a:solidFill>
+                                        <a:schemeClr val="tx1"/>
+                                      </a:solidFill>
+                                      <a:latin typeface="Cambria Math" panose="02040503050406030204" pitchFamily="18" charset="0"/>
+                                    </a:rPr>
+                                    <m:t>𝑁</m:t>
+                                  </m:r>
+                                </m:den>
+                              </m:f>
+                            </m:e>
+                          </m:d>
+                        </m:e>
+                      </m:func>
+                    </m:oMath>
+                  </m:oMathPara>
+                </a14:m>
+                <a:endParaRPr lang="de-DE" sz="2800" dirty="0">
+                  <a:solidFill>
+                    <a:schemeClr val="tx1"/>
+                  </a:solidFill>
+                </a:endParaRPr>
+              </a:p>
+            </p:txBody>
+          </p:sp>
+        </mc:Choice>
+        <mc:Fallback>
+          <p:sp>
+            <p:nvSpPr>
+              <p:cNvPr id="24" name="Textfeld 23">
+                <a:extLst>
+                  <a:ext uri="{FF2B5EF4-FFF2-40B4-BE49-F238E27FC236}">
+                    <a16:creationId xmlns:a16="http://schemas.microsoft.com/office/drawing/2014/main" id="{20E4E045-A5F0-9FD3-2061-9D5D4297FF9D}"/>
+                  </a:ext>
+                </a:extLst>
+              </p:cNvPr>
+              <p:cNvSpPr txBox="1">
+                <a:spLocks noRot="1" noChangeAspect="1" noMove="1" noResize="1" noEditPoints="1" noAdjustHandles="1" noChangeArrowheads="1" noChangeShapeType="1" noTextEdit="1"/>
+              </p:cNvSpPr>
+              <p:nvPr/>
+            </p:nvSpPr>
+            <p:spPr>
+              <a:xfrm>
+                <a:off x="-1" y="2368517"/>
+                <a:ext cx="5188178" cy="1060483"/>
+              </a:xfrm>
+              <a:prstGeom prst="rect">
+                <a:avLst/>
+              </a:prstGeom>
+              <a:blipFill>
+                <a:blip r:embed="rId2"/>
+                <a:stretch>
+                  <a:fillRect/>
+                </a:stretch>
+              </a:blipFill>
+            </p:spPr>
+            <p:txBody>
+              <a:bodyPr/>
+              <a:lstStyle/>
+              <a:p>
+                <a:r>
+                  <a:rPr lang="de-DE">
+                    <a:noFill/>
+                  </a:rPr>
+                  <a:t> </a:t>
+                </a:r>
+              </a:p>
+            </p:txBody>
+          </p:sp>
+        </mc:Fallback>
+      </mc:AlternateContent>
+      <mc:AlternateContent xmlns:mc="http://schemas.openxmlformats.org/markup-compatibility/2006">
+        <mc:Choice xmlns:a14="http://schemas.microsoft.com/office/drawing/2010/main" Requires="a14">
+          <p:sp>
+            <p:nvSpPr>
+              <p:cNvPr id="3" name="Textfeld 2">
+                <a:extLst>
+                  <a:ext uri="{FF2B5EF4-FFF2-40B4-BE49-F238E27FC236}">
+                    <a16:creationId xmlns:a16="http://schemas.microsoft.com/office/drawing/2014/main" id="{1B521056-8459-477E-845A-9F8F9A304495}"/>
+                  </a:ext>
+                </a:extLst>
+              </p:cNvPr>
+              <p:cNvSpPr txBox="1"/>
+              <p:nvPr/>
+            </p:nvSpPr>
+            <p:spPr>
+              <a:xfrm>
+                <a:off x="0" y="3429000"/>
+                <a:ext cx="5188177" cy="1365374"/>
+              </a:xfrm>
+              <a:prstGeom prst="rect">
+                <a:avLst/>
+              </a:prstGeom>
+              <a:noFill/>
+            </p:spPr>
+            <p:txBody>
+              <a:bodyPr wrap="square" rtlCol="0">
+                <a:spAutoFit/>
+              </a:bodyPr>
+              <a:lstStyle/>
+              <a:p>
+                <a:pPr/>
+                <a14:m>
+                  <m:oMathPara xmlns:m="http://schemas.openxmlformats.org/officeDocument/2006/math">
+                    <m:oMathParaPr>
+                      <m:jc m:val="centerGroup"/>
+                    </m:oMathParaPr>
+                    <m:oMath xmlns:m="http://schemas.openxmlformats.org/officeDocument/2006/math">
+                      <m:sSub>
+                        <m:sSubPr>
+                          <m:ctrlPr>
+                            <a:rPr lang="de-DE" sz="2800" i="1" kern="100" smtClean="0">
+                              <a:effectLst/>
+                              <a:latin typeface="Cambria Math" panose="02040503050406030204" pitchFamily="18" charset="0"/>
+                              <a:ea typeface="Aptos" panose="020B0004020202020204" pitchFamily="34" charset="0"/>
+                              <a:cs typeface="Times New Roman" panose="02020603050405020304" pitchFamily="18" charset="0"/>
+                            </a:rPr>
+                          </m:ctrlPr>
+                        </m:sSubPr>
+                        <m:e>
+                          <m:r>
+                            <m:rPr>
+                              <m:sty m:val="p"/>
+                            </m:rPr>
+                            <a:rPr lang="de-DE" sz="2800" kern="100">
+                              <a:effectLst/>
+                              <a:latin typeface="Cambria Math" panose="02040503050406030204" pitchFamily="18" charset="0"/>
+                              <a:ea typeface="Aptos" panose="020B0004020202020204" pitchFamily="34" charset="0"/>
+                              <a:cs typeface="Times New Roman" panose="02020603050405020304" pitchFamily="18" charset="0"/>
+                            </a:rPr>
+                            <m:t>α</m:t>
+                          </m:r>
+                        </m:e>
+                        <m:sub>
+                          <m:r>
+                            <a:rPr lang="de-DE" sz="2800" i="1" kern="100">
+                              <a:effectLst/>
+                              <a:latin typeface="Cambria Math" panose="02040503050406030204" pitchFamily="18" charset="0"/>
+                              <a:ea typeface="Aptos" panose="020B0004020202020204" pitchFamily="34" charset="0"/>
+                              <a:cs typeface="Times New Roman" panose="02020603050405020304" pitchFamily="18" charset="0"/>
+                            </a:rPr>
+                            <m:t>0</m:t>
+                          </m:r>
+                        </m:sub>
+                      </m:sSub>
+                      <m:r>
+                        <a:rPr lang="de-DE" sz="2800" i="1" kern="100">
+                          <a:effectLst/>
+                          <a:latin typeface="Cambria Math" panose="02040503050406030204" pitchFamily="18" charset="0"/>
+                          <a:ea typeface="Aptos" panose="020B0004020202020204" pitchFamily="34" charset="0"/>
+                          <a:cs typeface="Times New Roman" panose="02020603050405020304" pitchFamily="18" charset="0"/>
+                        </a:rPr>
+                        <m:t>=</m:t>
+                      </m:r>
+                      <m:rad>
+                        <m:radPr>
+                          <m:degHide m:val="on"/>
+                          <m:ctrlPr>
+                            <a:rPr lang="de-DE" sz="2800" i="1" kern="100">
+                              <a:effectLst/>
+                              <a:latin typeface="Cambria Math" panose="02040503050406030204" pitchFamily="18" charset="0"/>
+                              <a:ea typeface="Aptos" panose="020B0004020202020204" pitchFamily="34" charset="0"/>
+                              <a:cs typeface="Times New Roman" panose="02020603050405020304" pitchFamily="18" charset="0"/>
+                            </a:rPr>
+                          </m:ctrlPr>
+                        </m:radPr>
+                        <m:deg/>
+                        <m:e>
+                          <m:f>
+                            <m:fPr>
+                              <m:ctrlPr>
+                                <a:rPr lang="de-DE" sz="2800" i="1" kern="100">
+                                  <a:effectLst/>
+                                  <a:latin typeface="Cambria Math" panose="02040503050406030204" pitchFamily="18" charset="0"/>
+                                  <a:ea typeface="Aptos" panose="020B0004020202020204" pitchFamily="34" charset="0"/>
+                                  <a:cs typeface="Times New Roman" panose="02020603050405020304" pitchFamily="18" charset="0"/>
+                                </a:rPr>
+                              </m:ctrlPr>
+                            </m:fPr>
+                            <m:num>
+                              <m:r>
+                                <a:rPr lang="de-DE" sz="2800" i="1" kern="100">
+                                  <a:effectLst/>
+                                  <a:latin typeface="Cambria Math" panose="02040503050406030204" pitchFamily="18" charset="0"/>
+                                  <a:ea typeface="Aptos" panose="020B0004020202020204" pitchFamily="34" charset="0"/>
+                                  <a:cs typeface="Times New Roman" panose="02020603050405020304" pitchFamily="18" charset="0"/>
+                                </a:rPr>
+                                <m:t>1</m:t>
+                              </m:r>
+                            </m:num>
+                            <m:den>
+                              <m:r>
+                                <a:rPr lang="de-DE" sz="2800" i="1" kern="100">
+                                  <a:effectLst/>
+                                  <a:latin typeface="Cambria Math" panose="02040503050406030204" pitchFamily="18" charset="0"/>
+                                  <a:ea typeface="Aptos" panose="020B0004020202020204" pitchFamily="34" charset="0"/>
+                                  <a:cs typeface="Times New Roman" panose="02020603050405020304" pitchFamily="18" charset="0"/>
+                                </a:rPr>
+                                <m:t>𝑁</m:t>
+                              </m:r>
+                            </m:den>
+                          </m:f>
+                        </m:e>
+                      </m:rad>
+                      <m:r>
+                        <a:rPr lang="de-DE" sz="2800" b="0" i="0" kern="100" smtClean="0">
+                          <a:effectLst/>
+                          <a:latin typeface="Cambria Math" panose="02040503050406030204" pitchFamily="18" charset="0"/>
+                          <a:ea typeface="Aptos" panose="020B0004020202020204" pitchFamily="34" charset="0"/>
+                          <a:cs typeface="Times New Roman" panose="02020603050405020304" pitchFamily="18" charset="0"/>
+                        </a:rPr>
+                        <m:t>,</m:t>
+                      </m:r>
+                      <m:r>
+                        <a:rPr lang="de-DE" sz="2800" b="0" i="1" kern="100" smtClean="0">
+                          <a:effectLst/>
+                          <a:latin typeface="Cambria Math" panose="02040503050406030204" pitchFamily="18" charset="0"/>
+                          <a:ea typeface="Aptos" panose="020B0004020202020204" pitchFamily="34" charset="0"/>
+                          <a:cs typeface="Times New Roman" panose="02020603050405020304" pitchFamily="18" charset="0"/>
+                        </a:rPr>
+                        <m:t>  </m:t>
+                      </m:r>
+                      <m:sSub>
+                        <m:sSubPr>
+                          <m:ctrlPr>
+                            <a:rPr lang="de-DE" sz="2800" i="1">
+                              <a:latin typeface="Cambria Math" panose="02040503050406030204" pitchFamily="18" charset="0"/>
+                            </a:rPr>
+                          </m:ctrlPr>
+                        </m:sSubPr>
+                        <m:e>
+                          <m:r>
+                            <m:rPr>
+                              <m:sty m:val="p"/>
+                            </m:rPr>
+                            <a:rPr lang="de-DE" sz="2800">
+                              <a:latin typeface="Cambria Math" panose="02040503050406030204" pitchFamily="18" charset="0"/>
+                            </a:rPr>
+                            <m:t>α</m:t>
+                          </m:r>
+                        </m:e>
+                        <m:sub>
+                          <m:r>
+                            <a:rPr lang="de-DE" sz="2800" b="0" i="1" smtClean="0">
+                              <a:latin typeface="Cambria Math" panose="02040503050406030204" pitchFamily="18" charset="0"/>
+                            </a:rPr>
+                            <m:t>𝑘</m:t>
+                          </m:r>
+                        </m:sub>
+                      </m:sSub>
+                      <m:r>
+                        <a:rPr lang="de-DE" sz="2800" i="1">
+                          <a:latin typeface="Cambria Math" panose="02040503050406030204" pitchFamily="18" charset="0"/>
+                        </a:rPr>
+                        <m:t>=</m:t>
+                      </m:r>
+                      <m:rad>
+                        <m:radPr>
+                          <m:degHide m:val="on"/>
+                          <m:ctrlPr>
+                            <a:rPr lang="de-DE" sz="2800" i="1">
+                              <a:latin typeface="Cambria Math" panose="02040503050406030204" pitchFamily="18" charset="0"/>
+                            </a:rPr>
+                          </m:ctrlPr>
+                        </m:radPr>
+                        <m:deg/>
+                        <m:e>
+                          <m:f>
+                            <m:fPr>
+                              <m:ctrlPr>
+                                <a:rPr lang="de-DE" sz="2800" i="1">
+                                  <a:latin typeface="Cambria Math" panose="02040503050406030204" pitchFamily="18" charset="0"/>
+                                </a:rPr>
+                              </m:ctrlPr>
+                            </m:fPr>
+                            <m:num>
+                              <m:r>
+                                <a:rPr lang="de-DE" sz="2800" b="0" i="1" smtClean="0">
+                                  <a:latin typeface="Cambria Math" panose="02040503050406030204" pitchFamily="18" charset="0"/>
+                                </a:rPr>
+                                <m:t>2</m:t>
+                              </m:r>
+                            </m:num>
+                            <m:den>
+                              <m:r>
+                                <a:rPr lang="de-DE" sz="2800" i="1">
+                                  <a:latin typeface="Cambria Math" panose="02040503050406030204" pitchFamily="18" charset="0"/>
+                                </a:rPr>
+                                <m:t>𝑁</m:t>
+                              </m:r>
+                            </m:den>
+                          </m:f>
+                        </m:e>
+                      </m:rad>
+                    </m:oMath>
+                  </m:oMathPara>
+                </a14:m>
+                <a:endParaRPr lang="de-DE" sz="2800" dirty="0"/>
+              </a:p>
+            </p:txBody>
+          </p:sp>
+        </mc:Choice>
+        <mc:Fallback>
+          <p:sp>
+            <p:nvSpPr>
+              <p:cNvPr id="3" name="Textfeld 2">
+                <a:extLst>
+                  <a:ext uri="{FF2B5EF4-FFF2-40B4-BE49-F238E27FC236}">
+                    <a16:creationId xmlns:a16="http://schemas.microsoft.com/office/drawing/2014/main" id="{1B521056-8459-477E-845A-9F8F9A304495}"/>
+                  </a:ext>
+                </a:extLst>
+              </p:cNvPr>
+              <p:cNvSpPr txBox="1">
+                <a:spLocks noRot="1" noChangeAspect="1" noMove="1" noResize="1" noEditPoints="1" noAdjustHandles="1" noChangeArrowheads="1" noChangeShapeType="1" noTextEdit="1"/>
+              </p:cNvSpPr>
+              <p:nvPr/>
+            </p:nvSpPr>
+            <p:spPr>
+              <a:xfrm>
+                <a:off x="0" y="3429000"/>
+                <a:ext cx="5188177" cy="1365374"/>
+              </a:xfrm>
+              <a:prstGeom prst="rect">
+                <a:avLst/>
+              </a:prstGeom>
+              <a:blipFill>
+                <a:blip r:embed="rId3"/>
+                <a:stretch>
+                  <a:fillRect/>
+                </a:stretch>
+              </a:blipFill>
+            </p:spPr>
+            <p:txBody>
+              <a:bodyPr/>
+              <a:lstStyle/>
+              <a:p>
+                <a:r>
+                  <a:rPr lang="de-DE">
+                    <a:noFill/>
+                  </a:rPr>
+                  <a:t> </a:t>
+                </a:r>
+              </a:p>
+            </p:txBody>
+          </p:sp>
+        </mc:Fallback>
+      </mc:AlternateContent>
+      <p:pic>
+        <p:nvPicPr>
+          <p:cNvPr id="5" name="Grafik 4">
+            <a:extLst>
+              <a:ext uri="{FF2B5EF4-FFF2-40B4-BE49-F238E27FC236}">
+                <a16:creationId xmlns:a16="http://schemas.microsoft.com/office/drawing/2014/main" id="{E7E0BE13-BD87-F3AF-5703-2A7D4E832640}"/>
+              </a:ext>
+            </a:extLst>
+          </p:cNvPr>
+          <p:cNvPicPr>
+            <a:picLocks noChangeAspect="1"/>
+          </p:cNvPicPr>
+          <p:nvPr/>
+        </p:nvPicPr>
+        <p:blipFill>
+          <a:blip r:embed="rId4">
+            <a:extLst>
+              <a:ext uri="{96DAC541-7B7A-43D3-8B79-37D633B846F1}">
+                <asvg:svgBlip xmlns:asvg="http://schemas.microsoft.com/office/drawing/2016/SVG/main" r:embed="rId5"/>
+              </a:ext>
+            </a:extLst>
+          </a:blip>
+          <a:stretch>
+            <a:fillRect/>
+          </a:stretch>
+        </p:blipFill>
+        <p:spPr>
+          <a:xfrm>
+            <a:off x="5188177" y="724045"/>
+            <a:ext cx="7003823" cy="5258570"/>
+          </a:xfrm>
+          <a:prstGeom prst="rect">
+            <a:avLst/>
+          </a:prstGeom>
+        </p:spPr>
+      </p:pic>
+      <p:pic>
+        <p:nvPicPr>
+          <p:cNvPr id="4" name="Grafik 3">
+            <a:extLst>
+              <a:ext uri="{FF2B5EF4-FFF2-40B4-BE49-F238E27FC236}">
+                <a16:creationId xmlns:a16="http://schemas.microsoft.com/office/drawing/2014/main" id="{4A38ED36-63F0-D3B2-CB03-85B08C7A25BE}"/>
+              </a:ext>
+            </a:extLst>
+          </p:cNvPr>
+          <p:cNvPicPr>
+            <a:picLocks noChangeAspect="1"/>
+          </p:cNvPicPr>
+          <p:nvPr/>
+        </p:nvPicPr>
+        <p:blipFill>
+          <a:blip r:embed="rId6">
+            <a:extLst>
+              <a:ext uri="{96DAC541-7B7A-43D3-8B79-37D633B846F1}">
+                <asvg:svgBlip xmlns:asvg="http://schemas.microsoft.com/office/drawing/2016/SVG/main" r:embed="rId7"/>
+              </a:ext>
+            </a:extLst>
+          </a:blip>
+          <a:stretch>
+            <a:fillRect/>
+          </a:stretch>
+        </p:blipFill>
+        <p:spPr>
+          <a:xfrm>
+            <a:off x="5188178" y="724045"/>
+            <a:ext cx="7003822" cy="5258570"/>
+          </a:xfrm>
+          <a:prstGeom prst="rect">
+            <a:avLst/>
+          </a:prstGeom>
+        </p:spPr>
+      </p:pic>
+    </p:spTree>
+    <p:extLst>
+      <p:ext uri="{BB962C8B-B14F-4D97-AF65-F5344CB8AC3E}">
+        <p14:creationId xmlns:p14="http://schemas.microsoft.com/office/powerpoint/2010/main" val="2618536230"/>
+      </p:ext>
+    </p:extLst>
+  </p:cSld>
+  <p:clrMapOvr>
+    <a:masterClrMapping/>
+  </p:clrMapOvr>
+</p:sld>
+</file>
+
+<file path=ppt/slides/slide29.xml><?xml version="1.0" encoding="utf-8"?>
+<p:sld xmlns:a="http://schemas.openxmlformats.org/drawingml/2006/main" xmlns:r="http://schemas.openxmlformats.org/officeDocument/2006/relationships" xmlns:p="http://schemas.openxmlformats.org/presentationml/2006/main">
+  <p:cSld>
+    <p:spTree>
+      <p:nvGrpSpPr>
+        <p:cNvPr id="1" name="">
+          <a:extLst>
+            <a:ext uri="{FF2B5EF4-FFF2-40B4-BE49-F238E27FC236}">
+              <a16:creationId xmlns:a16="http://schemas.microsoft.com/office/drawing/2014/main" id="{F5AD87A5-FFA9-D539-697D-0A2AE5038384}"/>
+            </a:ext>
+          </a:extLst>
+        </p:cNvPr>
+        <p:cNvGrpSpPr/>
+        <p:nvPr/>
+      </p:nvGrpSpPr>
+      <p:grpSpPr>
+        <a:xfrm>
+          <a:off x="0" y="0"/>
+          <a:ext cx="0" cy="0"/>
+          <a:chOff x="0" y="0"/>
+          <a:chExt cx="0" cy="0"/>
+        </a:xfrm>
+      </p:grpSpPr>
+      <mc:AlternateContent xmlns:mc="http://schemas.openxmlformats.org/markup-compatibility/2006">
+        <mc:Choice xmlns:a14="http://schemas.microsoft.com/office/drawing/2010/main" Requires="a14">
+          <p:sp>
+            <p:nvSpPr>
+              <p:cNvPr id="2" name="Textfeld 1">
+                <a:extLst>
+                  <a:ext uri="{FF2B5EF4-FFF2-40B4-BE49-F238E27FC236}">
+                    <a16:creationId xmlns:a16="http://schemas.microsoft.com/office/drawing/2014/main" id="{CBDEA006-5BEB-ED52-F8EA-F874C60D517F}"/>
+                  </a:ext>
+                </a:extLst>
+              </p:cNvPr>
+              <p:cNvSpPr txBox="1"/>
+              <p:nvPr/>
+            </p:nvSpPr>
+            <p:spPr>
+              <a:xfrm>
+                <a:off x="-215646" y="4391025"/>
+                <a:ext cx="6096001" cy="1304268"/>
+              </a:xfrm>
+              <a:prstGeom prst="rect">
+                <a:avLst/>
+              </a:prstGeom>
+              <a:noFill/>
+            </p:spPr>
+            <p:txBody>
+              <a:bodyPr wrap="square" rtlCol="0">
+                <a:spAutoFit/>
+              </a:bodyPr>
+              <a:lstStyle/>
+              <a:p>
+                <a:pPr/>
+                <a14:m>
+                  <m:oMathPara xmlns:m="http://schemas.openxmlformats.org/officeDocument/2006/math">
+                    <m:oMathParaPr>
+                      <m:jc m:val="centerGroup"/>
+                    </m:oMathParaPr>
+                    <m:oMath xmlns:m="http://schemas.openxmlformats.org/officeDocument/2006/math">
+                      <m:r>
+                        <a:rPr lang="de-DE" sz="2800" b="0" i="1" smtClean="0">
+                          <a:latin typeface="Cambria Math" panose="02040503050406030204" pitchFamily="18" charset="0"/>
+                        </a:rPr>
+                        <m:t>𝑡</m:t>
+                      </m:r>
+                      <m:r>
+                        <a:rPr lang="de-DE" sz="2800" b="0" i="1" smtClean="0">
+                          <a:latin typeface="Cambria Math" panose="02040503050406030204" pitchFamily="18" charset="0"/>
+                        </a:rPr>
+                        <m:t>(</m:t>
+                      </m:r>
+                      <m:r>
+                        <a:rPr lang="de-DE" sz="2800" b="0" i="1" smtClean="0">
+                          <a:latin typeface="Cambria Math" panose="02040503050406030204" pitchFamily="18" charset="0"/>
+                        </a:rPr>
+                        <m:t>𝑘</m:t>
+                      </m:r>
+                      <m:r>
+                        <a:rPr lang="de-DE" sz="2800" b="0" i="1" smtClean="0">
+                          <a:latin typeface="Cambria Math" panose="02040503050406030204" pitchFamily="18" charset="0"/>
+                        </a:rPr>
+                        <m:t>)=</m:t>
+                      </m:r>
+                      <m:nary>
+                        <m:naryPr>
+                          <m:chr m:val="∑"/>
+                          <m:ctrlPr>
+                            <a:rPr lang="de-DE" sz="2800" i="1" smtClean="0">
+                              <a:latin typeface="Cambria Math" panose="02040503050406030204" pitchFamily="18" charset="0"/>
+                            </a:rPr>
+                          </m:ctrlPr>
+                        </m:naryPr>
+                        <m:sub>
+                          <m:r>
+                            <m:rPr>
+                              <m:brk m:alnAt="23"/>
+                            </m:rPr>
+                            <a:rPr lang="de-DE" sz="2800" b="0" i="1" smtClean="0">
+                              <a:latin typeface="Cambria Math" panose="02040503050406030204" pitchFamily="18" charset="0"/>
+                            </a:rPr>
+                            <m:t>𝑛</m:t>
+                          </m:r>
+                          <m:r>
+                            <a:rPr lang="de-DE" sz="2800" b="0" i="1" smtClean="0">
+                              <a:latin typeface="Cambria Math" panose="02040503050406030204" pitchFamily="18" charset="0"/>
+                            </a:rPr>
+                            <m:t>=0</m:t>
+                          </m:r>
+                        </m:sub>
+                        <m:sup>
+                          <m:r>
+                            <a:rPr lang="de-DE" sz="2800" b="0" i="1" smtClean="0">
+                              <a:latin typeface="Cambria Math" panose="02040503050406030204" pitchFamily="18" charset="0"/>
+                            </a:rPr>
+                            <m:t>𝑁</m:t>
+                          </m:r>
+                          <m:r>
+                            <a:rPr lang="de-DE" sz="2800" b="0" i="1" smtClean="0">
+                              <a:latin typeface="Cambria Math" panose="02040503050406030204" pitchFamily="18" charset="0"/>
+                            </a:rPr>
+                            <m:t>−1</m:t>
+                          </m:r>
+                        </m:sup>
+                        <m:e>
+                          <m:r>
+                            <a:rPr lang="de-DE" sz="2800" b="0" i="1" smtClean="0">
+                              <a:latin typeface="Cambria Math" panose="02040503050406030204" pitchFamily="18" charset="0"/>
+                            </a:rPr>
+                            <m:t>𝑠</m:t>
+                          </m:r>
+                          <m:r>
+                            <a:rPr lang="de-DE" sz="2800" b="0" i="1" smtClean="0">
+                              <a:latin typeface="Cambria Math" panose="02040503050406030204" pitchFamily="18" charset="0"/>
+                            </a:rPr>
+                            <m:t>(</m:t>
+                          </m:r>
+                          <m:r>
+                            <a:rPr lang="de-DE" sz="2800" b="0" i="1" smtClean="0">
+                              <a:latin typeface="Cambria Math" panose="02040503050406030204" pitchFamily="18" charset="0"/>
+                            </a:rPr>
+                            <m:t>𝑛</m:t>
+                          </m:r>
+                          <m:r>
+                            <a:rPr lang="de-DE" sz="2800" b="0" i="1" smtClean="0">
+                              <a:latin typeface="Cambria Math" panose="02040503050406030204" pitchFamily="18" charset="0"/>
+                            </a:rPr>
+                            <m:t>)∙</m:t>
+                          </m:r>
+                          <m:sSub>
+                            <m:sSubPr>
+                              <m:ctrlPr>
+                                <a:rPr lang="de-DE" sz="2800" b="0" i="1" smtClean="0">
+                                  <a:latin typeface="Cambria Math" panose="02040503050406030204" pitchFamily="18" charset="0"/>
+                                  <a:ea typeface="Cambria Math" panose="02040503050406030204" pitchFamily="18" charset="0"/>
+                                </a:rPr>
+                              </m:ctrlPr>
+                            </m:sSubPr>
+                            <m:e>
+                              <m:r>
+                                <a:rPr lang="de-DE" sz="2800" b="0" i="1" smtClean="0">
+                                  <a:latin typeface="Cambria Math" panose="02040503050406030204" pitchFamily="18" charset="0"/>
+                                  <a:ea typeface="Cambria Math" panose="02040503050406030204" pitchFamily="18" charset="0"/>
+                                </a:rPr>
+                                <m:t>𝑏</m:t>
+                              </m:r>
+                            </m:e>
+                            <m:sub>
+                              <m:r>
+                                <a:rPr lang="de-DE" sz="2800" b="0" i="1" smtClean="0">
+                                  <a:latin typeface="Cambria Math" panose="02040503050406030204" pitchFamily="18" charset="0"/>
+                                  <a:ea typeface="Cambria Math" panose="02040503050406030204" pitchFamily="18" charset="0"/>
+                                </a:rPr>
+                                <m:t>𝑘</m:t>
+                              </m:r>
+                            </m:sub>
+                          </m:sSub>
+                          <m:r>
+                            <a:rPr lang="de-DE" sz="2800" b="0" i="1" smtClean="0">
+                              <a:latin typeface="Cambria Math" panose="02040503050406030204" pitchFamily="18" charset="0"/>
+                              <a:ea typeface="Cambria Math" panose="02040503050406030204" pitchFamily="18" charset="0"/>
+                            </a:rPr>
+                            <m:t>(</m:t>
+                          </m:r>
+                          <m:r>
+                            <a:rPr lang="de-DE" sz="2800" b="0" i="1" smtClean="0">
+                              <a:latin typeface="Cambria Math" panose="02040503050406030204" pitchFamily="18" charset="0"/>
+                              <a:ea typeface="Cambria Math" panose="02040503050406030204" pitchFamily="18" charset="0"/>
+                            </a:rPr>
+                            <m:t>𝑛</m:t>
+                          </m:r>
+                          <m:r>
+                            <a:rPr lang="de-DE" sz="2800" b="0" i="1" smtClean="0">
+                              <a:latin typeface="Cambria Math" panose="02040503050406030204" pitchFamily="18" charset="0"/>
+                              <a:ea typeface="Cambria Math" panose="02040503050406030204" pitchFamily="18" charset="0"/>
+                            </a:rPr>
+                            <m:t>)</m:t>
+                          </m:r>
+                        </m:e>
+                      </m:nary>
+                    </m:oMath>
+                  </m:oMathPara>
+                </a14:m>
+                <a:endParaRPr lang="de-DE" sz="2800" dirty="0"/>
+              </a:p>
+            </p:txBody>
+          </p:sp>
+        </mc:Choice>
+        <mc:Fallback>
+          <p:sp>
+            <p:nvSpPr>
+              <p:cNvPr id="2" name="Textfeld 1">
+                <a:extLst>
+                  <a:ext uri="{FF2B5EF4-FFF2-40B4-BE49-F238E27FC236}">
+                    <a16:creationId xmlns:a16="http://schemas.microsoft.com/office/drawing/2014/main" id="{CBDEA006-5BEB-ED52-F8EA-F874C60D517F}"/>
+                  </a:ext>
+                </a:extLst>
+              </p:cNvPr>
+              <p:cNvSpPr txBox="1">
+                <a:spLocks noRot="1" noChangeAspect="1" noMove="1" noResize="1" noEditPoints="1" noAdjustHandles="1" noChangeArrowheads="1" noChangeShapeType="1" noTextEdit="1"/>
+              </p:cNvSpPr>
+              <p:nvPr/>
+            </p:nvSpPr>
+            <p:spPr>
+              <a:xfrm>
+                <a:off x="-215646" y="4391025"/>
+                <a:ext cx="6096001" cy="1304268"/>
+              </a:xfrm>
+              <a:prstGeom prst="rect">
+                <a:avLst/>
+              </a:prstGeom>
+              <a:blipFill>
+                <a:blip r:embed="rId2"/>
+                <a:stretch>
+                  <a:fillRect/>
+                </a:stretch>
+              </a:blipFill>
+            </p:spPr>
+            <p:txBody>
+              <a:bodyPr/>
+              <a:lstStyle/>
+              <a:p>
+                <a:r>
+                  <a:rPr lang="de-DE">
+                    <a:noFill/>
+                  </a:rPr>
+                  <a:t> </a:t>
+                </a:r>
+              </a:p>
+            </p:txBody>
+          </p:sp>
+        </mc:Fallback>
+      </mc:AlternateContent>
+      <mc:AlternateContent xmlns:mc="http://schemas.openxmlformats.org/markup-compatibility/2006">
+        <mc:Choice xmlns:a14="http://schemas.microsoft.com/office/drawing/2010/main" Requires="a14">
+          <p:sp>
+            <p:nvSpPr>
+              <p:cNvPr id="24" name="Textfeld 23">
+                <a:extLst>
+                  <a:ext uri="{FF2B5EF4-FFF2-40B4-BE49-F238E27FC236}">
+                    <a16:creationId xmlns:a16="http://schemas.microsoft.com/office/drawing/2014/main" id="{A65A6EAB-799A-87BE-8B81-A6E7CE695E0F}"/>
+                  </a:ext>
+                </a:extLst>
+              </p:cNvPr>
+              <p:cNvSpPr txBox="1"/>
+              <p:nvPr/>
+            </p:nvSpPr>
+            <p:spPr>
+              <a:xfrm>
+                <a:off x="-1" y="1182693"/>
+                <a:ext cx="6096001" cy="783869"/>
               </a:xfrm>
               <a:prstGeom prst="rect">
                 <a:avLst/>
@@ -23376,13 +24779,13 @@
             </p:txBody>
           </p:sp>
         </mc:Choice>
-        <mc:Fallback xmlns="">
+        <mc:Fallback>
           <p:sp>
             <p:nvSpPr>
               <p:cNvPr id="24" name="Textfeld 23">
                 <a:extLst>
                   <a:ext uri="{FF2B5EF4-FFF2-40B4-BE49-F238E27FC236}">
-                    <a16:creationId xmlns:a16="http://schemas.microsoft.com/office/drawing/2014/main" id="{3AB2B359-D923-86C1-C633-3BFE2C88EEA7}"/>
+                    <a16:creationId xmlns:a16="http://schemas.microsoft.com/office/drawing/2014/main" id="{A65A6EAB-799A-87BE-8B81-A6E7CE695E0F}"/>
                   </a:ext>
                 </a:extLst>
               </p:cNvPr>
@@ -23393,14 +24796,2474 @@
             </p:nvSpPr>
             <p:spPr>
               <a:xfrm>
-                <a:off x="-448367" y="2046703"/>
-                <a:ext cx="5202025" cy="783869"/>
+                <a:off x="-1" y="1182693"/>
+                <a:ext cx="6096001" cy="783869"/>
               </a:xfrm>
               <a:prstGeom prst="rect">
                 <a:avLst/>
               </a:prstGeom>
               <a:blipFill>
                 <a:blip r:embed="rId3"/>
+                <a:stretch>
+                  <a:fillRect/>
+                </a:stretch>
+              </a:blipFill>
+            </p:spPr>
+            <p:txBody>
+              <a:bodyPr/>
+              <a:lstStyle/>
+              <a:p>
+                <a:r>
+                  <a:rPr lang="de-DE">
+                    <a:noFill/>
+                  </a:rPr>
+                  <a:t> </a:t>
+                </a:r>
+              </a:p>
+            </p:txBody>
+          </p:sp>
+        </mc:Fallback>
+      </mc:AlternateContent>
+      <mc:AlternateContent xmlns:mc="http://schemas.openxmlformats.org/markup-compatibility/2006">
+        <mc:Choice xmlns:a14="http://schemas.microsoft.com/office/drawing/2010/main" Requires="a14">
+          <p:sp>
+            <p:nvSpPr>
+              <p:cNvPr id="3" name="Textfeld 2">
+                <a:extLst>
+                  <a:ext uri="{FF2B5EF4-FFF2-40B4-BE49-F238E27FC236}">
+                    <a16:creationId xmlns:a16="http://schemas.microsoft.com/office/drawing/2014/main" id="{3219492E-A0ED-091C-B42B-E585736C8834}"/>
+                  </a:ext>
+                </a:extLst>
+              </p:cNvPr>
+              <p:cNvSpPr txBox="1"/>
+              <p:nvPr/>
+            </p:nvSpPr>
+            <p:spPr>
+              <a:xfrm>
+                <a:off x="0" y="2154542"/>
+                <a:ext cx="6096000" cy="1001684"/>
+              </a:xfrm>
+              <a:prstGeom prst="rect">
+                <a:avLst/>
+              </a:prstGeom>
+              <a:noFill/>
+            </p:spPr>
+            <p:txBody>
+              <a:bodyPr wrap="square" rtlCol="0">
+                <a:spAutoFit/>
+              </a:bodyPr>
+              <a:lstStyle/>
+              <a:p>
+                <a:pPr/>
+                <a14:m>
+                  <m:oMathPara xmlns:m="http://schemas.openxmlformats.org/officeDocument/2006/math">
+                    <m:oMathParaPr>
+                      <m:jc m:val="centerGroup"/>
+                    </m:oMathParaPr>
+                    <m:oMath xmlns:m="http://schemas.openxmlformats.org/officeDocument/2006/math">
+                      <m:sSub>
+                        <m:sSubPr>
+                          <m:ctrlPr>
+                            <a:rPr lang="de-DE" sz="2000" i="1" kern="100" smtClean="0">
+                              <a:effectLst/>
+                              <a:latin typeface="Cambria Math" panose="02040503050406030204" pitchFamily="18" charset="0"/>
+                              <a:ea typeface="Aptos" panose="020B0004020202020204" pitchFamily="34" charset="0"/>
+                              <a:cs typeface="Times New Roman" panose="02020603050405020304" pitchFamily="18" charset="0"/>
+                            </a:rPr>
+                          </m:ctrlPr>
+                        </m:sSubPr>
+                        <m:e>
+                          <m:r>
+                            <m:rPr>
+                              <m:sty m:val="p"/>
+                            </m:rPr>
+                            <a:rPr lang="de-DE" sz="2000" kern="100">
+                              <a:effectLst/>
+                              <a:latin typeface="Cambria Math" panose="02040503050406030204" pitchFamily="18" charset="0"/>
+                              <a:ea typeface="Aptos" panose="020B0004020202020204" pitchFamily="34" charset="0"/>
+                              <a:cs typeface="Times New Roman" panose="02020603050405020304" pitchFamily="18" charset="0"/>
+                            </a:rPr>
+                            <m:t>α</m:t>
+                          </m:r>
+                        </m:e>
+                        <m:sub>
+                          <m:r>
+                            <a:rPr lang="de-DE" sz="2000" i="1" kern="100">
+                              <a:effectLst/>
+                              <a:latin typeface="Cambria Math" panose="02040503050406030204" pitchFamily="18" charset="0"/>
+                              <a:ea typeface="Aptos" panose="020B0004020202020204" pitchFamily="34" charset="0"/>
+                              <a:cs typeface="Times New Roman" panose="02020603050405020304" pitchFamily="18" charset="0"/>
+                            </a:rPr>
+                            <m:t>0</m:t>
+                          </m:r>
+                        </m:sub>
+                      </m:sSub>
+                      <m:r>
+                        <a:rPr lang="de-DE" sz="2000" i="1" kern="100">
+                          <a:effectLst/>
+                          <a:latin typeface="Cambria Math" panose="02040503050406030204" pitchFamily="18" charset="0"/>
+                          <a:ea typeface="Aptos" panose="020B0004020202020204" pitchFamily="34" charset="0"/>
+                          <a:cs typeface="Times New Roman" panose="02020603050405020304" pitchFamily="18" charset="0"/>
+                        </a:rPr>
+                        <m:t>=</m:t>
+                      </m:r>
+                      <m:rad>
+                        <m:radPr>
+                          <m:degHide m:val="on"/>
+                          <m:ctrlPr>
+                            <a:rPr lang="de-DE" sz="2000" i="1" kern="100">
+                              <a:effectLst/>
+                              <a:latin typeface="Cambria Math" panose="02040503050406030204" pitchFamily="18" charset="0"/>
+                              <a:ea typeface="Aptos" panose="020B0004020202020204" pitchFamily="34" charset="0"/>
+                              <a:cs typeface="Times New Roman" panose="02020603050405020304" pitchFamily="18" charset="0"/>
+                            </a:rPr>
+                          </m:ctrlPr>
+                        </m:radPr>
+                        <m:deg/>
+                        <m:e>
+                          <m:f>
+                            <m:fPr>
+                              <m:ctrlPr>
+                                <a:rPr lang="de-DE" sz="2000" i="1" kern="100">
+                                  <a:effectLst/>
+                                  <a:latin typeface="Cambria Math" panose="02040503050406030204" pitchFamily="18" charset="0"/>
+                                  <a:ea typeface="Aptos" panose="020B0004020202020204" pitchFamily="34" charset="0"/>
+                                  <a:cs typeface="Times New Roman" panose="02020603050405020304" pitchFamily="18" charset="0"/>
+                                </a:rPr>
+                              </m:ctrlPr>
+                            </m:fPr>
+                            <m:num>
+                              <m:r>
+                                <a:rPr lang="de-DE" sz="2000" i="1" kern="100">
+                                  <a:effectLst/>
+                                  <a:latin typeface="Cambria Math" panose="02040503050406030204" pitchFamily="18" charset="0"/>
+                                  <a:ea typeface="Aptos" panose="020B0004020202020204" pitchFamily="34" charset="0"/>
+                                  <a:cs typeface="Times New Roman" panose="02020603050405020304" pitchFamily="18" charset="0"/>
+                                </a:rPr>
+                                <m:t>1</m:t>
+                              </m:r>
+                            </m:num>
+                            <m:den>
+                              <m:r>
+                                <a:rPr lang="de-DE" sz="2000" i="1" kern="100">
+                                  <a:effectLst/>
+                                  <a:latin typeface="Cambria Math" panose="02040503050406030204" pitchFamily="18" charset="0"/>
+                                  <a:ea typeface="Aptos" panose="020B0004020202020204" pitchFamily="34" charset="0"/>
+                                  <a:cs typeface="Times New Roman" panose="02020603050405020304" pitchFamily="18" charset="0"/>
+                                </a:rPr>
+                                <m:t>𝑁</m:t>
+                              </m:r>
+                            </m:den>
+                          </m:f>
+                        </m:e>
+                      </m:rad>
+                      <m:r>
+                        <a:rPr lang="de-DE" sz="2000" b="0" i="0" kern="100" smtClean="0">
+                          <a:effectLst/>
+                          <a:latin typeface="Cambria Math" panose="02040503050406030204" pitchFamily="18" charset="0"/>
+                          <a:ea typeface="Aptos" panose="020B0004020202020204" pitchFamily="34" charset="0"/>
+                          <a:cs typeface="Times New Roman" panose="02020603050405020304" pitchFamily="18" charset="0"/>
+                        </a:rPr>
+                        <m:t>,</m:t>
+                      </m:r>
+                      <m:r>
+                        <a:rPr lang="de-DE" sz="2000" b="0" i="1" kern="100" smtClean="0">
+                          <a:effectLst/>
+                          <a:latin typeface="Cambria Math" panose="02040503050406030204" pitchFamily="18" charset="0"/>
+                          <a:ea typeface="Aptos" panose="020B0004020202020204" pitchFamily="34" charset="0"/>
+                          <a:cs typeface="Times New Roman" panose="02020603050405020304" pitchFamily="18" charset="0"/>
+                        </a:rPr>
+                        <m:t>  </m:t>
+                      </m:r>
+                      <m:sSub>
+                        <m:sSubPr>
+                          <m:ctrlPr>
+                            <a:rPr lang="de-DE" sz="2000" i="1">
+                              <a:latin typeface="Cambria Math" panose="02040503050406030204" pitchFamily="18" charset="0"/>
+                            </a:rPr>
+                          </m:ctrlPr>
+                        </m:sSubPr>
+                        <m:e>
+                          <m:r>
+                            <m:rPr>
+                              <m:sty m:val="p"/>
+                            </m:rPr>
+                            <a:rPr lang="de-DE" sz="2000">
+                              <a:latin typeface="Cambria Math" panose="02040503050406030204" pitchFamily="18" charset="0"/>
+                            </a:rPr>
+                            <m:t>α</m:t>
+                          </m:r>
+                        </m:e>
+                        <m:sub>
+                          <m:r>
+                            <a:rPr lang="de-DE" sz="2000" b="0" i="1" smtClean="0">
+                              <a:latin typeface="Cambria Math" panose="02040503050406030204" pitchFamily="18" charset="0"/>
+                            </a:rPr>
+                            <m:t>𝑘</m:t>
+                          </m:r>
+                        </m:sub>
+                      </m:sSub>
+                      <m:r>
+                        <a:rPr lang="de-DE" sz="2000" i="1">
+                          <a:latin typeface="Cambria Math" panose="02040503050406030204" pitchFamily="18" charset="0"/>
+                        </a:rPr>
+                        <m:t>=</m:t>
+                      </m:r>
+                      <m:rad>
+                        <m:radPr>
+                          <m:degHide m:val="on"/>
+                          <m:ctrlPr>
+                            <a:rPr lang="de-DE" sz="2000" i="1">
+                              <a:latin typeface="Cambria Math" panose="02040503050406030204" pitchFamily="18" charset="0"/>
+                            </a:rPr>
+                          </m:ctrlPr>
+                        </m:radPr>
+                        <m:deg/>
+                        <m:e>
+                          <m:f>
+                            <m:fPr>
+                              <m:ctrlPr>
+                                <a:rPr lang="de-DE" sz="2000" i="1">
+                                  <a:latin typeface="Cambria Math" panose="02040503050406030204" pitchFamily="18" charset="0"/>
+                                </a:rPr>
+                              </m:ctrlPr>
+                            </m:fPr>
+                            <m:num>
+                              <m:r>
+                                <a:rPr lang="de-DE" sz="2000" b="0" i="1" smtClean="0">
+                                  <a:latin typeface="Cambria Math" panose="02040503050406030204" pitchFamily="18" charset="0"/>
+                                </a:rPr>
+                                <m:t>2</m:t>
+                              </m:r>
+                            </m:num>
+                            <m:den>
+                              <m:r>
+                                <a:rPr lang="de-DE" sz="2000" i="1">
+                                  <a:latin typeface="Cambria Math" panose="02040503050406030204" pitchFamily="18" charset="0"/>
+                                </a:rPr>
+                                <m:t>𝑁</m:t>
+                              </m:r>
+                            </m:den>
+                          </m:f>
+                        </m:e>
+                      </m:rad>
+                    </m:oMath>
+                  </m:oMathPara>
+                </a14:m>
+                <a:endParaRPr lang="de-DE" sz="2000" dirty="0"/>
+              </a:p>
+            </p:txBody>
+          </p:sp>
+        </mc:Choice>
+        <mc:Fallback>
+          <p:sp>
+            <p:nvSpPr>
+              <p:cNvPr id="3" name="Textfeld 2">
+                <a:extLst>
+                  <a:ext uri="{FF2B5EF4-FFF2-40B4-BE49-F238E27FC236}">
+                    <a16:creationId xmlns:a16="http://schemas.microsoft.com/office/drawing/2014/main" id="{3219492E-A0ED-091C-B42B-E585736C8834}"/>
+                  </a:ext>
+                </a:extLst>
+              </p:cNvPr>
+              <p:cNvSpPr txBox="1">
+                <a:spLocks noRot="1" noChangeAspect="1" noMove="1" noResize="1" noEditPoints="1" noAdjustHandles="1" noChangeArrowheads="1" noChangeShapeType="1" noTextEdit="1"/>
+              </p:cNvSpPr>
+              <p:nvPr/>
+            </p:nvSpPr>
+            <p:spPr>
+              <a:xfrm>
+                <a:off x="0" y="2154542"/>
+                <a:ext cx="6096000" cy="1001684"/>
+              </a:xfrm>
+              <a:prstGeom prst="rect">
+                <a:avLst/>
+              </a:prstGeom>
+              <a:blipFill>
+                <a:blip r:embed="rId4"/>
+                <a:stretch>
+                  <a:fillRect/>
+                </a:stretch>
+              </a:blipFill>
+            </p:spPr>
+            <p:txBody>
+              <a:bodyPr/>
+              <a:lstStyle/>
+              <a:p>
+                <a:r>
+                  <a:rPr lang="de-DE">
+                    <a:noFill/>
+                  </a:rPr>
+                  <a:t> </a:t>
+                </a:r>
+              </a:p>
+            </p:txBody>
+          </p:sp>
+        </mc:Fallback>
+      </mc:AlternateContent>
+      <mc:AlternateContent xmlns:mc="http://schemas.openxmlformats.org/markup-compatibility/2006">
+        <mc:Choice xmlns:a14="http://schemas.microsoft.com/office/drawing/2010/main" Requires="a14">
+          <p:sp>
+            <p:nvSpPr>
+              <p:cNvPr id="7" name="Textfeld 6">
+                <a:extLst>
+                  <a:ext uri="{FF2B5EF4-FFF2-40B4-BE49-F238E27FC236}">
+                    <a16:creationId xmlns:a16="http://schemas.microsoft.com/office/drawing/2014/main" id="{A3B6A261-173F-B4D7-A714-778FCCB5FD10}"/>
+                  </a:ext>
+                </a:extLst>
+              </p:cNvPr>
+              <p:cNvSpPr txBox="1"/>
+              <p:nvPr/>
+            </p:nvSpPr>
+            <p:spPr>
+              <a:xfrm>
+                <a:off x="4751833" y="4772938"/>
+                <a:ext cx="6976872" cy="984052"/>
+              </a:xfrm>
+              <a:prstGeom prst="rect">
+                <a:avLst/>
+              </a:prstGeom>
+              <a:noFill/>
+            </p:spPr>
+            <p:txBody>
+              <a:bodyPr wrap="square" rtlCol="0">
+                <a:spAutoFit/>
+              </a:bodyPr>
+              <a:lstStyle/>
+              <a:p>
+                <a:pPr/>
+                <a14:m>
+                  <m:oMathPara xmlns:m="http://schemas.openxmlformats.org/officeDocument/2006/math">
+                    <m:oMathParaPr>
+                      <m:jc m:val="centerGroup"/>
+                    </m:oMathParaPr>
+                    <m:oMath xmlns:m="http://schemas.openxmlformats.org/officeDocument/2006/math">
+                      <m:d>
+                        <m:dPr>
+                          <m:ctrlPr>
+                            <a:rPr lang="de-DE" i="1" smtClean="0">
+                              <a:latin typeface="Cambria Math" panose="02040503050406030204" pitchFamily="18" charset="0"/>
+                            </a:rPr>
+                          </m:ctrlPr>
+                        </m:dPr>
+                        <m:e>
+                          <m:m>
+                            <m:mPr>
+                              <m:mcs>
+                                <m:mc>
+                                  <m:mcPr>
+                                    <m:count m:val="3"/>
+                                    <m:mcJc m:val="center"/>
+                                  </m:mcPr>
+                                </m:mc>
+                              </m:mcs>
+                              <m:ctrlPr>
+                                <a:rPr lang="de-DE" i="1" smtClean="0">
+                                  <a:latin typeface="Cambria Math" panose="02040503050406030204" pitchFamily="18" charset="0"/>
+                                </a:rPr>
+                              </m:ctrlPr>
+                            </m:mPr>
+                            <m:mr>
+                              <m:e>
+                                <m:sSub>
+                                  <m:sSubPr>
+                                    <m:ctrlPr>
+                                      <a:rPr lang="de-DE" b="0" i="1" smtClean="0">
+                                        <a:latin typeface="Cambria Math" panose="02040503050406030204" pitchFamily="18" charset="0"/>
+                                      </a:rPr>
+                                    </m:ctrlPr>
+                                  </m:sSubPr>
+                                  <m:e>
+                                    <m:r>
+                                      <m:rPr>
+                                        <m:brk m:alnAt="7"/>
+                                      </m:rPr>
+                                      <a:rPr lang="de-DE" b="0" i="1" smtClean="0">
+                                        <a:latin typeface="Cambria Math" panose="02040503050406030204" pitchFamily="18" charset="0"/>
+                                      </a:rPr>
+                                      <m:t>𝑏</m:t>
+                                    </m:r>
+                                  </m:e>
+                                  <m:sub>
+                                    <m:r>
+                                      <m:rPr>
+                                        <m:brk m:alnAt="7"/>
+                                      </m:rPr>
+                                      <a:rPr lang="de-DE" b="0" i="1" smtClean="0">
+                                        <a:latin typeface="Cambria Math" panose="02040503050406030204" pitchFamily="18" charset="0"/>
+                                      </a:rPr>
+                                      <m:t>0</m:t>
+                                    </m:r>
+                                  </m:sub>
+                                </m:sSub>
+                                <m:r>
+                                  <m:rPr>
+                                    <m:brk m:alnAt="7"/>
+                                  </m:rPr>
+                                  <a:rPr lang="de-DE" b="0" i="1" smtClean="0">
+                                    <a:latin typeface="Cambria Math" panose="02040503050406030204" pitchFamily="18" charset="0"/>
+                                  </a:rPr>
+                                  <m:t>(</m:t>
+                                </m:r>
+                                <m:r>
+                                  <a:rPr lang="de-DE" b="0" i="1" smtClean="0">
+                                    <a:latin typeface="Cambria Math" panose="02040503050406030204" pitchFamily="18" charset="0"/>
+                                  </a:rPr>
+                                  <m:t>0)</m:t>
+                                </m:r>
+                              </m:e>
+                              <m:e>
+                                <m:r>
+                                  <a:rPr lang="de-DE" i="1" smtClean="0">
+                                    <a:latin typeface="Cambria Math" panose="02040503050406030204" pitchFamily="18" charset="0"/>
+                                  </a:rPr>
+                                  <m:t>⋯</m:t>
+                                </m:r>
+                              </m:e>
+                              <m:e>
+                                <m:sSub>
+                                  <m:sSubPr>
+                                    <m:ctrlPr>
+                                      <a:rPr lang="de-DE" b="0" i="1" smtClean="0">
+                                        <a:latin typeface="Cambria Math" panose="02040503050406030204" pitchFamily="18" charset="0"/>
+                                      </a:rPr>
+                                    </m:ctrlPr>
+                                  </m:sSubPr>
+                                  <m:e>
+                                    <m:r>
+                                      <a:rPr lang="de-DE" b="0" i="1" smtClean="0">
+                                        <a:latin typeface="Cambria Math" panose="02040503050406030204" pitchFamily="18" charset="0"/>
+                                      </a:rPr>
+                                      <m:t>𝑏</m:t>
+                                    </m:r>
+                                  </m:e>
+                                  <m:sub>
+                                    <m:r>
+                                      <a:rPr lang="de-DE" b="0" i="1" smtClean="0">
+                                        <a:latin typeface="Cambria Math" panose="02040503050406030204" pitchFamily="18" charset="0"/>
+                                      </a:rPr>
+                                      <m:t>0</m:t>
+                                    </m:r>
+                                  </m:sub>
+                                </m:sSub>
+                                <m:r>
+                                  <a:rPr lang="de-DE" b="0" i="1" smtClean="0">
+                                    <a:latin typeface="Cambria Math" panose="02040503050406030204" pitchFamily="18" charset="0"/>
+                                  </a:rPr>
+                                  <m:t>(</m:t>
+                                </m:r>
+                                <m:r>
+                                  <a:rPr lang="de-DE" b="0" i="1" smtClean="0">
+                                    <a:latin typeface="Cambria Math" panose="02040503050406030204" pitchFamily="18" charset="0"/>
+                                  </a:rPr>
+                                  <m:t>𝑁</m:t>
+                                </m:r>
+                                <m:r>
+                                  <a:rPr lang="de-DE" b="0" i="1" smtClean="0">
+                                    <a:latin typeface="Cambria Math" panose="02040503050406030204" pitchFamily="18" charset="0"/>
+                                  </a:rPr>
+                                  <m:t>−1)</m:t>
+                                </m:r>
+                              </m:e>
+                            </m:mr>
+                            <m:mr>
+                              <m:e>
+                                <m:r>
+                                  <a:rPr lang="de-DE" i="1" smtClean="0">
+                                    <a:latin typeface="Cambria Math" panose="02040503050406030204" pitchFamily="18" charset="0"/>
+                                  </a:rPr>
+                                  <m:t>⋮</m:t>
+                                </m:r>
+                              </m:e>
+                              <m:e>
+                                <m:r>
+                                  <a:rPr lang="de-DE" i="1" smtClean="0">
+                                    <a:latin typeface="Cambria Math" panose="02040503050406030204" pitchFamily="18" charset="0"/>
+                                  </a:rPr>
+                                  <m:t>⋱</m:t>
+                                </m:r>
+                              </m:e>
+                              <m:e>
+                                <m:r>
+                                  <a:rPr lang="de-DE" i="1" smtClean="0">
+                                    <a:latin typeface="Cambria Math" panose="02040503050406030204" pitchFamily="18" charset="0"/>
+                                  </a:rPr>
+                                  <m:t>⋮</m:t>
+                                </m:r>
+                              </m:e>
+                            </m:mr>
+                            <m:mr>
+                              <m:e>
+                                <m:sSub>
+                                  <m:sSubPr>
+                                    <m:ctrlPr>
+                                      <a:rPr lang="de-DE" b="0" i="1" smtClean="0">
+                                        <a:latin typeface="Cambria Math" panose="02040503050406030204" pitchFamily="18" charset="0"/>
+                                      </a:rPr>
+                                    </m:ctrlPr>
+                                  </m:sSubPr>
+                                  <m:e>
+                                    <m:r>
+                                      <a:rPr lang="de-DE" b="0" i="1" smtClean="0">
+                                        <a:latin typeface="Cambria Math" panose="02040503050406030204" pitchFamily="18" charset="0"/>
+                                      </a:rPr>
+                                      <m:t>𝑏</m:t>
+                                    </m:r>
+                                  </m:e>
+                                  <m:sub>
+                                    <m:r>
+                                      <a:rPr lang="de-DE" b="0" i="1" smtClean="0">
+                                        <a:latin typeface="Cambria Math" panose="02040503050406030204" pitchFamily="18" charset="0"/>
+                                      </a:rPr>
+                                      <m:t>𝑁</m:t>
+                                    </m:r>
+                                    <m:r>
+                                      <a:rPr lang="de-DE" b="0" i="1" smtClean="0">
+                                        <a:latin typeface="Cambria Math" panose="02040503050406030204" pitchFamily="18" charset="0"/>
+                                      </a:rPr>
+                                      <m:t>−1</m:t>
+                                    </m:r>
+                                  </m:sub>
+                                </m:sSub>
+                                <m:r>
+                                  <a:rPr lang="de-DE" b="0" i="1" smtClean="0">
+                                    <a:latin typeface="Cambria Math" panose="02040503050406030204" pitchFamily="18" charset="0"/>
+                                  </a:rPr>
+                                  <m:t>(0) </m:t>
+                                </m:r>
+                              </m:e>
+                              <m:e>
+                                <m:r>
+                                  <a:rPr lang="de-DE" i="1" smtClean="0">
+                                    <a:latin typeface="Cambria Math" panose="02040503050406030204" pitchFamily="18" charset="0"/>
+                                  </a:rPr>
+                                  <m:t>⋯</m:t>
+                                </m:r>
+                              </m:e>
+                              <m:e>
+                                <m:sSub>
+                                  <m:sSubPr>
+                                    <m:ctrlPr>
+                                      <a:rPr lang="de-DE" i="1">
+                                        <a:latin typeface="Cambria Math" panose="02040503050406030204" pitchFamily="18" charset="0"/>
+                                      </a:rPr>
+                                    </m:ctrlPr>
+                                  </m:sSubPr>
+                                  <m:e>
+                                    <m:r>
+                                      <a:rPr lang="de-DE" i="1">
+                                        <a:latin typeface="Cambria Math" panose="02040503050406030204" pitchFamily="18" charset="0"/>
+                                      </a:rPr>
+                                      <m:t>𝑏</m:t>
+                                    </m:r>
+                                  </m:e>
+                                  <m:sub>
+                                    <m:r>
+                                      <a:rPr lang="de-DE" b="0" i="1" smtClean="0">
+                                        <a:latin typeface="Cambria Math" panose="02040503050406030204" pitchFamily="18" charset="0"/>
+                                      </a:rPr>
+                                      <m:t>𝑁</m:t>
+                                    </m:r>
+                                    <m:r>
+                                      <a:rPr lang="de-DE" b="0" i="1" smtClean="0">
+                                        <a:latin typeface="Cambria Math" panose="02040503050406030204" pitchFamily="18" charset="0"/>
+                                      </a:rPr>
+                                      <m:t>−1</m:t>
+                                    </m:r>
+                                  </m:sub>
+                                </m:sSub>
+                                <m:r>
+                                  <a:rPr lang="de-DE" i="1">
+                                    <a:latin typeface="Cambria Math" panose="02040503050406030204" pitchFamily="18" charset="0"/>
+                                  </a:rPr>
+                                  <m:t>(</m:t>
+                                </m:r>
+                                <m:r>
+                                  <a:rPr lang="de-DE" i="1">
+                                    <a:latin typeface="Cambria Math" panose="02040503050406030204" pitchFamily="18" charset="0"/>
+                                  </a:rPr>
+                                  <m:t>𝑁</m:t>
+                                </m:r>
+                                <m:r>
+                                  <a:rPr lang="de-DE" i="1">
+                                    <a:latin typeface="Cambria Math" panose="02040503050406030204" pitchFamily="18" charset="0"/>
+                                  </a:rPr>
+                                  <m:t>−1)</m:t>
+                                </m:r>
+                              </m:e>
+                            </m:mr>
+                          </m:m>
+                        </m:e>
+                      </m:d>
+                      <m:r>
+                        <a:rPr lang="de-DE" i="1" smtClean="0">
+                          <a:latin typeface="Cambria Math" panose="02040503050406030204" pitchFamily="18" charset="0"/>
+                          <a:ea typeface="Cambria Math" panose="02040503050406030204" pitchFamily="18" charset="0"/>
+                        </a:rPr>
+                        <m:t>∙</m:t>
+                      </m:r>
+                      <m:d>
+                        <m:dPr>
+                          <m:ctrlPr>
+                            <a:rPr lang="de-DE" i="1" smtClean="0">
+                              <a:latin typeface="Cambria Math" panose="02040503050406030204" pitchFamily="18" charset="0"/>
+                              <a:ea typeface="Cambria Math" panose="02040503050406030204" pitchFamily="18" charset="0"/>
+                            </a:rPr>
+                          </m:ctrlPr>
+                        </m:dPr>
+                        <m:e>
+                          <m:m>
+                            <m:mPr>
+                              <m:mcs>
+                                <m:mc>
+                                  <m:mcPr>
+                                    <m:count m:val="1"/>
+                                    <m:mcJc m:val="center"/>
+                                  </m:mcPr>
+                                </m:mc>
+                              </m:mcs>
+                              <m:ctrlPr>
+                                <a:rPr lang="de-DE" b="0" i="1" smtClean="0">
+                                  <a:latin typeface="Cambria Math" panose="02040503050406030204" pitchFamily="18" charset="0"/>
+                                  <a:ea typeface="Cambria Math" panose="02040503050406030204" pitchFamily="18" charset="0"/>
+                                </a:rPr>
+                              </m:ctrlPr>
+                            </m:mPr>
+                            <m:mr>
+                              <m:e>
+                                <m:r>
+                                  <m:rPr>
+                                    <m:brk m:alnAt="7"/>
+                                  </m:rPr>
+                                  <a:rPr lang="de-DE" b="0" i="1" smtClean="0">
+                                    <a:latin typeface="Cambria Math" panose="02040503050406030204" pitchFamily="18" charset="0"/>
+                                    <a:ea typeface="Cambria Math" panose="02040503050406030204" pitchFamily="18" charset="0"/>
+                                  </a:rPr>
+                                  <m:t>𝑠</m:t>
+                                </m:r>
+                                <m:d>
+                                  <m:dPr>
+                                    <m:ctrlPr>
+                                      <a:rPr lang="de-DE" b="0" i="1" smtClean="0">
+                                        <a:latin typeface="Cambria Math" panose="02040503050406030204" pitchFamily="18" charset="0"/>
+                                        <a:ea typeface="Cambria Math" panose="02040503050406030204" pitchFamily="18" charset="0"/>
+                                      </a:rPr>
+                                    </m:ctrlPr>
+                                  </m:dPr>
+                                  <m:e>
+                                    <m:r>
+                                      <m:rPr>
+                                        <m:brk m:alnAt="7"/>
+                                      </m:rPr>
+                                      <a:rPr lang="de-DE" b="0" i="1" smtClean="0">
+                                        <a:latin typeface="Cambria Math" panose="02040503050406030204" pitchFamily="18" charset="0"/>
+                                        <a:ea typeface="Cambria Math" panose="02040503050406030204" pitchFamily="18" charset="0"/>
+                                      </a:rPr>
+                                      <m:t>0</m:t>
+                                    </m:r>
+                                  </m:e>
+                                </m:d>
+                              </m:e>
+                            </m:mr>
+                            <m:mr>
+                              <m:e>
+                                <m:r>
+                                  <a:rPr lang="de-DE" i="1" smtClean="0">
+                                    <a:latin typeface="Cambria Math" panose="02040503050406030204" pitchFamily="18" charset="0"/>
+                                    <a:ea typeface="Cambria Math" panose="02040503050406030204" pitchFamily="18" charset="0"/>
+                                  </a:rPr>
+                                  <m:t>⋮</m:t>
+                                </m:r>
+                              </m:e>
+                            </m:mr>
+                            <m:mr>
+                              <m:e>
+                                <m:r>
+                                  <a:rPr lang="de-DE" b="0" i="1" smtClean="0">
+                                    <a:latin typeface="Cambria Math" panose="02040503050406030204" pitchFamily="18" charset="0"/>
+                                    <a:ea typeface="Cambria Math" panose="02040503050406030204" pitchFamily="18" charset="0"/>
+                                  </a:rPr>
+                                  <m:t>𝑠</m:t>
+                                </m:r>
+                                <m:d>
+                                  <m:dPr>
+                                    <m:ctrlPr>
+                                      <a:rPr lang="de-DE" b="0" i="1" smtClean="0">
+                                        <a:latin typeface="Cambria Math" panose="02040503050406030204" pitchFamily="18" charset="0"/>
+                                        <a:ea typeface="Cambria Math" panose="02040503050406030204" pitchFamily="18" charset="0"/>
+                                      </a:rPr>
+                                    </m:ctrlPr>
+                                  </m:dPr>
+                                  <m:e>
+                                    <m:r>
+                                      <a:rPr lang="de-DE" b="0" i="1" smtClean="0">
+                                        <a:latin typeface="Cambria Math" panose="02040503050406030204" pitchFamily="18" charset="0"/>
+                                        <a:ea typeface="Cambria Math" panose="02040503050406030204" pitchFamily="18" charset="0"/>
+                                      </a:rPr>
+                                      <m:t>𝑁</m:t>
+                                    </m:r>
+                                    <m:r>
+                                      <a:rPr lang="de-DE" b="0" i="1" smtClean="0">
+                                        <a:latin typeface="Cambria Math" panose="02040503050406030204" pitchFamily="18" charset="0"/>
+                                        <a:ea typeface="Cambria Math" panose="02040503050406030204" pitchFamily="18" charset="0"/>
+                                      </a:rPr>
+                                      <m:t>−1</m:t>
+                                    </m:r>
+                                  </m:e>
+                                </m:d>
+                              </m:e>
+                            </m:mr>
+                          </m:m>
+                        </m:e>
+                      </m:d>
+                      <m:r>
+                        <a:rPr lang="de-DE" b="0" i="1" smtClean="0">
+                          <a:latin typeface="Cambria Math" panose="02040503050406030204" pitchFamily="18" charset="0"/>
+                          <a:ea typeface="Cambria Math" panose="02040503050406030204" pitchFamily="18" charset="0"/>
+                        </a:rPr>
+                        <m:t>=</m:t>
+                      </m:r>
+                      <m:d>
+                        <m:dPr>
+                          <m:ctrlPr>
+                            <a:rPr lang="de-DE" i="1">
+                              <a:latin typeface="Cambria Math" panose="02040503050406030204" pitchFamily="18" charset="0"/>
+                              <a:ea typeface="Cambria Math" panose="02040503050406030204" pitchFamily="18" charset="0"/>
+                            </a:rPr>
+                          </m:ctrlPr>
+                        </m:dPr>
+                        <m:e>
+                          <m:m>
+                            <m:mPr>
+                              <m:mcs>
+                                <m:mc>
+                                  <m:mcPr>
+                                    <m:count m:val="1"/>
+                                    <m:mcJc m:val="center"/>
+                                  </m:mcPr>
+                                </m:mc>
+                              </m:mcs>
+                              <m:ctrlPr>
+                                <a:rPr lang="de-DE" i="1">
+                                  <a:latin typeface="Cambria Math" panose="02040503050406030204" pitchFamily="18" charset="0"/>
+                                  <a:ea typeface="Cambria Math" panose="02040503050406030204" pitchFamily="18" charset="0"/>
+                                </a:rPr>
+                              </m:ctrlPr>
+                            </m:mPr>
+                            <m:mr>
+                              <m:e>
+                                <m:r>
+                                  <m:rPr>
+                                    <m:brk m:alnAt="7"/>
+                                  </m:rPr>
+                                  <a:rPr lang="de-DE" b="0" i="1" smtClean="0">
+                                    <a:latin typeface="Cambria Math" panose="02040503050406030204" pitchFamily="18" charset="0"/>
+                                    <a:ea typeface="Cambria Math" panose="02040503050406030204" pitchFamily="18" charset="0"/>
+                                  </a:rPr>
+                                  <m:t>𝑡</m:t>
+                                </m:r>
+                                <m:d>
+                                  <m:dPr>
+                                    <m:ctrlPr>
+                                      <a:rPr lang="de-DE" i="1">
+                                        <a:latin typeface="Cambria Math" panose="02040503050406030204" pitchFamily="18" charset="0"/>
+                                        <a:ea typeface="Cambria Math" panose="02040503050406030204" pitchFamily="18" charset="0"/>
+                                      </a:rPr>
+                                    </m:ctrlPr>
+                                  </m:dPr>
+                                  <m:e>
+                                    <m:r>
+                                      <m:rPr>
+                                        <m:brk m:alnAt="7"/>
+                                      </m:rPr>
+                                      <a:rPr lang="de-DE" i="1">
+                                        <a:latin typeface="Cambria Math" panose="02040503050406030204" pitchFamily="18" charset="0"/>
+                                        <a:ea typeface="Cambria Math" panose="02040503050406030204" pitchFamily="18" charset="0"/>
+                                      </a:rPr>
+                                      <m:t>0</m:t>
+                                    </m:r>
+                                  </m:e>
+                                </m:d>
+                              </m:e>
+                            </m:mr>
+                            <m:mr>
+                              <m:e>
+                                <m:r>
+                                  <a:rPr lang="de-DE" i="1">
+                                    <a:latin typeface="Cambria Math" panose="02040503050406030204" pitchFamily="18" charset="0"/>
+                                    <a:ea typeface="Cambria Math" panose="02040503050406030204" pitchFamily="18" charset="0"/>
+                                  </a:rPr>
+                                  <m:t>⋮</m:t>
+                                </m:r>
+                              </m:e>
+                            </m:mr>
+                            <m:mr>
+                              <m:e>
+                                <m:r>
+                                  <a:rPr lang="de-DE" b="0" i="1" smtClean="0">
+                                    <a:latin typeface="Cambria Math" panose="02040503050406030204" pitchFamily="18" charset="0"/>
+                                    <a:ea typeface="Cambria Math" panose="02040503050406030204" pitchFamily="18" charset="0"/>
+                                  </a:rPr>
+                                  <m:t>𝑡</m:t>
+                                </m:r>
+                                <m:d>
+                                  <m:dPr>
+                                    <m:ctrlPr>
+                                      <a:rPr lang="de-DE" i="1">
+                                        <a:latin typeface="Cambria Math" panose="02040503050406030204" pitchFamily="18" charset="0"/>
+                                        <a:ea typeface="Cambria Math" panose="02040503050406030204" pitchFamily="18" charset="0"/>
+                                      </a:rPr>
+                                    </m:ctrlPr>
+                                  </m:dPr>
+                                  <m:e>
+                                    <m:r>
+                                      <a:rPr lang="de-DE" i="1">
+                                        <a:latin typeface="Cambria Math" panose="02040503050406030204" pitchFamily="18" charset="0"/>
+                                        <a:ea typeface="Cambria Math" panose="02040503050406030204" pitchFamily="18" charset="0"/>
+                                      </a:rPr>
+                                      <m:t>𝑁</m:t>
+                                    </m:r>
+                                    <m:r>
+                                      <a:rPr lang="de-DE" i="1">
+                                        <a:latin typeface="Cambria Math" panose="02040503050406030204" pitchFamily="18" charset="0"/>
+                                        <a:ea typeface="Cambria Math" panose="02040503050406030204" pitchFamily="18" charset="0"/>
+                                      </a:rPr>
+                                      <m:t>−1</m:t>
+                                    </m:r>
+                                  </m:e>
+                                </m:d>
+                              </m:e>
+                            </m:mr>
+                          </m:m>
+                        </m:e>
+                      </m:d>
+                    </m:oMath>
+                  </m:oMathPara>
+                </a14:m>
+                <a:endParaRPr lang="de-DE" dirty="0"/>
+              </a:p>
+            </p:txBody>
+          </p:sp>
+        </mc:Choice>
+        <mc:Fallback>
+          <p:sp>
+            <p:nvSpPr>
+              <p:cNvPr id="7" name="Textfeld 6">
+                <a:extLst>
+                  <a:ext uri="{FF2B5EF4-FFF2-40B4-BE49-F238E27FC236}">
+                    <a16:creationId xmlns:a16="http://schemas.microsoft.com/office/drawing/2014/main" id="{A3B6A261-173F-B4D7-A714-778FCCB5FD10}"/>
+                  </a:ext>
+                </a:extLst>
+              </p:cNvPr>
+              <p:cNvSpPr txBox="1">
+                <a:spLocks noRot="1" noChangeAspect="1" noMove="1" noResize="1" noEditPoints="1" noAdjustHandles="1" noChangeArrowheads="1" noChangeShapeType="1" noTextEdit="1"/>
+              </p:cNvSpPr>
+              <p:nvPr/>
+            </p:nvSpPr>
+            <p:spPr>
+              <a:xfrm>
+                <a:off x="4751833" y="4772938"/>
+                <a:ext cx="6976872" cy="984052"/>
+              </a:xfrm>
+              <a:prstGeom prst="rect">
+                <a:avLst/>
+              </a:prstGeom>
+              <a:blipFill>
+                <a:blip r:embed="rId5"/>
+                <a:stretch>
+                  <a:fillRect/>
+                </a:stretch>
+              </a:blipFill>
+            </p:spPr>
+            <p:txBody>
+              <a:bodyPr/>
+              <a:lstStyle/>
+              <a:p>
+                <a:r>
+                  <a:rPr lang="de-DE">
+                    <a:noFill/>
+                  </a:rPr>
+                  <a:t> </a:t>
+                </a:r>
+              </a:p>
+            </p:txBody>
+          </p:sp>
+        </mc:Fallback>
+      </mc:AlternateContent>
+      <p:pic>
+        <p:nvPicPr>
+          <p:cNvPr id="6" name="Grafik 5">
+            <a:extLst>
+              <a:ext uri="{FF2B5EF4-FFF2-40B4-BE49-F238E27FC236}">
+                <a16:creationId xmlns:a16="http://schemas.microsoft.com/office/drawing/2014/main" id="{58CCEFF7-AB58-E477-A66B-CA372C50F1E7}"/>
+              </a:ext>
+            </a:extLst>
+          </p:cNvPr>
+          <p:cNvPicPr>
+            <a:picLocks noChangeAspect="1"/>
+          </p:cNvPicPr>
+          <p:nvPr/>
+        </p:nvPicPr>
+        <p:blipFill>
+          <a:blip r:embed="rId6">
+            <a:extLst>
+              <a:ext uri="{96DAC541-7B7A-43D3-8B79-37D633B846F1}">
+                <asvg:svgBlip xmlns:asvg="http://schemas.microsoft.com/office/drawing/2016/SVG/main" r:embed="rId7"/>
+              </a:ext>
+            </a:extLst>
+          </a:blip>
+          <a:stretch>
+            <a:fillRect/>
+          </a:stretch>
+        </p:blipFill>
+        <p:spPr>
+          <a:xfrm>
+            <a:off x="5880355" y="0"/>
+            <a:ext cx="5848350" cy="4391025"/>
+          </a:xfrm>
+          <a:prstGeom prst="rect">
+            <a:avLst/>
+          </a:prstGeom>
+        </p:spPr>
+      </p:pic>
+    </p:spTree>
+    <p:extLst>
+      <p:ext uri="{BB962C8B-B14F-4D97-AF65-F5344CB8AC3E}">
+        <p14:creationId xmlns:p14="http://schemas.microsoft.com/office/powerpoint/2010/main" val="805652952"/>
+      </p:ext>
+    </p:extLst>
+  </p:cSld>
+  <p:clrMapOvr>
+    <a:masterClrMapping/>
+  </p:clrMapOvr>
+</p:sld>
+</file>
+
+<file path=ppt/slides/slide3.xml><?xml version="1.0" encoding="utf-8"?>
+<p:sld xmlns:a="http://schemas.openxmlformats.org/drawingml/2006/main" xmlns:r="http://schemas.openxmlformats.org/officeDocument/2006/relationships" xmlns:p="http://schemas.openxmlformats.org/presentationml/2006/main">
+  <p:cSld>
+    <p:spTree>
+      <p:nvGrpSpPr>
+        <p:cNvPr id="1" name=""/>
+        <p:cNvGrpSpPr/>
+        <p:nvPr/>
+      </p:nvGrpSpPr>
+      <p:grpSpPr>
+        <a:xfrm>
+          <a:off x="0" y="0"/>
+          <a:ext cx="0" cy="0"/>
+          <a:chOff x="0" y="0"/>
+          <a:chExt cx="0" cy="0"/>
+        </a:xfrm>
+      </p:grpSpPr>
+      <mc:AlternateContent xmlns:mc="http://schemas.openxmlformats.org/markup-compatibility/2006" xmlns:a14="http://schemas.microsoft.com/office/drawing/2010/main">
+        <mc:Choice Requires="a14">
+          <p:sp>
+            <p:nvSpPr>
+              <p:cNvPr id="2" name="Textfeld 1">
+                <a:extLst>
+                  <a:ext uri="{FF2B5EF4-FFF2-40B4-BE49-F238E27FC236}">
+                    <a16:creationId xmlns:a16="http://schemas.microsoft.com/office/drawing/2014/main" id="{76247171-5E72-D5D8-594A-CE29DFACF3B4}"/>
+                  </a:ext>
+                </a:extLst>
+              </p:cNvPr>
+              <p:cNvSpPr txBox="1"/>
+              <p:nvPr/>
+            </p:nvSpPr>
+            <p:spPr>
+              <a:xfrm>
+                <a:off x="0" y="2221105"/>
+                <a:ext cx="12192000" cy="2415790"/>
+              </a:xfrm>
+              <a:prstGeom prst="rect">
+                <a:avLst/>
+              </a:prstGeom>
+              <a:noFill/>
+            </p:spPr>
+            <p:txBody>
+              <a:bodyPr wrap="square" rtlCol="0">
+                <a:spAutoFit/>
+              </a:bodyPr>
+              <a:lstStyle/>
+              <a:p>
+                <a:pPr/>
+                <a14:m>
+                  <m:oMathPara xmlns:m="http://schemas.openxmlformats.org/officeDocument/2006/math">
+                    <m:oMathParaPr>
+                      <m:jc m:val="centerGroup"/>
+                    </m:oMathParaPr>
+                    <m:oMath xmlns:m="http://schemas.openxmlformats.org/officeDocument/2006/math">
+                      <m:eqArr>
+                        <m:eqArrPr>
+                          <m:ctrlPr>
+                            <a:rPr lang="de-DE" sz="2000" i="1" smtClean="0">
+                              <a:latin typeface="Cambria Math" panose="02040503050406030204" pitchFamily="18" charset="0"/>
+                            </a:rPr>
+                          </m:ctrlPr>
+                        </m:eqArrPr>
+                        <m:e>
+                          <m:d>
+                            <m:dPr>
+                              <m:ctrlPr>
+                                <a:rPr lang="de-DE" sz="2000" i="1" smtClean="0">
+                                  <a:solidFill>
+                                    <a:schemeClr val="bg1"/>
+                                  </a:solidFill>
+                                  <a:latin typeface="Cambria Math" panose="02040503050406030204" pitchFamily="18" charset="0"/>
+                                </a:rPr>
+                              </m:ctrlPr>
+                            </m:dPr>
+                            <m:e>
+                              <m:m>
+                                <m:mPr>
+                                  <m:mcs>
+                                    <m:mc>
+                                      <m:mcPr>
+                                        <m:count m:val="8"/>
+                                        <m:mcJc m:val="center"/>
+                                      </m:mcPr>
+                                    </m:mc>
+                                  </m:mcs>
+                                  <m:ctrlPr>
+                                    <a:rPr lang="de-DE" sz="2000" b="0" i="1" smtClean="0">
+                                      <a:solidFill>
+                                        <a:schemeClr val="bg1"/>
+                                      </a:solidFill>
+                                      <a:latin typeface="Cambria Math" panose="02040503050406030204" pitchFamily="18" charset="0"/>
+                                    </a:rPr>
+                                  </m:ctrlPr>
+                                </m:mPr>
+                                <m:mr>
+                                  <m:e>
+                                    <m:r>
+                                      <m:rPr>
+                                        <m:brk m:alnAt="7"/>
+                                      </m:rPr>
+                                      <a:rPr lang="de-DE" sz="2000" i="1">
+                                        <a:solidFill>
+                                          <a:schemeClr val="bg1"/>
+                                        </a:solidFill>
+                                        <a:latin typeface="Cambria Math" panose="02040503050406030204" pitchFamily="18" charset="0"/>
+                                      </a:rPr>
+                                      <m:t>0</m:t>
+                                    </m:r>
+                                    <m:r>
+                                      <a:rPr lang="de-DE" sz="2000" i="1">
+                                        <a:solidFill>
+                                          <a:schemeClr val="bg1"/>
+                                        </a:solidFill>
+                                        <a:latin typeface="Cambria Math" panose="02040503050406030204" pitchFamily="18" charset="0"/>
+                                      </a:rPr>
+                                      <m:t>.353</m:t>
+                                    </m:r>
+                                  </m:e>
+                                  <m:e>
+                                    <m:r>
+                                      <a:rPr lang="de-DE" sz="2000" i="1">
+                                        <a:solidFill>
+                                          <a:schemeClr val="bg1"/>
+                                        </a:solidFill>
+                                        <a:latin typeface="Cambria Math" panose="02040503050406030204" pitchFamily="18" charset="0"/>
+                                      </a:rPr>
+                                      <m:t>0.353</m:t>
+                                    </m:r>
+                                  </m:e>
+                                  <m:e>
+                                    <m:r>
+                                      <a:rPr lang="de-DE" sz="2000" i="1">
+                                        <a:solidFill>
+                                          <a:schemeClr val="bg1"/>
+                                        </a:solidFill>
+                                        <a:latin typeface="Cambria Math" panose="02040503050406030204" pitchFamily="18" charset="0"/>
+                                      </a:rPr>
+                                      <m:t>0.353</m:t>
+                                    </m:r>
+                                  </m:e>
+                                  <m:e>
+                                    <m:r>
+                                      <a:rPr lang="de-DE" sz="2000" i="1">
+                                        <a:solidFill>
+                                          <a:schemeClr val="bg1"/>
+                                        </a:solidFill>
+                                        <a:latin typeface="Cambria Math" panose="02040503050406030204" pitchFamily="18" charset="0"/>
+                                      </a:rPr>
+                                      <m:t>0.353</m:t>
+                                    </m:r>
+                                  </m:e>
+                                  <m:e>
+                                    <m:r>
+                                      <a:rPr lang="de-DE" sz="2000" i="1">
+                                        <a:solidFill>
+                                          <a:schemeClr val="bg1"/>
+                                        </a:solidFill>
+                                        <a:latin typeface="Cambria Math" panose="02040503050406030204" pitchFamily="18" charset="0"/>
+                                      </a:rPr>
+                                      <m:t>0.353</m:t>
+                                    </m:r>
+                                  </m:e>
+                                  <m:e>
+                                    <m:r>
+                                      <a:rPr lang="de-DE" sz="2000" i="1">
+                                        <a:solidFill>
+                                          <a:schemeClr val="bg1"/>
+                                        </a:solidFill>
+                                        <a:latin typeface="Cambria Math" panose="02040503050406030204" pitchFamily="18" charset="0"/>
+                                      </a:rPr>
+                                      <m:t>0.353</m:t>
+                                    </m:r>
+                                  </m:e>
+                                  <m:e>
+                                    <m:r>
+                                      <a:rPr lang="de-DE" sz="2000" i="1">
+                                        <a:solidFill>
+                                          <a:schemeClr val="bg1"/>
+                                        </a:solidFill>
+                                        <a:latin typeface="Cambria Math" panose="02040503050406030204" pitchFamily="18" charset="0"/>
+                                      </a:rPr>
+                                      <m:t>0.353</m:t>
+                                    </m:r>
+                                  </m:e>
+                                  <m:e>
+                                    <m:r>
+                                      <a:rPr lang="de-DE" sz="2000" i="1">
+                                        <a:solidFill>
+                                          <a:schemeClr val="bg1"/>
+                                        </a:solidFill>
+                                        <a:latin typeface="Cambria Math" panose="02040503050406030204" pitchFamily="18" charset="0"/>
+                                      </a:rPr>
+                                      <m:t>0.353</m:t>
+                                    </m:r>
+                                  </m:e>
+                                </m:mr>
+                                <m:mr>
+                                  <m:e>
+                                    <m:r>
+                                      <a:rPr lang="de-DE" sz="2000" i="1">
+                                        <a:solidFill>
+                                          <a:schemeClr val="bg1"/>
+                                        </a:solidFill>
+                                        <a:latin typeface="Cambria Math" panose="02040503050406030204" pitchFamily="18" charset="0"/>
+                                      </a:rPr>
+                                      <m:t>0.49</m:t>
+                                    </m:r>
+                                  </m:e>
+                                  <m:e>
+                                    <m:r>
+                                      <a:rPr lang="de-DE" sz="2000" i="1">
+                                        <a:solidFill>
+                                          <a:schemeClr val="bg1"/>
+                                        </a:solidFill>
+                                        <a:latin typeface="Cambria Math" panose="02040503050406030204" pitchFamily="18" charset="0"/>
+                                      </a:rPr>
+                                      <m:t>0.</m:t>
+                                    </m:r>
+                                    <m:r>
+                                      <a:rPr lang="de-DE" sz="2000" b="0" i="1" smtClean="0">
+                                        <a:solidFill>
+                                          <a:schemeClr val="bg1"/>
+                                        </a:solidFill>
+                                        <a:latin typeface="Cambria Math" panose="02040503050406030204" pitchFamily="18" charset="0"/>
+                                      </a:rPr>
+                                      <m:t>451</m:t>
+                                    </m:r>
+                                  </m:e>
+                                  <m:e>
+                                    <m:r>
+                                      <a:rPr lang="de-DE" sz="2000" b="0" i="1" smtClean="0">
+                                        <a:solidFill>
+                                          <a:schemeClr val="bg1"/>
+                                        </a:solidFill>
+                                        <a:latin typeface="Cambria Math" panose="02040503050406030204" pitchFamily="18" charset="0"/>
+                                      </a:rPr>
+                                      <m:t>0.277</m:t>
+                                    </m:r>
+                                  </m:e>
+                                  <m:e>
+                                    <m:r>
+                                      <a:rPr lang="de-DE" sz="2000" b="0" i="1" smtClean="0">
+                                        <a:solidFill>
+                                          <a:schemeClr val="bg1"/>
+                                        </a:solidFill>
+                                        <a:latin typeface="Cambria Math" panose="02040503050406030204" pitchFamily="18" charset="0"/>
+                                      </a:rPr>
+                                      <m:t>0.097</m:t>
+                                    </m:r>
+                                  </m:e>
+                                  <m:e>
+                                    <m:r>
+                                      <a:rPr lang="de-DE" sz="2000" b="0" i="1" smtClean="0">
+                                        <a:solidFill>
+                                          <a:schemeClr val="bg1"/>
+                                        </a:solidFill>
+                                        <a:latin typeface="Cambria Math" panose="02040503050406030204" pitchFamily="18" charset="0"/>
+                                      </a:rPr>
+                                      <m:t>−0.097</m:t>
+                                    </m:r>
+                                  </m:e>
+                                  <m:e>
+                                    <m:r>
+                                      <a:rPr lang="de-DE" sz="2000" b="0" i="1" smtClean="0">
+                                        <a:solidFill>
+                                          <a:schemeClr val="bg1"/>
+                                        </a:solidFill>
+                                        <a:latin typeface="Cambria Math" panose="02040503050406030204" pitchFamily="18" charset="0"/>
+                                      </a:rPr>
+                                      <m:t>−0.277</m:t>
+                                    </m:r>
+                                  </m:e>
+                                  <m:e>
+                                    <m:r>
+                                      <a:rPr lang="de-DE" sz="2000" b="0" i="1" smtClean="0">
+                                        <a:solidFill>
+                                          <a:schemeClr val="bg1"/>
+                                        </a:solidFill>
+                                        <a:latin typeface="Cambria Math" panose="02040503050406030204" pitchFamily="18" charset="0"/>
+                                      </a:rPr>
+                                      <m:t>−0.415</m:t>
+                                    </m:r>
+                                  </m:e>
+                                  <m:e>
+                                    <m:r>
+                                      <a:rPr lang="de-DE" sz="2000" b="0" i="1" smtClean="0">
+                                        <a:solidFill>
+                                          <a:schemeClr val="bg1"/>
+                                        </a:solidFill>
+                                        <a:latin typeface="Cambria Math" panose="02040503050406030204" pitchFamily="18" charset="0"/>
+                                      </a:rPr>
+                                      <m:t>−0.49</m:t>
+                                    </m:r>
+                                  </m:e>
+                                </m:mr>
+                                <m:mr>
+                                  <m:e>
+                                    <m:r>
+                                      <a:rPr lang="de-DE" sz="2000" b="0" i="1" smtClean="0">
+                                        <a:solidFill>
+                                          <a:schemeClr val="bg1"/>
+                                        </a:solidFill>
+                                        <a:latin typeface="Cambria Math" panose="02040503050406030204" pitchFamily="18" charset="0"/>
+                                      </a:rPr>
+                                      <m:t>0.461</m:t>
+                                    </m:r>
+                                  </m:e>
+                                  <m:e>
+                                    <m:r>
+                                      <a:rPr lang="de-DE" sz="2000" b="0" i="1" smtClean="0">
+                                        <a:solidFill>
+                                          <a:schemeClr val="bg1"/>
+                                        </a:solidFill>
+                                        <a:latin typeface="Cambria Math" panose="02040503050406030204" pitchFamily="18" charset="0"/>
+                                      </a:rPr>
+                                      <m:t>0.191</m:t>
+                                    </m:r>
+                                  </m:e>
+                                  <m:e>
+                                    <m:r>
+                                      <a:rPr lang="de-DE" sz="2000" b="0" i="1" smtClean="0">
+                                        <a:solidFill>
+                                          <a:schemeClr val="bg1"/>
+                                        </a:solidFill>
+                                        <a:latin typeface="Cambria Math" panose="02040503050406030204" pitchFamily="18" charset="0"/>
+                                      </a:rPr>
+                                      <m:t>−0.191</m:t>
+                                    </m:r>
+                                  </m:e>
+                                  <m:e>
+                                    <m:r>
+                                      <a:rPr lang="de-DE" sz="2000" b="0" i="1" smtClean="0">
+                                        <a:solidFill>
+                                          <a:schemeClr val="bg1"/>
+                                        </a:solidFill>
+                                        <a:latin typeface="Cambria Math" panose="02040503050406030204" pitchFamily="18" charset="0"/>
+                                      </a:rPr>
+                                      <m:t>−0.461</m:t>
+                                    </m:r>
+                                  </m:e>
+                                  <m:e>
+                                    <m:r>
+                                      <a:rPr lang="de-DE" sz="2000" b="0" i="1" smtClean="0">
+                                        <a:solidFill>
+                                          <a:schemeClr val="bg1"/>
+                                        </a:solidFill>
+                                        <a:latin typeface="Cambria Math" panose="02040503050406030204" pitchFamily="18" charset="0"/>
+                                      </a:rPr>
+                                      <m:t>−0.461</m:t>
+                                    </m:r>
+                                  </m:e>
+                                  <m:e>
+                                    <m:r>
+                                      <a:rPr lang="de-DE" sz="2000" b="0" i="1" smtClean="0">
+                                        <a:solidFill>
+                                          <a:schemeClr val="bg1"/>
+                                        </a:solidFill>
+                                        <a:latin typeface="Cambria Math" panose="02040503050406030204" pitchFamily="18" charset="0"/>
+                                      </a:rPr>
+                                      <m:t>−0.191</m:t>
+                                    </m:r>
+                                  </m:e>
+                                  <m:e>
+                                    <m:r>
+                                      <a:rPr lang="de-DE" sz="2000" b="0" i="1" smtClean="0">
+                                        <a:solidFill>
+                                          <a:schemeClr val="bg1"/>
+                                        </a:solidFill>
+                                        <a:latin typeface="Cambria Math" panose="02040503050406030204" pitchFamily="18" charset="0"/>
+                                      </a:rPr>
+                                      <m:t>0.191</m:t>
+                                    </m:r>
+                                  </m:e>
+                                  <m:e>
+                                    <m:r>
+                                      <a:rPr lang="de-DE" sz="2000" b="0" i="1" smtClean="0">
+                                        <a:solidFill>
+                                          <a:schemeClr val="bg1"/>
+                                        </a:solidFill>
+                                        <a:latin typeface="Cambria Math" panose="02040503050406030204" pitchFamily="18" charset="0"/>
+                                      </a:rPr>
+                                      <m:t>0.461</m:t>
+                                    </m:r>
+                                  </m:e>
+                                </m:mr>
+                                <m:mr>
+                                  <m:e>
+                                    <m:r>
+                                      <a:rPr lang="de-DE" sz="2000" b="0" i="1" smtClean="0">
+                                        <a:solidFill>
+                                          <a:schemeClr val="bg1"/>
+                                        </a:solidFill>
+                                        <a:latin typeface="Cambria Math" panose="02040503050406030204" pitchFamily="18" charset="0"/>
+                                      </a:rPr>
+                                      <m:t>0.415</m:t>
+                                    </m:r>
+                                  </m:e>
+                                  <m:e>
+                                    <m:r>
+                                      <a:rPr lang="de-DE" sz="2000" b="0" i="1" smtClean="0">
+                                        <a:solidFill>
+                                          <a:schemeClr val="bg1"/>
+                                        </a:solidFill>
+                                        <a:latin typeface="Cambria Math" panose="02040503050406030204" pitchFamily="18" charset="0"/>
+                                      </a:rPr>
+                                      <m:t>−0.097</m:t>
+                                    </m:r>
+                                  </m:e>
+                                  <m:e>
+                                    <m:r>
+                                      <a:rPr lang="de-DE" sz="2000" b="0" i="1" smtClean="0">
+                                        <a:solidFill>
+                                          <a:schemeClr val="bg1"/>
+                                        </a:solidFill>
+                                        <a:latin typeface="Cambria Math" panose="02040503050406030204" pitchFamily="18" charset="0"/>
+                                      </a:rPr>
+                                      <m:t>−0.49</m:t>
+                                    </m:r>
+                                  </m:e>
+                                  <m:e>
+                                    <m:r>
+                                      <a:rPr lang="de-DE" sz="2000" b="0" i="1" smtClean="0">
+                                        <a:solidFill>
+                                          <a:schemeClr val="bg1"/>
+                                        </a:solidFill>
+                                        <a:latin typeface="Cambria Math" panose="02040503050406030204" pitchFamily="18" charset="0"/>
+                                      </a:rPr>
+                                      <m:t>−0.277</m:t>
+                                    </m:r>
+                                  </m:e>
+                                  <m:e>
+                                    <m:r>
+                                      <a:rPr lang="de-DE" sz="2000" b="0" i="1" smtClean="0">
+                                        <a:solidFill>
+                                          <a:schemeClr val="bg1"/>
+                                        </a:solidFill>
+                                        <a:latin typeface="Cambria Math" panose="02040503050406030204" pitchFamily="18" charset="0"/>
+                                      </a:rPr>
+                                      <m:t>0.277</m:t>
+                                    </m:r>
+                                  </m:e>
+                                  <m:e>
+                                    <m:r>
+                                      <a:rPr lang="de-DE" sz="2000" b="0" i="1" smtClean="0">
+                                        <a:solidFill>
+                                          <a:schemeClr val="bg1"/>
+                                        </a:solidFill>
+                                        <a:latin typeface="Cambria Math" panose="02040503050406030204" pitchFamily="18" charset="0"/>
+                                      </a:rPr>
+                                      <m:t>0.49</m:t>
+                                    </m:r>
+                                  </m:e>
+                                  <m:e>
+                                    <m:r>
+                                      <a:rPr lang="de-DE" sz="2000" b="0" i="1" smtClean="0">
+                                        <a:solidFill>
+                                          <a:schemeClr val="bg1"/>
+                                        </a:solidFill>
+                                        <a:latin typeface="Cambria Math" panose="02040503050406030204" pitchFamily="18" charset="0"/>
+                                      </a:rPr>
+                                      <m:t>0.097</m:t>
+                                    </m:r>
+                                  </m:e>
+                                  <m:e>
+                                    <m:r>
+                                      <a:rPr lang="de-DE" sz="2000" b="0" i="1" smtClean="0">
+                                        <a:solidFill>
+                                          <a:schemeClr val="bg1"/>
+                                        </a:solidFill>
+                                        <a:latin typeface="Cambria Math" panose="02040503050406030204" pitchFamily="18" charset="0"/>
+                                      </a:rPr>
+                                      <m:t>−0.415</m:t>
+                                    </m:r>
+                                  </m:e>
+                                </m:mr>
+                                <m:mr>
+                                  <m:e>
+                                    <m:r>
+                                      <a:rPr lang="de-DE" sz="2000" b="0" i="1" smtClean="0">
+                                        <a:solidFill>
+                                          <a:schemeClr val="bg1"/>
+                                        </a:solidFill>
+                                        <a:latin typeface="Cambria Math" panose="02040503050406030204" pitchFamily="18" charset="0"/>
+                                      </a:rPr>
+                                      <m:t>0.353</m:t>
+                                    </m:r>
+                                  </m:e>
+                                  <m:e>
+                                    <m:r>
+                                      <a:rPr lang="de-DE" sz="2000" b="0" i="1" smtClean="0">
+                                        <a:solidFill>
+                                          <a:schemeClr val="bg1"/>
+                                        </a:solidFill>
+                                        <a:latin typeface="Cambria Math" panose="02040503050406030204" pitchFamily="18" charset="0"/>
+                                      </a:rPr>
+                                      <m:t>−0.353</m:t>
+                                    </m:r>
+                                  </m:e>
+                                  <m:e>
+                                    <m:r>
+                                      <a:rPr lang="de-DE" sz="2000" b="0" i="1" smtClean="0">
+                                        <a:solidFill>
+                                          <a:schemeClr val="bg1"/>
+                                        </a:solidFill>
+                                        <a:latin typeface="Cambria Math" panose="02040503050406030204" pitchFamily="18" charset="0"/>
+                                      </a:rPr>
+                                      <m:t>−0.353</m:t>
+                                    </m:r>
+                                  </m:e>
+                                  <m:e>
+                                    <m:r>
+                                      <a:rPr lang="de-DE" sz="2000" b="0" i="1" smtClean="0">
+                                        <a:solidFill>
+                                          <a:schemeClr val="bg1"/>
+                                        </a:solidFill>
+                                        <a:latin typeface="Cambria Math" panose="02040503050406030204" pitchFamily="18" charset="0"/>
+                                      </a:rPr>
+                                      <m:t>0.353</m:t>
+                                    </m:r>
+                                  </m:e>
+                                  <m:e>
+                                    <m:r>
+                                      <a:rPr lang="de-DE" sz="2000" b="0" i="1" smtClean="0">
+                                        <a:solidFill>
+                                          <a:schemeClr val="bg1"/>
+                                        </a:solidFill>
+                                        <a:latin typeface="Cambria Math" panose="02040503050406030204" pitchFamily="18" charset="0"/>
+                                      </a:rPr>
+                                      <m:t>0.353</m:t>
+                                    </m:r>
+                                  </m:e>
+                                  <m:e>
+                                    <m:r>
+                                      <a:rPr lang="de-DE" sz="2000" b="0" i="1" smtClean="0">
+                                        <a:solidFill>
+                                          <a:schemeClr val="bg1"/>
+                                        </a:solidFill>
+                                        <a:latin typeface="Cambria Math" panose="02040503050406030204" pitchFamily="18" charset="0"/>
+                                      </a:rPr>
+                                      <m:t>−0.353</m:t>
+                                    </m:r>
+                                  </m:e>
+                                  <m:e>
+                                    <m:r>
+                                      <a:rPr lang="de-DE" sz="2000" b="0" i="1" smtClean="0">
+                                        <a:solidFill>
+                                          <a:schemeClr val="bg1"/>
+                                        </a:solidFill>
+                                        <a:latin typeface="Cambria Math" panose="02040503050406030204" pitchFamily="18" charset="0"/>
+                                      </a:rPr>
+                                      <m:t>−0.353</m:t>
+                                    </m:r>
+                                  </m:e>
+                                  <m:e>
+                                    <m:r>
+                                      <a:rPr lang="de-DE" sz="2000" b="0" i="1" smtClean="0">
+                                        <a:solidFill>
+                                          <a:schemeClr val="bg1"/>
+                                        </a:solidFill>
+                                        <a:latin typeface="Cambria Math" panose="02040503050406030204" pitchFamily="18" charset="0"/>
+                                      </a:rPr>
+                                      <m:t>0.353</m:t>
+                                    </m:r>
+                                  </m:e>
+                                </m:mr>
+                                <m:mr>
+                                  <m:e>
+                                    <m:r>
+                                      <a:rPr lang="de-DE" sz="2000" b="0" i="1" smtClean="0">
+                                        <a:solidFill>
+                                          <a:schemeClr val="bg1"/>
+                                        </a:solidFill>
+                                        <a:latin typeface="Cambria Math" panose="02040503050406030204" pitchFamily="18" charset="0"/>
+                                      </a:rPr>
+                                      <m:t>0.277</m:t>
+                                    </m:r>
+                                  </m:e>
+                                  <m:e>
+                                    <m:r>
+                                      <a:rPr lang="de-DE" sz="2000" b="0" i="1" smtClean="0">
+                                        <a:solidFill>
+                                          <a:schemeClr val="bg1"/>
+                                        </a:solidFill>
+                                        <a:latin typeface="Cambria Math" panose="02040503050406030204" pitchFamily="18" charset="0"/>
+                                      </a:rPr>
+                                      <m:t>−0.49</m:t>
+                                    </m:r>
+                                  </m:e>
+                                  <m:e>
+                                    <m:r>
+                                      <a:rPr lang="de-DE" sz="2000" b="0" i="1" smtClean="0">
+                                        <a:solidFill>
+                                          <a:schemeClr val="bg1"/>
+                                        </a:solidFill>
+                                        <a:latin typeface="Cambria Math" panose="02040503050406030204" pitchFamily="18" charset="0"/>
+                                      </a:rPr>
+                                      <m:t>0.097</m:t>
+                                    </m:r>
+                                  </m:e>
+                                  <m:e>
+                                    <m:r>
+                                      <a:rPr lang="de-DE" sz="2000" b="0" i="1" smtClean="0">
+                                        <a:solidFill>
+                                          <a:schemeClr val="bg1"/>
+                                        </a:solidFill>
+                                        <a:latin typeface="Cambria Math" panose="02040503050406030204" pitchFamily="18" charset="0"/>
+                                      </a:rPr>
+                                      <m:t>0.415</m:t>
+                                    </m:r>
+                                  </m:e>
+                                  <m:e>
+                                    <m:r>
+                                      <a:rPr lang="de-DE" sz="2000" b="0" i="1" smtClean="0">
+                                        <a:solidFill>
+                                          <a:schemeClr val="bg1"/>
+                                        </a:solidFill>
+                                        <a:latin typeface="Cambria Math" panose="02040503050406030204" pitchFamily="18" charset="0"/>
+                                      </a:rPr>
+                                      <m:t>−0.415</m:t>
+                                    </m:r>
+                                  </m:e>
+                                  <m:e>
+                                    <m:r>
+                                      <a:rPr lang="de-DE" sz="2000" b="0" i="1" smtClean="0">
+                                        <a:solidFill>
+                                          <a:schemeClr val="bg1"/>
+                                        </a:solidFill>
+                                        <a:latin typeface="Cambria Math" panose="02040503050406030204" pitchFamily="18" charset="0"/>
+                                      </a:rPr>
+                                      <m:t>−0.097</m:t>
+                                    </m:r>
+                                  </m:e>
+                                  <m:e>
+                                    <m:r>
+                                      <a:rPr lang="de-DE" sz="2000" b="0" i="1" smtClean="0">
+                                        <a:solidFill>
+                                          <a:schemeClr val="bg1"/>
+                                        </a:solidFill>
+                                        <a:latin typeface="Cambria Math" panose="02040503050406030204" pitchFamily="18" charset="0"/>
+                                      </a:rPr>
+                                      <m:t>0.49</m:t>
+                                    </m:r>
+                                  </m:e>
+                                  <m:e>
+                                    <m:r>
+                                      <a:rPr lang="de-DE" sz="2000" b="0" i="1" smtClean="0">
+                                        <a:solidFill>
+                                          <a:schemeClr val="bg1"/>
+                                        </a:solidFill>
+                                        <a:latin typeface="Cambria Math" panose="02040503050406030204" pitchFamily="18" charset="0"/>
+                                      </a:rPr>
+                                      <m:t>−0.277</m:t>
+                                    </m:r>
+                                  </m:e>
+                                </m:mr>
+                                <m:mr>
+                                  <m:e>
+                                    <m:r>
+                                      <a:rPr lang="de-DE" sz="2000" b="0" i="1" smtClean="0">
+                                        <a:solidFill>
+                                          <a:schemeClr val="bg1"/>
+                                        </a:solidFill>
+                                        <a:latin typeface="Cambria Math" panose="02040503050406030204" pitchFamily="18" charset="0"/>
+                                      </a:rPr>
+                                      <m:t>0.191</m:t>
+                                    </m:r>
+                                  </m:e>
+                                  <m:e>
+                                    <m:r>
+                                      <a:rPr lang="de-DE" sz="2000" b="0" i="1" smtClean="0">
+                                        <a:solidFill>
+                                          <a:schemeClr val="bg1"/>
+                                        </a:solidFill>
+                                        <a:latin typeface="Cambria Math" panose="02040503050406030204" pitchFamily="18" charset="0"/>
+                                      </a:rPr>
+                                      <m:t>−0.461</m:t>
+                                    </m:r>
+                                  </m:e>
+                                  <m:e>
+                                    <m:r>
+                                      <a:rPr lang="de-DE" sz="2000" b="0" i="1" smtClean="0">
+                                        <a:solidFill>
+                                          <a:schemeClr val="bg1"/>
+                                        </a:solidFill>
+                                        <a:latin typeface="Cambria Math" panose="02040503050406030204" pitchFamily="18" charset="0"/>
+                                      </a:rPr>
+                                      <m:t>0.461</m:t>
+                                    </m:r>
+                                  </m:e>
+                                  <m:e>
+                                    <m:r>
+                                      <a:rPr lang="de-DE" sz="2000" b="0" i="1" smtClean="0">
+                                        <a:solidFill>
+                                          <a:schemeClr val="bg1"/>
+                                        </a:solidFill>
+                                        <a:latin typeface="Cambria Math" panose="02040503050406030204" pitchFamily="18" charset="0"/>
+                                      </a:rPr>
+                                      <m:t>−0.191</m:t>
+                                    </m:r>
+                                  </m:e>
+                                  <m:e>
+                                    <m:r>
+                                      <a:rPr lang="de-DE" sz="2000" b="0" i="1" smtClean="0">
+                                        <a:solidFill>
+                                          <a:schemeClr val="bg1"/>
+                                        </a:solidFill>
+                                        <a:latin typeface="Cambria Math" panose="02040503050406030204" pitchFamily="18" charset="0"/>
+                                      </a:rPr>
+                                      <m:t>−0.191</m:t>
+                                    </m:r>
+                                  </m:e>
+                                  <m:e>
+                                    <m:r>
+                                      <a:rPr lang="de-DE" sz="2000" b="0" i="1" smtClean="0">
+                                        <a:solidFill>
+                                          <a:schemeClr val="bg1"/>
+                                        </a:solidFill>
+                                        <a:latin typeface="Cambria Math" panose="02040503050406030204" pitchFamily="18" charset="0"/>
+                                      </a:rPr>
+                                      <m:t>0.461</m:t>
+                                    </m:r>
+                                  </m:e>
+                                  <m:e>
+                                    <m:r>
+                                      <a:rPr lang="de-DE" sz="2000" b="0" i="1" smtClean="0">
+                                        <a:solidFill>
+                                          <a:schemeClr val="bg1"/>
+                                        </a:solidFill>
+                                        <a:latin typeface="Cambria Math" panose="02040503050406030204" pitchFamily="18" charset="0"/>
+                                      </a:rPr>
+                                      <m:t>−0.461</m:t>
+                                    </m:r>
+                                  </m:e>
+                                  <m:e>
+                                    <m:r>
+                                      <a:rPr lang="de-DE" sz="2000" b="0" i="1" smtClean="0">
+                                        <a:solidFill>
+                                          <a:schemeClr val="bg1"/>
+                                        </a:solidFill>
+                                        <a:latin typeface="Cambria Math" panose="02040503050406030204" pitchFamily="18" charset="0"/>
+                                      </a:rPr>
+                                      <m:t>0.191</m:t>
+                                    </m:r>
+                                  </m:e>
+                                </m:mr>
+                                <m:mr>
+                                  <m:e>
+                                    <m:r>
+                                      <a:rPr lang="de-DE" sz="2000" b="0" i="1" smtClean="0">
+                                        <a:solidFill>
+                                          <a:schemeClr val="bg1"/>
+                                        </a:solidFill>
+                                        <a:latin typeface="Cambria Math" panose="02040503050406030204" pitchFamily="18" charset="0"/>
+                                      </a:rPr>
+                                      <m:t>0.097</m:t>
+                                    </m:r>
+                                  </m:e>
+                                  <m:e>
+                                    <m:r>
+                                      <a:rPr lang="de-DE" sz="2000" b="0" i="1" smtClean="0">
+                                        <a:solidFill>
+                                          <a:schemeClr val="bg1"/>
+                                        </a:solidFill>
+                                        <a:latin typeface="Cambria Math" panose="02040503050406030204" pitchFamily="18" charset="0"/>
+                                      </a:rPr>
+                                      <m:t>−0.277</m:t>
+                                    </m:r>
+                                  </m:e>
+                                  <m:e>
+                                    <m:r>
+                                      <a:rPr lang="de-DE" sz="2000" b="0" i="1" smtClean="0">
+                                        <a:solidFill>
+                                          <a:schemeClr val="bg1"/>
+                                        </a:solidFill>
+                                        <a:latin typeface="Cambria Math" panose="02040503050406030204" pitchFamily="18" charset="0"/>
+                                      </a:rPr>
+                                      <m:t>0.415</m:t>
+                                    </m:r>
+                                  </m:e>
+                                  <m:e>
+                                    <m:r>
+                                      <a:rPr lang="de-DE" sz="2000" b="0" i="1" smtClean="0">
+                                        <a:solidFill>
+                                          <a:schemeClr val="bg1"/>
+                                        </a:solidFill>
+                                        <a:latin typeface="Cambria Math" panose="02040503050406030204" pitchFamily="18" charset="0"/>
+                                      </a:rPr>
+                                      <m:t>−0.49</m:t>
+                                    </m:r>
+                                  </m:e>
+                                  <m:e>
+                                    <m:r>
+                                      <a:rPr lang="de-DE" sz="2000" b="0" i="1" smtClean="0">
+                                        <a:solidFill>
+                                          <a:schemeClr val="bg1"/>
+                                        </a:solidFill>
+                                        <a:latin typeface="Cambria Math" panose="02040503050406030204" pitchFamily="18" charset="0"/>
+                                      </a:rPr>
+                                      <m:t>0.49</m:t>
+                                    </m:r>
+                                  </m:e>
+                                  <m:e>
+                                    <m:r>
+                                      <a:rPr lang="de-DE" sz="2000" b="0" i="1" smtClean="0">
+                                        <a:solidFill>
+                                          <a:schemeClr val="bg1"/>
+                                        </a:solidFill>
+                                        <a:latin typeface="Cambria Math" panose="02040503050406030204" pitchFamily="18" charset="0"/>
+                                      </a:rPr>
+                                      <m:t>−0.415</m:t>
+                                    </m:r>
+                                  </m:e>
+                                  <m:e>
+                                    <m:r>
+                                      <a:rPr lang="de-DE" sz="2000" b="0" i="1" smtClean="0">
+                                        <a:solidFill>
+                                          <a:schemeClr val="bg1"/>
+                                        </a:solidFill>
+                                        <a:latin typeface="Cambria Math" panose="02040503050406030204" pitchFamily="18" charset="0"/>
+                                      </a:rPr>
+                                      <m:t>0.277</m:t>
+                                    </m:r>
+                                  </m:e>
+                                  <m:e>
+                                    <m:r>
+                                      <a:rPr lang="de-DE" sz="2000" b="0" i="1" smtClean="0">
+                                        <a:solidFill>
+                                          <a:schemeClr val="bg1"/>
+                                        </a:solidFill>
+                                        <a:latin typeface="Cambria Math" panose="02040503050406030204" pitchFamily="18" charset="0"/>
+                                      </a:rPr>
+                                      <m:t>−0.097</m:t>
+                                    </m:r>
+                                  </m:e>
+                                </m:mr>
+                              </m:m>
+                            </m:e>
+                          </m:d>
+                          <m:r>
+                            <a:rPr lang="de-DE" sz="2000" i="1">
+                              <a:solidFill>
+                                <a:schemeClr val="bg1"/>
+                              </a:solidFill>
+                              <a:latin typeface="Cambria Math" panose="02040503050406030204" pitchFamily="18" charset="0"/>
+                              <a:ea typeface="Cambria Math" panose="02040503050406030204" pitchFamily="18" charset="0"/>
+                            </a:rPr>
+                            <m:t>∙</m:t>
+                          </m:r>
+                          <m:d>
+                            <m:dPr>
+                              <m:ctrlPr>
+                                <a:rPr lang="de-DE" sz="2000" i="1">
+                                  <a:latin typeface="Cambria Math" panose="02040503050406030204" pitchFamily="18" charset="0"/>
+                                </a:rPr>
+                              </m:ctrlPr>
+                            </m:dPr>
+                            <m:e>
+                              <m:m>
+                                <m:mPr>
+                                  <m:mcs>
+                                    <m:mc>
+                                      <m:mcPr>
+                                        <m:count m:val="1"/>
+                                        <m:mcJc m:val="center"/>
+                                      </m:mcPr>
+                                    </m:mc>
+                                  </m:mcs>
+                                  <m:ctrlPr>
+                                    <a:rPr lang="de-DE" sz="2000" i="1">
+                                      <a:latin typeface="Cambria Math" panose="02040503050406030204" pitchFamily="18" charset="0"/>
+                                    </a:rPr>
+                                  </m:ctrlPr>
+                                </m:mPr>
+                                <m:mr>
+                                  <m:e>
+                                    <m:r>
+                                      <m:rPr>
+                                        <m:brk m:alnAt="7"/>
+                                      </m:rPr>
+                                      <a:rPr lang="de-DE" sz="2000" i="1">
+                                        <a:latin typeface="Cambria Math" panose="02040503050406030204" pitchFamily="18" charset="0"/>
+                                      </a:rPr>
+                                      <m:t>1</m:t>
+                                    </m:r>
+                                  </m:e>
+                                </m:mr>
+                                <m:mr>
+                                  <m:e>
+                                    <m:r>
+                                      <a:rPr lang="de-DE" sz="2000" i="1">
+                                        <a:latin typeface="Cambria Math" panose="02040503050406030204" pitchFamily="18" charset="0"/>
+                                      </a:rPr>
+                                      <m:t>2</m:t>
+                                    </m:r>
+                                  </m:e>
+                                </m:mr>
+                                <m:mr>
+                                  <m:e>
+                                    <m:r>
+                                      <a:rPr lang="de-DE" sz="2000" i="1">
+                                        <a:latin typeface="Cambria Math" panose="02040503050406030204" pitchFamily="18" charset="0"/>
+                                      </a:rPr>
+                                      <m:t>4</m:t>
+                                    </m:r>
+                                  </m:e>
+                                </m:mr>
+                                <m:mr>
+                                  <m:e>
+                                    <m:r>
+                                      <a:rPr lang="de-DE" sz="2000" i="1">
+                                        <a:latin typeface="Cambria Math" panose="02040503050406030204" pitchFamily="18" charset="0"/>
+                                      </a:rPr>
+                                      <m:t>7</m:t>
+                                    </m:r>
+                                  </m:e>
+                                </m:mr>
+                                <m:mr>
+                                  <m:e>
+                                    <m:r>
+                                      <a:rPr lang="de-DE" sz="2000" i="1">
+                                        <a:latin typeface="Cambria Math" panose="02040503050406030204" pitchFamily="18" charset="0"/>
+                                      </a:rPr>
+                                      <m:t>8</m:t>
+                                    </m:r>
+                                  </m:e>
+                                </m:mr>
+                                <m:mr>
+                                  <m:e>
+                                    <m:r>
+                                      <a:rPr lang="de-DE" sz="2000" i="1">
+                                        <a:latin typeface="Cambria Math" panose="02040503050406030204" pitchFamily="18" charset="0"/>
+                                      </a:rPr>
+                                      <m:t>4</m:t>
+                                    </m:r>
+                                  </m:e>
+                                </m:mr>
+                                <m:mr>
+                                  <m:e>
+                                    <m:r>
+                                      <a:rPr lang="de-DE" sz="2000" i="1">
+                                        <a:latin typeface="Cambria Math" panose="02040503050406030204" pitchFamily="18" charset="0"/>
+                                      </a:rPr>
+                                      <m:t>3</m:t>
+                                    </m:r>
+                                  </m:e>
+                                </m:mr>
+                                <m:mr>
+                                  <m:e>
+                                    <m:r>
+                                      <a:rPr lang="de-DE" sz="2000" i="1">
+                                        <a:latin typeface="Cambria Math" panose="02040503050406030204" pitchFamily="18" charset="0"/>
+                                      </a:rPr>
+                                      <m:t>2</m:t>
+                                    </m:r>
+                                  </m:e>
+                                </m:mr>
+                              </m:m>
+                            </m:e>
+                          </m:d>
+                          <m:r>
+                            <a:rPr lang="de-DE" sz="2000" b="0" i="1" smtClean="0">
+                              <a:solidFill>
+                                <a:schemeClr val="bg1"/>
+                              </a:solidFill>
+                              <a:latin typeface="Cambria Math" panose="02040503050406030204" pitchFamily="18" charset="0"/>
+                            </a:rPr>
+                            <m:t>=</m:t>
+                          </m:r>
+                          <m:d>
+                            <m:dPr>
+                              <m:ctrlPr>
+                                <a:rPr lang="de-DE" sz="2000" i="1">
+                                  <a:solidFill>
+                                    <a:schemeClr val="bg1"/>
+                                  </a:solidFill>
+                                  <a:latin typeface="Cambria Math" panose="02040503050406030204" pitchFamily="18" charset="0"/>
+                                </a:rPr>
+                              </m:ctrlPr>
+                            </m:dPr>
+                            <m:e>
+                              <m:m>
+                                <m:mPr>
+                                  <m:mcs>
+                                    <m:mc>
+                                      <m:mcPr>
+                                        <m:count m:val="1"/>
+                                        <m:mcJc m:val="center"/>
+                                      </m:mcPr>
+                                    </m:mc>
+                                  </m:mcs>
+                                  <m:ctrlPr>
+                                    <a:rPr lang="de-DE" sz="2000" i="1">
+                                      <a:solidFill>
+                                        <a:schemeClr val="bg1"/>
+                                      </a:solidFill>
+                                      <a:latin typeface="Cambria Math" panose="02040503050406030204" pitchFamily="18" charset="0"/>
+                                    </a:rPr>
+                                  </m:ctrlPr>
+                                </m:mPr>
+                                <m:mr>
+                                  <m:e>
+                                    <m:r>
+                                      <m:rPr>
+                                        <m:brk m:alnAt="7"/>
+                                      </m:rPr>
+                                      <a:rPr lang="de-DE" sz="2000" b="0" i="1" smtClean="0">
+                                        <a:solidFill>
+                                          <a:schemeClr val="bg1"/>
+                                        </a:solidFill>
+                                        <a:latin typeface="Cambria Math" panose="02040503050406030204" pitchFamily="18" charset="0"/>
+                                      </a:rPr>
+                                      <m:t>1</m:t>
+                                    </m:r>
+                                    <m:r>
+                                      <a:rPr lang="de-DE" sz="2000" b="0" i="1" smtClean="0">
+                                        <a:solidFill>
+                                          <a:schemeClr val="bg1"/>
+                                        </a:solidFill>
+                                        <a:latin typeface="Cambria Math" panose="02040503050406030204" pitchFamily="18" charset="0"/>
+                                      </a:rPr>
+                                      <m:t>0.96</m:t>
+                                    </m:r>
+                                  </m:e>
+                                </m:mr>
+                                <m:mr>
+                                  <m:e>
+                                    <m:r>
+                                      <a:rPr lang="de-DE" sz="2000" b="0" i="1" smtClean="0">
+                                        <a:solidFill>
+                                          <a:schemeClr val="bg1"/>
+                                        </a:solidFill>
+                                        <a:latin typeface="Cambria Math" panose="02040503050406030204" pitchFamily="18" charset="0"/>
+                                      </a:rPr>
+                                      <m:t>−1.003</m:t>
+                                    </m:r>
+                                  </m:e>
+                                </m:mr>
+                                <m:mr>
+                                  <m:e>
+                                    <m:r>
+                                      <a:rPr lang="de-DE" sz="2000" b="0" i="1" smtClean="0">
+                                        <a:solidFill>
+                                          <a:schemeClr val="bg1"/>
+                                        </a:solidFill>
+                                        <a:latin typeface="Cambria Math" panose="02040503050406030204" pitchFamily="18" charset="0"/>
+                                      </a:rPr>
+                                      <m:t>−6.118</m:t>
+                                    </m:r>
+                                  </m:e>
+                                </m:mr>
+                                <m:mr>
+                                  <m:e>
+                                    <m:r>
+                                      <a:rPr lang="de-DE" sz="2000" b="0" i="1" smtClean="0">
+                                        <a:solidFill>
+                                          <a:schemeClr val="bg1"/>
+                                        </a:solidFill>
+                                        <a:latin typeface="Cambria Math" panose="02040503050406030204" pitchFamily="18" charset="0"/>
+                                      </a:rPr>
+                                      <m:t>−0.040</m:t>
+                                    </m:r>
+                                  </m:e>
+                                </m:mr>
+                                <m:mr>
+                                  <m:e>
+                                    <m:r>
+                                      <a:rPr lang="de-DE" sz="2000" b="0" i="1" smtClean="0">
+                                        <a:solidFill>
+                                          <a:schemeClr val="bg1"/>
+                                        </a:solidFill>
+                                        <a:latin typeface="Cambria Math" panose="02040503050406030204" pitchFamily="18" charset="0"/>
+                                      </a:rPr>
+                                      <m:t>1.767</m:t>
+                                    </m:r>
+                                  </m:e>
+                                </m:mr>
+                                <m:mr>
+                                  <m:e>
+                                    <m:r>
+                                      <a:rPr lang="de-DE" sz="2000" b="0" i="1" smtClean="0">
+                                        <a:solidFill>
+                                          <a:schemeClr val="bg1"/>
+                                        </a:solidFill>
+                                        <a:latin typeface="Cambria Math" panose="02040503050406030204" pitchFamily="18" charset="0"/>
+                                      </a:rPr>
+                                      <m:t>−0.203</m:t>
+                                    </m:r>
+                                  </m:e>
+                                </m:mr>
+                                <m:mr>
+                                  <m:e>
+                                    <m:r>
+                                      <a:rPr lang="de-DE" sz="2000" b="0" i="1" smtClean="0">
+                                        <a:solidFill>
+                                          <a:schemeClr val="bg1"/>
+                                        </a:solidFill>
+                                        <a:latin typeface="Cambria Math" panose="02040503050406030204" pitchFamily="18" charset="0"/>
+                                      </a:rPr>
+                                      <m:t>−0.91</m:t>
+                                    </m:r>
+                                  </m:e>
+                                </m:mr>
+                                <m:mr>
+                                  <m:e>
+                                    <m:r>
+                                      <a:rPr lang="de-DE" sz="2000" b="0" i="1" smtClean="0">
+                                        <a:solidFill>
+                                          <a:schemeClr val="bg1"/>
+                                        </a:solidFill>
+                                        <a:latin typeface="Cambria Math" panose="02040503050406030204" pitchFamily="18" charset="0"/>
+                                      </a:rPr>
+                                      <m:t>0.67</m:t>
+                                    </m:r>
+                                  </m:e>
+                                </m:mr>
+                              </m:m>
+                            </m:e>
+                          </m:d>
+                        </m:e>
+                      </m:eqArr>
+                    </m:oMath>
+                  </m:oMathPara>
+                </a14:m>
+                <a:endParaRPr lang="de-DE" sz="2000" dirty="0"/>
+              </a:p>
+            </p:txBody>
+          </p:sp>
+        </mc:Choice>
+        <mc:Fallback xmlns="">
+          <p:sp>
+            <p:nvSpPr>
+              <p:cNvPr id="2" name="Textfeld 1">
+                <a:extLst>
+                  <a:ext uri="{FF2B5EF4-FFF2-40B4-BE49-F238E27FC236}">
+                    <a16:creationId xmlns:a16="http://schemas.microsoft.com/office/drawing/2014/main" id="{76247171-5E72-D5D8-594A-CE29DFACF3B4}"/>
+                  </a:ext>
+                </a:extLst>
+              </p:cNvPr>
+              <p:cNvSpPr txBox="1">
+                <a:spLocks noRot="1" noChangeAspect="1" noMove="1" noResize="1" noEditPoints="1" noAdjustHandles="1" noChangeArrowheads="1" noChangeShapeType="1" noTextEdit="1"/>
+              </p:cNvSpPr>
+              <p:nvPr/>
+            </p:nvSpPr>
+            <p:spPr>
+              <a:xfrm>
+                <a:off x="0" y="2221105"/>
+                <a:ext cx="12192000" cy="2415790"/>
+              </a:xfrm>
+              <a:prstGeom prst="rect">
+                <a:avLst/>
+              </a:prstGeom>
+              <a:blipFill>
+                <a:blip r:embed="rId2"/>
+                <a:stretch>
+                  <a:fillRect/>
+                </a:stretch>
+              </a:blipFill>
+            </p:spPr>
+            <p:txBody>
+              <a:bodyPr/>
+              <a:lstStyle/>
+              <a:p>
+                <a:r>
+                  <a:rPr lang="de-DE">
+                    <a:noFill/>
+                  </a:rPr>
+                  <a:t> </a:t>
+                </a:r>
+              </a:p>
+            </p:txBody>
+          </p:sp>
+        </mc:Fallback>
+      </mc:AlternateContent>
+      <mc:AlternateContent xmlns:mc="http://schemas.openxmlformats.org/markup-compatibility/2006" xmlns:a14="http://schemas.microsoft.com/office/drawing/2010/main">
+        <mc:Choice Requires="a14">
+          <p:sp>
+            <p:nvSpPr>
+              <p:cNvPr id="6" name="Textfeld 5">
+                <a:extLst>
+                  <a:ext uri="{FF2B5EF4-FFF2-40B4-BE49-F238E27FC236}">
+                    <a16:creationId xmlns:a16="http://schemas.microsoft.com/office/drawing/2014/main" id="{A130F5BA-6B74-C9B7-B89A-0D578B0494A2}"/>
+                  </a:ext>
+                </a:extLst>
+              </p:cNvPr>
+              <p:cNvSpPr txBox="1"/>
+              <p:nvPr/>
+            </p:nvSpPr>
+            <p:spPr>
+              <a:xfrm>
+                <a:off x="5067300" y="3228945"/>
+                <a:ext cx="2057399" cy="400110"/>
+              </a:xfrm>
+              <a:prstGeom prst="rect">
+                <a:avLst/>
+              </a:prstGeom>
+              <a:noFill/>
+            </p:spPr>
+            <p:txBody>
+              <a:bodyPr wrap="square" rtlCol="0">
+                <a:spAutoFit/>
+              </a:bodyPr>
+              <a:lstStyle/>
+              <a:p>
+                <a:pPr algn="ctr"/>
+                <a14:m>
+                  <m:oMath xmlns:m="http://schemas.openxmlformats.org/officeDocument/2006/math">
+                    <m:d>
+                      <m:dPr>
+                        <m:begChr m:val="["/>
+                        <m:endChr m:val="]"/>
+                        <m:ctrlPr>
+                          <a:rPr lang="de-DE" sz="2000" b="0" i="1" smtClean="0">
+                            <a:latin typeface="Cambria Math" panose="02040503050406030204" pitchFamily="18" charset="0"/>
+                          </a:rPr>
+                        </m:ctrlPr>
+                      </m:dPr>
+                      <m:e>
+                        <m:r>
+                          <a:rPr lang="de-DE" sz="2000" b="0" i="1" smtClean="0">
+                            <a:latin typeface="Cambria Math" panose="02040503050406030204" pitchFamily="18" charset="0"/>
+                          </a:rPr>
+                          <m:t>1, 2, 4, 7, 8, 4, 3, 2</m:t>
+                        </m:r>
+                      </m:e>
+                    </m:d>
+                  </m:oMath>
+                </a14:m>
+                <a:r>
+                  <a:rPr lang="de-DE" sz="2000" b="0" dirty="0"/>
+                  <a:t> </a:t>
+                </a:r>
+              </a:p>
+            </p:txBody>
+          </p:sp>
+        </mc:Choice>
+        <mc:Fallback xmlns="">
+          <p:sp>
+            <p:nvSpPr>
+              <p:cNvPr id="6" name="Textfeld 5">
+                <a:extLst>
+                  <a:ext uri="{FF2B5EF4-FFF2-40B4-BE49-F238E27FC236}">
+                    <a16:creationId xmlns:a16="http://schemas.microsoft.com/office/drawing/2014/main" id="{A130F5BA-6B74-C9B7-B89A-0D578B0494A2}"/>
+                  </a:ext>
+                </a:extLst>
+              </p:cNvPr>
+              <p:cNvSpPr txBox="1">
+                <a:spLocks noRot="1" noChangeAspect="1" noMove="1" noResize="1" noEditPoints="1" noAdjustHandles="1" noChangeArrowheads="1" noChangeShapeType="1" noTextEdit="1"/>
+              </p:cNvSpPr>
+              <p:nvPr/>
+            </p:nvSpPr>
+            <p:spPr>
+              <a:xfrm>
+                <a:off x="5067300" y="3228945"/>
+                <a:ext cx="2057399" cy="400110"/>
+              </a:xfrm>
+              <a:prstGeom prst="rect">
+                <a:avLst/>
+              </a:prstGeom>
+              <a:blipFill>
+                <a:blip r:embed="rId3"/>
+                <a:stretch>
+                  <a:fillRect/>
+                </a:stretch>
+              </a:blipFill>
+            </p:spPr>
+            <p:txBody>
+              <a:bodyPr/>
+              <a:lstStyle/>
+              <a:p>
+                <a:r>
+                  <a:rPr lang="de-DE">
+                    <a:noFill/>
+                  </a:rPr>
+                  <a:t> </a:t>
+                </a:r>
+              </a:p>
+            </p:txBody>
+          </p:sp>
+        </mc:Fallback>
+      </mc:AlternateContent>
+    </p:spTree>
+    <p:extLst>
+      <p:ext uri="{BB962C8B-B14F-4D97-AF65-F5344CB8AC3E}">
+        <p14:creationId xmlns:p14="http://schemas.microsoft.com/office/powerpoint/2010/main" val="2456860037"/>
+      </p:ext>
+    </p:extLst>
+  </p:cSld>
+  <p:clrMapOvr>
+    <a:masterClrMapping/>
+  </p:clrMapOvr>
+</p:sld>
+</file>
+
+<file path=ppt/slides/slide30.xml><?xml version="1.0" encoding="utf-8"?>
+<p:sld xmlns:a="http://schemas.openxmlformats.org/drawingml/2006/main" xmlns:r="http://schemas.openxmlformats.org/officeDocument/2006/relationships" xmlns:p="http://schemas.openxmlformats.org/presentationml/2006/main">
+  <p:cSld>
+    <p:spTree>
+      <p:nvGrpSpPr>
+        <p:cNvPr id="1" name=""/>
+        <p:cNvGrpSpPr/>
+        <p:nvPr/>
+      </p:nvGrpSpPr>
+      <p:grpSpPr>
+        <a:xfrm>
+          <a:off x="0" y="0"/>
+          <a:ext cx="0" cy="0"/>
+          <a:chOff x="0" y="0"/>
+          <a:chExt cx="0" cy="0"/>
+        </a:xfrm>
+      </p:grpSpPr>
+      <mc:AlternateContent xmlns:mc="http://schemas.openxmlformats.org/markup-compatibility/2006" xmlns:a14="http://schemas.microsoft.com/office/drawing/2010/main">
+        <mc:Choice Requires="a14">
+          <p:sp>
+            <p:nvSpPr>
+              <p:cNvPr id="7" name="Inhaltsplatzhalter 6">
+                <a:extLst>
+                  <a:ext uri="{FF2B5EF4-FFF2-40B4-BE49-F238E27FC236}">
+                    <a16:creationId xmlns:a16="http://schemas.microsoft.com/office/drawing/2014/main" id="{E8ADD068-8AA9-713B-D64D-CD16602FC7FD}"/>
+                  </a:ext>
+                </a:extLst>
+              </p:cNvPr>
+              <p:cNvSpPr>
+                <a:spLocks noGrp="1"/>
+              </p:cNvSpPr>
+              <p:nvPr>
+                <p:ph idx="1"/>
+              </p:nvPr>
+            </p:nvSpPr>
+            <p:spPr>
+              <a:xfrm>
+                <a:off x="565136" y="992853"/>
+                <a:ext cx="2596299" cy="1221319"/>
+              </a:xfrm>
+            </p:spPr>
+            <p:txBody>
+              <a:bodyPr>
+                <a:normAutofit/>
+              </a:bodyPr>
+              <a:lstStyle/>
+              <a:p>
+                <a:pPr marL="0" indent="0">
+                  <a:buNone/>
+                </a:pPr>
+                <a14:m>
+                  <m:oMathPara xmlns:m="http://schemas.openxmlformats.org/officeDocument/2006/math">
+                    <m:oMathParaPr>
+                      <m:jc m:val="centerGroup"/>
+                    </m:oMathParaPr>
+                    <m:oMath xmlns:m="http://schemas.openxmlformats.org/officeDocument/2006/math">
+                      <m:r>
+                        <a:rPr lang="de-DE" sz="2000" i="1" smtClean="0">
+                          <a:solidFill>
+                            <a:schemeClr val="tx1"/>
+                          </a:solidFill>
+                          <a:latin typeface="Cambria Math" panose="02040503050406030204" pitchFamily="18" charset="0"/>
+                        </a:rPr>
+                        <m:t>𝑠</m:t>
+                      </m:r>
+                      <m:r>
+                        <a:rPr lang="de-DE" sz="2000" i="1" smtClean="0">
+                          <a:solidFill>
+                            <a:schemeClr val="tx1"/>
+                          </a:solidFill>
+                          <a:latin typeface="Cambria Math" panose="02040503050406030204" pitchFamily="18" charset="0"/>
+                        </a:rPr>
+                        <m:t>=</m:t>
+                      </m:r>
+                      <m:nary>
+                        <m:naryPr>
+                          <m:chr m:val="∑"/>
+                          <m:limLoc m:val="undOvr"/>
+                          <m:grow m:val="on"/>
+                          <m:ctrlPr>
+                            <a:rPr lang="de-DE" sz="2000" i="1" smtClean="0">
+                              <a:solidFill>
+                                <a:schemeClr val="tx1"/>
+                              </a:solidFill>
+                              <a:latin typeface="Cambria Math" panose="02040503050406030204" pitchFamily="18" charset="0"/>
+                            </a:rPr>
+                          </m:ctrlPr>
+                        </m:naryPr>
+                        <m:sub>
+                          <m:r>
+                            <a:rPr lang="de-DE" sz="2000" i="1" smtClean="0">
+                              <a:solidFill>
+                                <a:schemeClr val="tx1"/>
+                              </a:solidFill>
+                              <a:latin typeface="Cambria Math" panose="02040503050406030204" pitchFamily="18" charset="0"/>
+                            </a:rPr>
+                            <m:t>𝑘</m:t>
+                          </m:r>
+                          <m:r>
+                            <a:rPr lang="de-DE" sz="2000" i="1" smtClean="0">
+                              <a:solidFill>
+                                <a:schemeClr val="tx1"/>
+                              </a:solidFill>
+                              <a:latin typeface="Cambria Math" panose="02040503050406030204" pitchFamily="18" charset="0"/>
+                            </a:rPr>
+                            <m:t>=0</m:t>
+                          </m:r>
+                        </m:sub>
+                        <m:sup>
+                          <m:r>
+                            <a:rPr lang="de-DE" sz="2000" i="1" smtClean="0">
+                              <a:solidFill>
+                                <a:schemeClr val="tx1"/>
+                              </a:solidFill>
+                              <a:latin typeface="Cambria Math" panose="02040503050406030204" pitchFamily="18" charset="0"/>
+                            </a:rPr>
+                            <m:t>𝑁</m:t>
+                          </m:r>
+                          <m:r>
+                            <a:rPr lang="de-DE" sz="2000" i="1" smtClean="0">
+                              <a:solidFill>
+                                <a:schemeClr val="tx1"/>
+                              </a:solidFill>
+                              <a:latin typeface="Cambria Math" panose="02040503050406030204" pitchFamily="18" charset="0"/>
+                            </a:rPr>
+                            <m:t>−1</m:t>
+                          </m:r>
+                        </m:sup>
+                        <m:e>
+                          <m:r>
+                            <a:rPr lang="de-DE" sz="2000" i="1" smtClean="0">
+                              <a:solidFill>
+                                <a:schemeClr val="tx1"/>
+                              </a:solidFill>
+                              <a:latin typeface="Cambria Math" panose="02040503050406030204" pitchFamily="18" charset="0"/>
+                            </a:rPr>
+                            <m:t>𝑡</m:t>
+                          </m:r>
+                          <m:d>
+                            <m:dPr>
+                              <m:ctrlPr>
+                                <a:rPr lang="de-DE" sz="2000" i="1" smtClean="0">
+                                  <a:solidFill>
+                                    <a:schemeClr val="tx1"/>
+                                  </a:solidFill>
+                                  <a:latin typeface="Cambria Math" panose="02040503050406030204" pitchFamily="18" charset="0"/>
+                                </a:rPr>
+                              </m:ctrlPr>
+                            </m:dPr>
+                            <m:e>
+                              <m:r>
+                                <a:rPr lang="de-DE" sz="2000" i="1" smtClean="0">
+                                  <a:solidFill>
+                                    <a:schemeClr val="tx1"/>
+                                  </a:solidFill>
+                                  <a:latin typeface="Cambria Math" panose="02040503050406030204" pitchFamily="18" charset="0"/>
+                                </a:rPr>
+                                <m:t>𝑘</m:t>
+                              </m:r>
+                            </m:e>
+                          </m:d>
+                          <m:sSub>
+                            <m:sSubPr>
+                              <m:ctrlPr>
+                                <a:rPr lang="de-DE" sz="2000" i="1" smtClean="0">
+                                  <a:solidFill>
+                                    <a:schemeClr val="tx1"/>
+                                  </a:solidFill>
+                                  <a:latin typeface="Cambria Math" panose="02040503050406030204" pitchFamily="18" charset="0"/>
+                                </a:rPr>
+                              </m:ctrlPr>
+                            </m:sSubPr>
+                            <m:e>
+                              <m:r>
+                                <a:rPr lang="de-DE" sz="2000" i="1" smtClean="0">
+                                  <a:solidFill>
+                                    <a:schemeClr val="tx1"/>
+                                  </a:solidFill>
+                                  <a:latin typeface="Cambria Math" panose="02040503050406030204" pitchFamily="18" charset="0"/>
+                                </a:rPr>
+                                <m:t>𝑏</m:t>
+                              </m:r>
+                            </m:e>
+                            <m:sub>
+                              <m:r>
+                                <a:rPr lang="de-DE" sz="2000" i="1" smtClean="0">
+                                  <a:solidFill>
+                                    <a:schemeClr val="tx1"/>
+                                  </a:solidFill>
+                                  <a:latin typeface="Cambria Math" panose="02040503050406030204" pitchFamily="18" charset="0"/>
+                                </a:rPr>
+                                <m:t>𝑘</m:t>
+                              </m:r>
+                            </m:sub>
+                          </m:sSub>
+                        </m:e>
+                      </m:nary>
+                    </m:oMath>
+                  </m:oMathPara>
+                </a14:m>
+                <a:endParaRPr lang="de-DE" sz="2000" dirty="0">
+                  <a:solidFill>
+                    <a:schemeClr val="tx1"/>
+                  </a:solidFill>
+                </a:endParaRPr>
+              </a:p>
+            </p:txBody>
+          </p:sp>
+        </mc:Choice>
+        <mc:Fallback xmlns="">
+          <p:sp>
+            <p:nvSpPr>
+              <p:cNvPr id="7" name="Inhaltsplatzhalter 6">
+                <a:extLst>
+                  <a:ext uri="{FF2B5EF4-FFF2-40B4-BE49-F238E27FC236}">
+                    <a16:creationId xmlns:a16="http://schemas.microsoft.com/office/drawing/2014/main" id="{E8ADD068-8AA9-713B-D64D-CD16602FC7FD}"/>
+                  </a:ext>
+                </a:extLst>
+              </p:cNvPr>
+              <p:cNvSpPr>
+                <a:spLocks noGrp="1" noRot="1" noChangeAspect="1" noMove="1" noResize="1" noEditPoints="1" noAdjustHandles="1" noChangeArrowheads="1" noChangeShapeType="1" noTextEdit="1"/>
+              </p:cNvSpPr>
+              <p:nvPr>
+                <p:ph idx="1"/>
+              </p:nvPr>
+            </p:nvSpPr>
+            <p:spPr>
+              <a:xfrm>
+                <a:off x="565136" y="992853"/>
+                <a:ext cx="2596299" cy="1221319"/>
+              </a:xfrm>
+              <a:blipFill>
+                <a:blip r:embed="rId2"/>
                 <a:stretch>
                   <a:fillRect/>
                 </a:stretch>
@@ -24224,7 +28087,7 @@
 </p:sld>
 </file>
 
-<file path=ppt/slides/slide29.xml><?xml version="1.0" encoding="utf-8"?>
+<file path=ppt/slides/slide31.xml><?xml version="1.0" encoding="utf-8"?>
 <p:sld xmlns:a="http://schemas.openxmlformats.org/drawingml/2006/main" xmlns:r="http://schemas.openxmlformats.org/officeDocument/2006/relationships" xmlns:p="http://schemas.openxmlformats.org/presentationml/2006/main">
   <p:cSld>
     <p:bg>
@@ -24325,1299 +28188,6 @@
     <p:extLst>
       <p:ext uri="{BB962C8B-B14F-4D97-AF65-F5344CB8AC3E}">
         <p14:creationId xmlns:p14="http://schemas.microsoft.com/office/powerpoint/2010/main" val="3539326810"/>
-      </p:ext>
-    </p:extLst>
-  </p:cSld>
-  <p:clrMapOvr>
-    <a:masterClrMapping/>
-  </p:clrMapOvr>
-</p:sld>
-</file>
-
-<file path=ppt/slides/slide3.xml><?xml version="1.0" encoding="utf-8"?>
-<p:sld xmlns:a="http://schemas.openxmlformats.org/drawingml/2006/main" xmlns:r="http://schemas.openxmlformats.org/officeDocument/2006/relationships" xmlns:p="http://schemas.openxmlformats.org/presentationml/2006/main">
-  <p:cSld>
-    <p:spTree>
-      <p:nvGrpSpPr>
-        <p:cNvPr id="1" name=""/>
-        <p:cNvGrpSpPr/>
-        <p:nvPr/>
-      </p:nvGrpSpPr>
-      <p:grpSpPr>
-        <a:xfrm>
-          <a:off x="0" y="0"/>
-          <a:ext cx="0" cy="0"/>
-          <a:chOff x="0" y="0"/>
-          <a:chExt cx="0" cy="0"/>
-        </a:xfrm>
-      </p:grpSpPr>
-      <mc:AlternateContent xmlns:mc="http://schemas.openxmlformats.org/markup-compatibility/2006" xmlns:a14="http://schemas.microsoft.com/office/drawing/2010/main">
-        <mc:Choice Requires="a14">
-          <p:sp>
-            <p:nvSpPr>
-              <p:cNvPr id="2" name="Textfeld 1">
-                <a:extLst>
-                  <a:ext uri="{FF2B5EF4-FFF2-40B4-BE49-F238E27FC236}">
-                    <a16:creationId xmlns:a16="http://schemas.microsoft.com/office/drawing/2014/main" id="{76247171-5E72-D5D8-594A-CE29DFACF3B4}"/>
-                  </a:ext>
-                </a:extLst>
-              </p:cNvPr>
-              <p:cNvSpPr txBox="1"/>
-              <p:nvPr/>
-            </p:nvSpPr>
-            <p:spPr>
-              <a:xfrm>
-                <a:off x="0" y="2221105"/>
-                <a:ext cx="12192000" cy="2415790"/>
-              </a:xfrm>
-              <a:prstGeom prst="rect">
-                <a:avLst/>
-              </a:prstGeom>
-              <a:noFill/>
-            </p:spPr>
-            <p:txBody>
-              <a:bodyPr wrap="square" rtlCol="0">
-                <a:spAutoFit/>
-              </a:bodyPr>
-              <a:lstStyle/>
-              <a:p>
-                <a:pPr/>
-                <a14:m>
-                  <m:oMathPara xmlns:m="http://schemas.openxmlformats.org/officeDocument/2006/math">
-                    <m:oMathParaPr>
-                      <m:jc m:val="centerGroup"/>
-                    </m:oMathParaPr>
-                    <m:oMath xmlns:m="http://schemas.openxmlformats.org/officeDocument/2006/math">
-                      <m:eqArr>
-                        <m:eqArrPr>
-                          <m:ctrlPr>
-                            <a:rPr lang="de-DE" sz="2000" i="1" smtClean="0">
-                              <a:latin typeface="Cambria Math" panose="02040503050406030204" pitchFamily="18" charset="0"/>
-                            </a:rPr>
-                          </m:ctrlPr>
-                        </m:eqArrPr>
-                        <m:e>
-                          <m:d>
-                            <m:dPr>
-                              <m:ctrlPr>
-                                <a:rPr lang="de-DE" sz="2000" i="1" smtClean="0">
-                                  <a:solidFill>
-                                    <a:schemeClr val="bg1"/>
-                                  </a:solidFill>
-                                  <a:latin typeface="Cambria Math" panose="02040503050406030204" pitchFamily="18" charset="0"/>
-                                </a:rPr>
-                              </m:ctrlPr>
-                            </m:dPr>
-                            <m:e>
-                              <m:m>
-                                <m:mPr>
-                                  <m:mcs>
-                                    <m:mc>
-                                      <m:mcPr>
-                                        <m:count m:val="8"/>
-                                        <m:mcJc m:val="center"/>
-                                      </m:mcPr>
-                                    </m:mc>
-                                  </m:mcs>
-                                  <m:ctrlPr>
-                                    <a:rPr lang="de-DE" sz="2000" b="0" i="1" smtClean="0">
-                                      <a:solidFill>
-                                        <a:schemeClr val="bg1"/>
-                                      </a:solidFill>
-                                      <a:latin typeface="Cambria Math" panose="02040503050406030204" pitchFamily="18" charset="0"/>
-                                    </a:rPr>
-                                  </m:ctrlPr>
-                                </m:mPr>
-                                <m:mr>
-                                  <m:e>
-                                    <m:r>
-                                      <m:rPr>
-                                        <m:brk m:alnAt="7"/>
-                                      </m:rPr>
-                                      <a:rPr lang="de-DE" sz="2000" i="1">
-                                        <a:solidFill>
-                                          <a:schemeClr val="bg1"/>
-                                        </a:solidFill>
-                                        <a:latin typeface="Cambria Math" panose="02040503050406030204" pitchFamily="18" charset="0"/>
-                                      </a:rPr>
-                                      <m:t>0</m:t>
-                                    </m:r>
-                                    <m:r>
-                                      <a:rPr lang="de-DE" sz="2000" i="1">
-                                        <a:solidFill>
-                                          <a:schemeClr val="bg1"/>
-                                        </a:solidFill>
-                                        <a:latin typeface="Cambria Math" panose="02040503050406030204" pitchFamily="18" charset="0"/>
-                                      </a:rPr>
-                                      <m:t>.353</m:t>
-                                    </m:r>
-                                  </m:e>
-                                  <m:e>
-                                    <m:r>
-                                      <a:rPr lang="de-DE" sz="2000" i="1">
-                                        <a:solidFill>
-                                          <a:schemeClr val="bg1"/>
-                                        </a:solidFill>
-                                        <a:latin typeface="Cambria Math" panose="02040503050406030204" pitchFamily="18" charset="0"/>
-                                      </a:rPr>
-                                      <m:t>0.353</m:t>
-                                    </m:r>
-                                  </m:e>
-                                  <m:e>
-                                    <m:r>
-                                      <a:rPr lang="de-DE" sz="2000" i="1">
-                                        <a:solidFill>
-                                          <a:schemeClr val="bg1"/>
-                                        </a:solidFill>
-                                        <a:latin typeface="Cambria Math" panose="02040503050406030204" pitchFamily="18" charset="0"/>
-                                      </a:rPr>
-                                      <m:t>0.353</m:t>
-                                    </m:r>
-                                  </m:e>
-                                  <m:e>
-                                    <m:r>
-                                      <a:rPr lang="de-DE" sz="2000" i="1">
-                                        <a:solidFill>
-                                          <a:schemeClr val="bg1"/>
-                                        </a:solidFill>
-                                        <a:latin typeface="Cambria Math" panose="02040503050406030204" pitchFamily="18" charset="0"/>
-                                      </a:rPr>
-                                      <m:t>0.353</m:t>
-                                    </m:r>
-                                  </m:e>
-                                  <m:e>
-                                    <m:r>
-                                      <a:rPr lang="de-DE" sz="2000" i="1">
-                                        <a:solidFill>
-                                          <a:schemeClr val="bg1"/>
-                                        </a:solidFill>
-                                        <a:latin typeface="Cambria Math" panose="02040503050406030204" pitchFamily="18" charset="0"/>
-                                      </a:rPr>
-                                      <m:t>0.353</m:t>
-                                    </m:r>
-                                  </m:e>
-                                  <m:e>
-                                    <m:r>
-                                      <a:rPr lang="de-DE" sz="2000" i="1">
-                                        <a:solidFill>
-                                          <a:schemeClr val="bg1"/>
-                                        </a:solidFill>
-                                        <a:latin typeface="Cambria Math" panose="02040503050406030204" pitchFamily="18" charset="0"/>
-                                      </a:rPr>
-                                      <m:t>0.353</m:t>
-                                    </m:r>
-                                  </m:e>
-                                  <m:e>
-                                    <m:r>
-                                      <a:rPr lang="de-DE" sz="2000" i="1">
-                                        <a:solidFill>
-                                          <a:schemeClr val="bg1"/>
-                                        </a:solidFill>
-                                        <a:latin typeface="Cambria Math" panose="02040503050406030204" pitchFamily="18" charset="0"/>
-                                      </a:rPr>
-                                      <m:t>0.353</m:t>
-                                    </m:r>
-                                  </m:e>
-                                  <m:e>
-                                    <m:r>
-                                      <a:rPr lang="de-DE" sz="2000" i="1">
-                                        <a:solidFill>
-                                          <a:schemeClr val="bg1"/>
-                                        </a:solidFill>
-                                        <a:latin typeface="Cambria Math" panose="02040503050406030204" pitchFamily="18" charset="0"/>
-                                      </a:rPr>
-                                      <m:t>0.353</m:t>
-                                    </m:r>
-                                  </m:e>
-                                </m:mr>
-                                <m:mr>
-                                  <m:e>
-                                    <m:r>
-                                      <a:rPr lang="de-DE" sz="2000" i="1">
-                                        <a:solidFill>
-                                          <a:schemeClr val="bg1"/>
-                                        </a:solidFill>
-                                        <a:latin typeface="Cambria Math" panose="02040503050406030204" pitchFamily="18" charset="0"/>
-                                      </a:rPr>
-                                      <m:t>0.49</m:t>
-                                    </m:r>
-                                  </m:e>
-                                  <m:e>
-                                    <m:r>
-                                      <a:rPr lang="de-DE" sz="2000" i="1">
-                                        <a:solidFill>
-                                          <a:schemeClr val="bg1"/>
-                                        </a:solidFill>
-                                        <a:latin typeface="Cambria Math" panose="02040503050406030204" pitchFamily="18" charset="0"/>
-                                      </a:rPr>
-                                      <m:t>0.</m:t>
-                                    </m:r>
-                                    <m:r>
-                                      <a:rPr lang="de-DE" sz="2000" b="0" i="1" smtClean="0">
-                                        <a:solidFill>
-                                          <a:schemeClr val="bg1"/>
-                                        </a:solidFill>
-                                        <a:latin typeface="Cambria Math" panose="02040503050406030204" pitchFamily="18" charset="0"/>
-                                      </a:rPr>
-                                      <m:t>451</m:t>
-                                    </m:r>
-                                  </m:e>
-                                  <m:e>
-                                    <m:r>
-                                      <a:rPr lang="de-DE" sz="2000" b="0" i="1" smtClean="0">
-                                        <a:solidFill>
-                                          <a:schemeClr val="bg1"/>
-                                        </a:solidFill>
-                                        <a:latin typeface="Cambria Math" panose="02040503050406030204" pitchFamily="18" charset="0"/>
-                                      </a:rPr>
-                                      <m:t>0.277</m:t>
-                                    </m:r>
-                                  </m:e>
-                                  <m:e>
-                                    <m:r>
-                                      <a:rPr lang="de-DE" sz="2000" b="0" i="1" smtClean="0">
-                                        <a:solidFill>
-                                          <a:schemeClr val="bg1"/>
-                                        </a:solidFill>
-                                        <a:latin typeface="Cambria Math" panose="02040503050406030204" pitchFamily="18" charset="0"/>
-                                      </a:rPr>
-                                      <m:t>0.097</m:t>
-                                    </m:r>
-                                  </m:e>
-                                  <m:e>
-                                    <m:r>
-                                      <a:rPr lang="de-DE" sz="2000" b="0" i="1" smtClean="0">
-                                        <a:solidFill>
-                                          <a:schemeClr val="bg1"/>
-                                        </a:solidFill>
-                                        <a:latin typeface="Cambria Math" panose="02040503050406030204" pitchFamily="18" charset="0"/>
-                                      </a:rPr>
-                                      <m:t>−0.097</m:t>
-                                    </m:r>
-                                  </m:e>
-                                  <m:e>
-                                    <m:r>
-                                      <a:rPr lang="de-DE" sz="2000" b="0" i="1" smtClean="0">
-                                        <a:solidFill>
-                                          <a:schemeClr val="bg1"/>
-                                        </a:solidFill>
-                                        <a:latin typeface="Cambria Math" panose="02040503050406030204" pitchFamily="18" charset="0"/>
-                                      </a:rPr>
-                                      <m:t>−0.277</m:t>
-                                    </m:r>
-                                  </m:e>
-                                  <m:e>
-                                    <m:r>
-                                      <a:rPr lang="de-DE" sz="2000" b="0" i="1" smtClean="0">
-                                        <a:solidFill>
-                                          <a:schemeClr val="bg1"/>
-                                        </a:solidFill>
-                                        <a:latin typeface="Cambria Math" panose="02040503050406030204" pitchFamily="18" charset="0"/>
-                                      </a:rPr>
-                                      <m:t>−0.415</m:t>
-                                    </m:r>
-                                  </m:e>
-                                  <m:e>
-                                    <m:r>
-                                      <a:rPr lang="de-DE" sz="2000" b="0" i="1" smtClean="0">
-                                        <a:solidFill>
-                                          <a:schemeClr val="bg1"/>
-                                        </a:solidFill>
-                                        <a:latin typeface="Cambria Math" panose="02040503050406030204" pitchFamily="18" charset="0"/>
-                                      </a:rPr>
-                                      <m:t>−0.49</m:t>
-                                    </m:r>
-                                  </m:e>
-                                </m:mr>
-                                <m:mr>
-                                  <m:e>
-                                    <m:r>
-                                      <a:rPr lang="de-DE" sz="2000" b="0" i="1" smtClean="0">
-                                        <a:solidFill>
-                                          <a:schemeClr val="bg1"/>
-                                        </a:solidFill>
-                                        <a:latin typeface="Cambria Math" panose="02040503050406030204" pitchFamily="18" charset="0"/>
-                                      </a:rPr>
-                                      <m:t>0.461</m:t>
-                                    </m:r>
-                                  </m:e>
-                                  <m:e>
-                                    <m:r>
-                                      <a:rPr lang="de-DE" sz="2000" b="0" i="1" smtClean="0">
-                                        <a:solidFill>
-                                          <a:schemeClr val="bg1"/>
-                                        </a:solidFill>
-                                        <a:latin typeface="Cambria Math" panose="02040503050406030204" pitchFamily="18" charset="0"/>
-                                      </a:rPr>
-                                      <m:t>0.191</m:t>
-                                    </m:r>
-                                  </m:e>
-                                  <m:e>
-                                    <m:r>
-                                      <a:rPr lang="de-DE" sz="2000" b="0" i="1" smtClean="0">
-                                        <a:solidFill>
-                                          <a:schemeClr val="bg1"/>
-                                        </a:solidFill>
-                                        <a:latin typeface="Cambria Math" panose="02040503050406030204" pitchFamily="18" charset="0"/>
-                                      </a:rPr>
-                                      <m:t>−0.191</m:t>
-                                    </m:r>
-                                  </m:e>
-                                  <m:e>
-                                    <m:r>
-                                      <a:rPr lang="de-DE" sz="2000" b="0" i="1" smtClean="0">
-                                        <a:solidFill>
-                                          <a:schemeClr val="bg1"/>
-                                        </a:solidFill>
-                                        <a:latin typeface="Cambria Math" panose="02040503050406030204" pitchFamily="18" charset="0"/>
-                                      </a:rPr>
-                                      <m:t>−0.461</m:t>
-                                    </m:r>
-                                  </m:e>
-                                  <m:e>
-                                    <m:r>
-                                      <a:rPr lang="de-DE" sz="2000" b="0" i="1" smtClean="0">
-                                        <a:solidFill>
-                                          <a:schemeClr val="bg1"/>
-                                        </a:solidFill>
-                                        <a:latin typeface="Cambria Math" panose="02040503050406030204" pitchFamily="18" charset="0"/>
-                                      </a:rPr>
-                                      <m:t>−0.461</m:t>
-                                    </m:r>
-                                  </m:e>
-                                  <m:e>
-                                    <m:r>
-                                      <a:rPr lang="de-DE" sz="2000" b="0" i="1" smtClean="0">
-                                        <a:solidFill>
-                                          <a:schemeClr val="bg1"/>
-                                        </a:solidFill>
-                                        <a:latin typeface="Cambria Math" panose="02040503050406030204" pitchFamily="18" charset="0"/>
-                                      </a:rPr>
-                                      <m:t>−0.191</m:t>
-                                    </m:r>
-                                  </m:e>
-                                  <m:e>
-                                    <m:r>
-                                      <a:rPr lang="de-DE" sz="2000" b="0" i="1" smtClean="0">
-                                        <a:solidFill>
-                                          <a:schemeClr val="bg1"/>
-                                        </a:solidFill>
-                                        <a:latin typeface="Cambria Math" panose="02040503050406030204" pitchFamily="18" charset="0"/>
-                                      </a:rPr>
-                                      <m:t>0.191</m:t>
-                                    </m:r>
-                                  </m:e>
-                                  <m:e>
-                                    <m:r>
-                                      <a:rPr lang="de-DE" sz="2000" b="0" i="1" smtClean="0">
-                                        <a:solidFill>
-                                          <a:schemeClr val="bg1"/>
-                                        </a:solidFill>
-                                        <a:latin typeface="Cambria Math" panose="02040503050406030204" pitchFamily="18" charset="0"/>
-                                      </a:rPr>
-                                      <m:t>0.461</m:t>
-                                    </m:r>
-                                  </m:e>
-                                </m:mr>
-                                <m:mr>
-                                  <m:e>
-                                    <m:r>
-                                      <a:rPr lang="de-DE" sz="2000" b="0" i="1" smtClean="0">
-                                        <a:solidFill>
-                                          <a:schemeClr val="bg1"/>
-                                        </a:solidFill>
-                                        <a:latin typeface="Cambria Math" panose="02040503050406030204" pitchFamily="18" charset="0"/>
-                                      </a:rPr>
-                                      <m:t>0.415</m:t>
-                                    </m:r>
-                                  </m:e>
-                                  <m:e>
-                                    <m:r>
-                                      <a:rPr lang="de-DE" sz="2000" b="0" i="1" smtClean="0">
-                                        <a:solidFill>
-                                          <a:schemeClr val="bg1"/>
-                                        </a:solidFill>
-                                        <a:latin typeface="Cambria Math" panose="02040503050406030204" pitchFamily="18" charset="0"/>
-                                      </a:rPr>
-                                      <m:t>−0.097</m:t>
-                                    </m:r>
-                                  </m:e>
-                                  <m:e>
-                                    <m:r>
-                                      <a:rPr lang="de-DE" sz="2000" b="0" i="1" smtClean="0">
-                                        <a:solidFill>
-                                          <a:schemeClr val="bg1"/>
-                                        </a:solidFill>
-                                        <a:latin typeface="Cambria Math" panose="02040503050406030204" pitchFamily="18" charset="0"/>
-                                      </a:rPr>
-                                      <m:t>−0.49</m:t>
-                                    </m:r>
-                                  </m:e>
-                                  <m:e>
-                                    <m:r>
-                                      <a:rPr lang="de-DE" sz="2000" b="0" i="1" smtClean="0">
-                                        <a:solidFill>
-                                          <a:schemeClr val="bg1"/>
-                                        </a:solidFill>
-                                        <a:latin typeface="Cambria Math" panose="02040503050406030204" pitchFamily="18" charset="0"/>
-                                      </a:rPr>
-                                      <m:t>−0.277</m:t>
-                                    </m:r>
-                                  </m:e>
-                                  <m:e>
-                                    <m:r>
-                                      <a:rPr lang="de-DE" sz="2000" b="0" i="1" smtClean="0">
-                                        <a:solidFill>
-                                          <a:schemeClr val="bg1"/>
-                                        </a:solidFill>
-                                        <a:latin typeface="Cambria Math" panose="02040503050406030204" pitchFamily="18" charset="0"/>
-                                      </a:rPr>
-                                      <m:t>0.277</m:t>
-                                    </m:r>
-                                  </m:e>
-                                  <m:e>
-                                    <m:r>
-                                      <a:rPr lang="de-DE" sz="2000" b="0" i="1" smtClean="0">
-                                        <a:solidFill>
-                                          <a:schemeClr val="bg1"/>
-                                        </a:solidFill>
-                                        <a:latin typeface="Cambria Math" panose="02040503050406030204" pitchFamily="18" charset="0"/>
-                                      </a:rPr>
-                                      <m:t>0.49</m:t>
-                                    </m:r>
-                                  </m:e>
-                                  <m:e>
-                                    <m:r>
-                                      <a:rPr lang="de-DE" sz="2000" b="0" i="1" smtClean="0">
-                                        <a:solidFill>
-                                          <a:schemeClr val="bg1"/>
-                                        </a:solidFill>
-                                        <a:latin typeface="Cambria Math" panose="02040503050406030204" pitchFamily="18" charset="0"/>
-                                      </a:rPr>
-                                      <m:t>0.097</m:t>
-                                    </m:r>
-                                  </m:e>
-                                  <m:e>
-                                    <m:r>
-                                      <a:rPr lang="de-DE" sz="2000" b="0" i="1" smtClean="0">
-                                        <a:solidFill>
-                                          <a:schemeClr val="bg1"/>
-                                        </a:solidFill>
-                                        <a:latin typeface="Cambria Math" panose="02040503050406030204" pitchFamily="18" charset="0"/>
-                                      </a:rPr>
-                                      <m:t>−0.415</m:t>
-                                    </m:r>
-                                  </m:e>
-                                </m:mr>
-                                <m:mr>
-                                  <m:e>
-                                    <m:r>
-                                      <a:rPr lang="de-DE" sz="2000" b="0" i="1" smtClean="0">
-                                        <a:solidFill>
-                                          <a:schemeClr val="bg1"/>
-                                        </a:solidFill>
-                                        <a:latin typeface="Cambria Math" panose="02040503050406030204" pitchFamily="18" charset="0"/>
-                                      </a:rPr>
-                                      <m:t>0.353</m:t>
-                                    </m:r>
-                                  </m:e>
-                                  <m:e>
-                                    <m:r>
-                                      <a:rPr lang="de-DE" sz="2000" b="0" i="1" smtClean="0">
-                                        <a:solidFill>
-                                          <a:schemeClr val="bg1"/>
-                                        </a:solidFill>
-                                        <a:latin typeface="Cambria Math" panose="02040503050406030204" pitchFamily="18" charset="0"/>
-                                      </a:rPr>
-                                      <m:t>−0.353</m:t>
-                                    </m:r>
-                                  </m:e>
-                                  <m:e>
-                                    <m:r>
-                                      <a:rPr lang="de-DE" sz="2000" b="0" i="1" smtClean="0">
-                                        <a:solidFill>
-                                          <a:schemeClr val="bg1"/>
-                                        </a:solidFill>
-                                        <a:latin typeface="Cambria Math" panose="02040503050406030204" pitchFamily="18" charset="0"/>
-                                      </a:rPr>
-                                      <m:t>−0.353</m:t>
-                                    </m:r>
-                                  </m:e>
-                                  <m:e>
-                                    <m:r>
-                                      <a:rPr lang="de-DE" sz="2000" b="0" i="1" smtClean="0">
-                                        <a:solidFill>
-                                          <a:schemeClr val="bg1"/>
-                                        </a:solidFill>
-                                        <a:latin typeface="Cambria Math" panose="02040503050406030204" pitchFamily="18" charset="0"/>
-                                      </a:rPr>
-                                      <m:t>0.353</m:t>
-                                    </m:r>
-                                  </m:e>
-                                  <m:e>
-                                    <m:r>
-                                      <a:rPr lang="de-DE" sz="2000" b="0" i="1" smtClean="0">
-                                        <a:solidFill>
-                                          <a:schemeClr val="bg1"/>
-                                        </a:solidFill>
-                                        <a:latin typeface="Cambria Math" panose="02040503050406030204" pitchFamily="18" charset="0"/>
-                                      </a:rPr>
-                                      <m:t>0.353</m:t>
-                                    </m:r>
-                                  </m:e>
-                                  <m:e>
-                                    <m:r>
-                                      <a:rPr lang="de-DE" sz="2000" b="0" i="1" smtClean="0">
-                                        <a:solidFill>
-                                          <a:schemeClr val="bg1"/>
-                                        </a:solidFill>
-                                        <a:latin typeface="Cambria Math" panose="02040503050406030204" pitchFamily="18" charset="0"/>
-                                      </a:rPr>
-                                      <m:t>−0.353</m:t>
-                                    </m:r>
-                                  </m:e>
-                                  <m:e>
-                                    <m:r>
-                                      <a:rPr lang="de-DE" sz="2000" b="0" i="1" smtClean="0">
-                                        <a:solidFill>
-                                          <a:schemeClr val="bg1"/>
-                                        </a:solidFill>
-                                        <a:latin typeface="Cambria Math" panose="02040503050406030204" pitchFamily="18" charset="0"/>
-                                      </a:rPr>
-                                      <m:t>−0.353</m:t>
-                                    </m:r>
-                                  </m:e>
-                                  <m:e>
-                                    <m:r>
-                                      <a:rPr lang="de-DE" sz="2000" b="0" i="1" smtClean="0">
-                                        <a:solidFill>
-                                          <a:schemeClr val="bg1"/>
-                                        </a:solidFill>
-                                        <a:latin typeface="Cambria Math" panose="02040503050406030204" pitchFamily="18" charset="0"/>
-                                      </a:rPr>
-                                      <m:t>0.353</m:t>
-                                    </m:r>
-                                  </m:e>
-                                </m:mr>
-                                <m:mr>
-                                  <m:e>
-                                    <m:r>
-                                      <a:rPr lang="de-DE" sz="2000" b="0" i="1" smtClean="0">
-                                        <a:solidFill>
-                                          <a:schemeClr val="bg1"/>
-                                        </a:solidFill>
-                                        <a:latin typeface="Cambria Math" panose="02040503050406030204" pitchFamily="18" charset="0"/>
-                                      </a:rPr>
-                                      <m:t>0.277</m:t>
-                                    </m:r>
-                                  </m:e>
-                                  <m:e>
-                                    <m:r>
-                                      <a:rPr lang="de-DE" sz="2000" b="0" i="1" smtClean="0">
-                                        <a:solidFill>
-                                          <a:schemeClr val="bg1"/>
-                                        </a:solidFill>
-                                        <a:latin typeface="Cambria Math" panose="02040503050406030204" pitchFamily="18" charset="0"/>
-                                      </a:rPr>
-                                      <m:t>−0.49</m:t>
-                                    </m:r>
-                                  </m:e>
-                                  <m:e>
-                                    <m:r>
-                                      <a:rPr lang="de-DE" sz="2000" b="0" i="1" smtClean="0">
-                                        <a:solidFill>
-                                          <a:schemeClr val="bg1"/>
-                                        </a:solidFill>
-                                        <a:latin typeface="Cambria Math" panose="02040503050406030204" pitchFamily="18" charset="0"/>
-                                      </a:rPr>
-                                      <m:t>0.097</m:t>
-                                    </m:r>
-                                  </m:e>
-                                  <m:e>
-                                    <m:r>
-                                      <a:rPr lang="de-DE" sz="2000" b="0" i="1" smtClean="0">
-                                        <a:solidFill>
-                                          <a:schemeClr val="bg1"/>
-                                        </a:solidFill>
-                                        <a:latin typeface="Cambria Math" panose="02040503050406030204" pitchFamily="18" charset="0"/>
-                                      </a:rPr>
-                                      <m:t>0.415</m:t>
-                                    </m:r>
-                                  </m:e>
-                                  <m:e>
-                                    <m:r>
-                                      <a:rPr lang="de-DE" sz="2000" b="0" i="1" smtClean="0">
-                                        <a:solidFill>
-                                          <a:schemeClr val="bg1"/>
-                                        </a:solidFill>
-                                        <a:latin typeface="Cambria Math" panose="02040503050406030204" pitchFamily="18" charset="0"/>
-                                      </a:rPr>
-                                      <m:t>−0.415</m:t>
-                                    </m:r>
-                                  </m:e>
-                                  <m:e>
-                                    <m:r>
-                                      <a:rPr lang="de-DE" sz="2000" b="0" i="1" smtClean="0">
-                                        <a:solidFill>
-                                          <a:schemeClr val="bg1"/>
-                                        </a:solidFill>
-                                        <a:latin typeface="Cambria Math" panose="02040503050406030204" pitchFamily="18" charset="0"/>
-                                      </a:rPr>
-                                      <m:t>−0.097</m:t>
-                                    </m:r>
-                                  </m:e>
-                                  <m:e>
-                                    <m:r>
-                                      <a:rPr lang="de-DE" sz="2000" b="0" i="1" smtClean="0">
-                                        <a:solidFill>
-                                          <a:schemeClr val="bg1"/>
-                                        </a:solidFill>
-                                        <a:latin typeface="Cambria Math" panose="02040503050406030204" pitchFamily="18" charset="0"/>
-                                      </a:rPr>
-                                      <m:t>0.49</m:t>
-                                    </m:r>
-                                  </m:e>
-                                  <m:e>
-                                    <m:r>
-                                      <a:rPr lang="de-DE" sz="2000" b="0" i="1" smtClean="0">
-                                        <a:solidFill>
-                                          <a:schemeClr val="bg1"/>
-                                        </a:solidFill>
-                                        <a:latin typeface="Cambria Math" panose="02040503050406030204" pitchFamily="18" charset="0"/>
-                                      </a:rPr>
-                                      <m:t>−0.277</m:t>
-                                    </m:r>
-                                  </m:e>
-                                </m:mr>
-                                <m:mr>
-                                  <m:e>
-                                    <m:r>
-                                      <a:rPr lang="de-DE" sz="2000" b="0" i="1" smtClean="0">
-                                        <a:solidFill>
-                                          <a:schemeClr val="bg1"/>
-                                        </a:solidFill>
-                                        <a:latin typeface="Cambria Math" panose="02040503050406030204" pitchFamily="18" charset="0"/>
-                                      </a:rPr>
-                                      <m:t>0.191</m:t>
-                                    </m:r>
-                                  </m:e>
-                                  <m:e>
-                                    <m:r>
-                                      <a:rPr lang="de-DE" sz="2000" b="0" i="1" smtClean="0">
-                                        <a:solidFill>
-                                          <a:schemeClr val="bg1"/>
-                                        </a:solidFill>
-                                        <a:latin typeface="Cambria Math" panose="02040503050406030204" pitchFamily="18" charset="0"/>
-                                      </a:rPr>
-                                      <m:t>−0.461</m:t>
-                                    </m:r>
-                                  </m:e>
-                                  <m:e>
-                                    <m:r>
-                                      <a:rPr lang="de-DE" sz="2000" b="0" i="1" smtClean="0">
-                                        <a:solidFill>
-                                          <a:schemeClr val="bg1"/>
-                                        </a:solidFill>
-                                        <a:latin typeface="Cambria Math" panose="02040503050406030204" pitchFamily="18" charset="0"/>
-                                      </a:rPr>
-                                      <m:t>0.461</m:t>
-                                    </m:r>
-                                  </m:e>
-                                  <m:e>
-                                    <m:r>
-                                      <a:rPr lang="de-DE" sz="2000" b="0" i="1" smtClean="0">
-                                        <a:solidFill>
-                                          <a:schemeClr val="bg1"/>
-                                        </a:solidFill>
-                                        <a:latin typeface="Cambria Math" panose="02040503050406030204" pitchFamily="18" charset="0"/>
-                                      </a:rPr>
-                                      <m:t>−0.191</m:t>
-                                    </m:r>
-                                  </m:e>
-                                  <m:e>
-                                    <m:r>
-                                      <a:rPr lang="de-DE" sz="2000" b="0" i="1" smtClean="0">
-                                        <a:solidFill>
-                                          <a:schemeClr val="bg1"/>
-                                        </a:solidFill>
-                                        <a:latin typeface="Cambria Math" panose="02040503050406030204" pitchFamily="18" charset="0"/>
-                                      </a:rPr>
-                                      <m:t>−0.191</m:t>
-                                    </m:r>
-                                  </m:e>
-                                  <m:e>
-                                    <m:r>
-                                      <a:rPr lang="de-DE" sz="2000" b="0" i="1" smtClean="0">
-                                        <a:solidFill>
-                                          <a:schemeClr val="bg1"/>
-                                        </a:solidFill>
-                                        <a:latin typeface="Cambria Math" panose="02040503050406030204" pitchFamily="18" charset="0"/>
-                                      </a:rPr>
-                                      <m:t>0.461</m:t>
-                                    </m:r>
-                                  </m:e>
-                                  <m:e>
-                                    <m:r>
-                                      <a:rPr lang="de-DE" sz="2000" b="0" i="1" smtClean="0">
-                                        <a:solidFill>
-                                          <a:schemeClr val="bg1"/>
-                                        </a:solidFill>
-                                        <a:latin typeface="Cambria Math" panose="02040503050406030204" pitchFamily="18" charset="0"/>
-                                      </a:rPr>
-                                      <m:t>−0.461</m:t>
-                                    </m:r>
-                                  </m:e>
-                                  <m:e>
-                                    <m:r>
-                                      <a:rPr lang="de-DE" sz="2000" b="0" i="1" smtClean="0">
-                                        <a:solidFill>
-                                          <a:schemeClr val="bg1"/>
-                                        </a:solidFill>
-                                        <a:latin typeface="Cambria Math" panose="02040503050406030204" pitchFamily="18" charset="0"/>
-                                      </a:rPr>
-                                      <m:t>0.191</m:t>
-                                    </m:r>
-                                  </m:e>
-                                </m:mr>
-                                <m:mr>
-                                  <m:e>
-                                    <m:r>
-                                      <a:rPr lang="de-DE" sz="2000" b="0" i="1" smtClean="0">
-                                        <a:solidFill>
-                                          <a:schemeClr val="bg1"/>
-                                        </a:solidFill>
-                                        <a:latin typeface="Cambria Math" panose="02040503050406030204" pitchFamily="18" charset="0"/>
-                                      </a:rPr>
-                                      <m:t>0.097</m:t>
-                                    </m:r>
-                                  </m:e>
-                                  <m:e>
-                                    <m:r>
-                                      <a:rPr lang="de-DE" sz="2000" b="0" i="1" smtClean="0">
-                                        <a:solidFill>
-                                          <a:schemeClr val="bg1"/>
-                                        </a:solidFill>
-                                        <a:latin typeface="Cambria Math" panose="02040503050406030204" pitchFamily="18" charset="0"/>
-                                      </a:rPr>
-                                      <m:t>−0.277</m:t>
-                                    </m:r>
-                                  </m:e>
-                                  <m:e>
-                                    <m:r>
-                                      <a:rPr lang="de-DE" sz="2000" b="0" i="1" smtClean="0">
-                                        <a:solidFill>
-                                          <a:schemeClr val="bg1"/>
-                                        </a:solidFill>
-                                        <a:latin typeface="Cambria Math" panose="02040503050406030204" pitchFamily="18" charset="0"/>
-                                      </a:rPr>
-                                      <m:t>0.415</m:t>
-                                    </m:r>
-                                  </m:e>
-                                  <m:e>
-                                    <m:r>
-                                      <a:rPr lang="de-DE" sz="2000" b="0" i="1" smtClean="0">
-                                        <a:solidFill>
-                                          <a:schemeClr val="bg1"/>
-                                        </a:solidFill>
-                                        <a:latin typeface="Cambria Math" panose="02040503050406030204" pitchFamily="18" charset="0"/>
-                                      </a:rPr>
-                                      <m:t>−0.49</m:t>
-                                    </m:r>
-                                  </m:e>
-                                  <m:e>
-                                    <m:r>
-                                      <a:rPr lang="de-DE" sz="2000" b="0" i="1" smtClean="0">
-                                        <a:solidFill>
-                                          <a:schemeClr val="bg1"/>
-                                        </a:solidFill>
-                                        <a:latin typeface="Cambria Math" panose="02040503050406030204" pitchFamily="18" charset="0"/>
-                                      </a:rPr>
-                                      <m:t>0.49</m:t>
-                                    </m:r>
-                                  </m:e>
-                                  <m:e>
-                                    <m:r>
-                                      <a:rPr lang="de-DE" sz="2000" b="0" i="1" smtClean="0">
-                                        <a:solidFill>
-                                          <a:schemeClr val="bg1"/>
-                                        </a:solidFill>
-                                        <a:latin typeface="Cambria Math" panose="02040503050406030204" pitchFamily="18" charset="0"/>
-                                      </a:rPr>
-                                      <m:t>−0.415</m:t>
-                                    </m:r>
-                                  </m:e>
-                                  <m:e>
-                                    <m:r>
-                                      <a:rPr lang="de-DE" sz="2000" b="0" i="1" smtClean="0">
-                                        <a:solidFill>
-                                          <a:schemeClr val="bg1"/>
-                                        </a:solidFill>
-                                        <a:latin typeface="Cambria Math" panose="02040503050406030204" pitchFamily="18" charset="0"/>
-                                      </a:rPr>
-                                      <m:t>0.277</m:t>
-                                    </m:r>
-                                  </m:e>
-                                  <m:e>
-                                    <m:r>
-                                      <a:rPr lang="de-DE" sz="2000" b="0" i="1" smtClean="0">
-                                        <a:solidFill>
-                                          <a:schemeClr val="bg1"/>
-                                        </a:solidFill>
-                                        <a:latin typeface="Cambria Math" panose="02040503050406030204" pitchFamily="18" charset="0"/>
-                                      </a:rPr>
-                                      <m:t>−0.097</m:t>
-                                    </m:r>
-                                  </m:e>
-                                </m:mr>
-                              </m:m>
-                            </m:e>
-                          </m:d>
-                          <m:r>
-                            <a:rPr lang="de-DE" sz="2000" i="1">
-                              <a:solidFill>
-                                <a:schemeClr val="bg1"/>
-                              </a:solidFill>
-                              <a:latin typeface="Cambria Math" panose="02040503050406030204" pitchFamily="18" charset="0"/>
-                              <a:ea typeface="Cambria Math" panose="02040503050406030204" pitchFamily="18" charset="0"/>
-                            </a:rPr>
-                            <m:t>∙</m:t>
-                          </m:r>
-                          <m:d>
-                            <m:dPr>
-                              <m:ctrlPr>
-                                <a:rPr lang="de-DE" sz="2000" i="1">
-                                  <a:latin typeface="Cambria Math" panose="02040503050406030204" pitchFamily="18" charset="0"/>
-                                </a:rPr>
-                              </m:ctrlPr>
-                            </m:dPr>
-                            <m:e>
-                              <m:m>
-                                <m:mPr>
-                                  <m:mcs>
-                                    <m:mc>
-                                      <m:mcPr>
-                                        <m:count m:val="1"/>
-                                        <m:mcJc m:val="center"/>
-                                      </m:mcPr>
-                                    </m:mc>
-                                  </m:mcs>
-                                  <m:ctrlPr>
-                                    <a:rPr lang="de-DE" sz="2000" i="1">
-                                      <a:latin typeface="Cambria Math" panose="02040503050406030204" pitchFamily="18" charset="0"/>
-                                    </a:rPr>
-                                  </m:ctrlPr>
-                                </m:mPr>
-                                <m:mr>
-                                  <m:e>
-                                    <m:r>
-                                      <m:rPr>
-                                        <m:brk m:alnAt="7"/>
-                                      </m:rPr>
-                                      <a:rPr lang="de-DE" sz="2000" i="1">
-                                        <a:latin typeface="Cambria Math" panose="02040503050406030204" pitchFamily="18" charset="0"/>
-                                      </a:rPr>
-                                      <m:t>1</m:t>
-                                    </m:r>
-                                  </m:e>
-                                </m:mr>
-                                <m:mr>
-                                  <m:e>
-                                    <m:r>
-                                      <a:rPr lang="de-DE" sz="2000" i="1">
-                                        <a:latin typeface="Cambria Math" panose="02040503050406030204" pitchFamily="18" charset="0"/>
-                                      </a:rPr>
-                                      <m:t>2</m:t>
-                                    </m:r>
-                                  </m:e>
-                                </m:mr>
-                                <m:mr>
-                                  <m:e>
-                                    <m:r>
-                                      <a:rPr lang="de-DE" sz="2000" i="1">
-                                        <a:latin typeface="Cambria Math" panose="02040503050406030204" pitchFamily="18" charset="0"/>
-                                      </a:rPr>
-                                      <m:t>4</m:t>
-                                    </m:r>
-                                  </m:e>
-                                </m:mr>
-                                <m:mr>
-                                  <m:e>
-                                    <m:r>
-                                      <a:rPr lang="de-DE" sz="2000" i="1">
-                                        <a:latin typeface="Cambria Math" panose="02040503050406030204" pitchFamily="18" charset="0"/>
-                                      </a:rPr>
-                                      <m:t>7</m:t>
-                                    </m:r>
-                                  </m:e>
-                                </m:mr>
-                                <m:mr>
-                                  <m:e>
-                                    <m:r>
-                                      <a:rPr lang="de-DE" sz="2000" i="1">
-                                        <a:latin typeface="Cambria Math" panose="02040503050406030204" pitchFamily="18" charset="0"/>
-                                      </a:rPr>
-                                      <m:t>8</m:t>
-                                    </m:r>
-                                  </m:e>
-                                </m:mr>
-                                <m:mr>
-                                  <m:e>
-                                    <m:r>
-                                      <a:rPr lang="de-DE" sz="2000" i="1">
-                                        <a:latin typeface="Cambria Math" panose="02040503050406030204" pitchFamily="18" charset="0"/>
-                                      </a:rPr>
-                                      <m:t>4</m:t>
-                                    </m:r>
-                                  </m:e>
-                                </m:mr>
-                                <m:mr>
-                                  <m:e>
-                                    <m:r>
-                                      <a:rPr lang="de-DE" sz="2000" i="1">
-                                        <a:latin typeface="Cambria Math" panose="02040503050406030204" pitchFamily="18" charset="0"/>
-                                      </a:rPr>
-                                      <m:t>3</m:t>
-                                    </m:r>
-                                  </m:e>
-                                </m:mr>
-                                <m:mr>
-                                  <m:e>
-                                    <m:r>
-                                      <a:rPr lang="de-DE" sz="2000" i="1">
-                                        <a:latin typeface="Cambria Math" panose="02040503050406030204" pitchFamily="18" charset="0"/>
-                                      </a:rPr>
-                                      <m:t>2</m:t>
-                                    </m:r>
-                                  </m:e>
-                                </m:mr>
-                              </m:m>
-                            </m:e>
-                          </m:d>
-                          <m:r>
-                            <a:rPr lang="de-DE" sz="2000" b="0" i="1" smtClean="0">
-                              <a:solidFill>
-                                <a:schemeClr val="bg1"/>
-                              </a:solidFill>
-                              <a:latin typeface="Cambria Math" panose="02040503050406030204" pitchFamily="18" charset="0"/>
-                            </a:rPr>
-                            <m:t>=</m:t>
-                          </m:r>
-                          <m:d>
-                            <m:dPr>
-                              <m:ctrlPr>
-                                <a:rPr lang="de-DE" sz="2000" i="1">
-                                  <a:solidFill>
-                                    <a:schemeClr val="bg1"/>
-                                  </a:solidFill>
-                                  <a:latin typeface="Cambria Math" panose="02040503050406030204" pitchFamily="18" charset="0"/>
-                                </a:rPr>
-                              </m:ctrlPr>
-                            </m:dPr>
-                            <m:e>
-                              <m:m>
-                                <m:mPr>
-                                  <m:mcs>
-                                    <m:mc>
-                                      <m:mcPr>
-                                        <m:count m:val="1"/>
-                                        <m:mcJc m:val="center"/>
-                                      </m:mcPr>
-                                    </m:mc>
-                                  </m:mcs>
-                                  <m:ctrlPr>
-                                    <a:rPr lang="de-DE" sz="2000" i="1">
-                                      <a:solidFill>
-                                        <a:schemeClr val="bg1"/>
-                                      </a:solidFill>
-                                      <a:latin typeface="Cambria Math" panose="02040503050406030204" pitchFamily="18" charset="0"/>
-                                    </a:rPr>
-                                  </m:ctrlPr>
-                                </m:mPr>
-                                <m:mr>
-                                  <m:e>
-                                    <m:r>
-                                      <m:rPr>
-                                        <m:brk m:alnAt="7"/>
-                                      </m:rPr>
-                                      <a:rPr lang="de-DE" sz="2000" b="0" i="1" smtClean="0">
-                                        <a:solidFill>
-                                          <a:schemeClr val="bg1"/>
-                                        </a:solidFill>
-                                        <a:latin typeface="Cambria Math" panose="02040503050406030204" pitchFamily="18" charset="0"/>
-                                      </a:rPr>
-                                      <m:t>1</m:t>
-                                    </m:r>
-                                    <m:r>
-                                      <a:rPr lang="de-DE" sz="2000" b="0" i="1" smtClean="0">
-                                        <a:solidFill>
-                                          <a:schemeClr val="bg1"/>
-                                        </a:solidFill>
-                                        <a:latin typeface="Cambria Math" panose="02040503050406030204" pitchFamily="18" charset="0"/>
-                                      </a:rPr>
-                                      <m:t>0.96</m:t>
-                                    </m:r>
-                                  </m:e>
-                                </m:mr>
-                                <m:mr>
-                                  <m:e>
-                                    <m:r>
-                                      <a:rPr lang="de-DE" sz="2000" b="0" i="1" smtClean="0">
-                                        <a:solidFill>
-                                          <a:schemeClr val="bg1"/>
-                                        </a:solidFill>
-                                        <a:latin typeface="Cambria Math" panose="02040503050406030204" pitchFamily="18" charset="0"/>
-                                      </a:rPr>
-                                      <m:t>−1.003</m:t>
-                                    </m:r>
-                                  </m:e>
-                                </m:mr>
-                                <m:mr>
-                                  <m:e>
-                                    <m:r>
-                                      <a:rPr lang="de-DE" sz="2000" b="0" i="1" smtClean="0">
-                                        <a:solidFill>
-                                          <a:schemeClr val="bg1"/>
-                                        </a:solidFill>
-                                        <a:latin typeface="Cambria Math" panose="02040503050406030204" pitchFamily="18" charset="0"/>
-                                      </a:rPr>
-                                      <m:t>−6.118</m:t>
-                                    </m:r>
-                                  </m:e>
-                                </m:mr>
-                                <m:mr>
-                                  <m:e>
-                                    <m:r>
-                                      <a:rPr lang="de-DE" sz="2000" b="0" i="1" smtClean="0">
-                                        <a:solidFill>
-                                          <a:schemeClr val="bg1"/>
-                                        </a:solidFill>
-                                        <a:latin typeface="Cambria Math" panose="02040503050406030204" pitchFamily="18" charset="0"/>
-                                      </a:rPr>
-                                      <m:t>−0.040</m:t>
-                                    </m:r>
-                                  </m:e>
-                                </m:mr>
-                                <m:mr>
-                                  <m:e>
-                                    <m:r>
-                                      <a:rPr lang="de-DE" sz="2000" b="0" i="1" smtClean="0">
-                                        <a:solidFill>
-                                          <a:schemeClr val="bg1"/>
-                                        </a:solidFill>
-                                        <a:latin typeface="Cambria Math" panose="02040503050406030204" pitchFamily="18" charset="0"/>
-                                      </a:rPr>
-                                      <m:t>1.767</m:t>
-                                    </m:r>
-                                  </m:e>
-                                </m:mr>
-                                <m:mr>
-                                  <m:e>
-                                    <m:r>
-                                      <a:rPr lang="de-DE" sz="2000" b="0" i="1" smtClean="0">
-                                        <a:solidFill>
-                                          <a:schemeClr val="bg1"/>
-                                        </a:solidFill>
-                                        <a:latin typeface="Cambria Math" panose="02040503050406030204" pitchFamily="18" charset="0"/>
-                                      </a:rPr>
-                                      <m:t>−0.203</m:t>
-                                    </m:r>
-                                  </m:e>
-                                </m:mr>
-                                <m:mr>
-                                  <m:e>
-                                    <m:r>
-                                      <a:rPr lang="de-DE" sz="2000" b="0" i="1" smtClean="0">
-                                        <a:solidFill>
-                                          <a:schemeClr val="bg1"/>
-                                        </a:solidFill>
-                                        <a:latin typeface="Cambria Math" panose="02040503050406030204" pitchFamily="18" charset="0"/>
-                                      </a:rPr>
-                                      <m:t>−0.91</m:t>
-                                    </m:r>
-                                  </m:e>
-                                </m:mr>
-                                <m:mr>
-                                  <m:e>
-                                    <m:r>
-                                      <a:rPr lang="de-DE" sz="2000" b="0" i="1" smtClean="0">
-                                        <a:solidFill>
-                                          <a:schemeClr val="bg1"/>
-                                        </a:solidFill>
-                                        <a:latin typeface="Cambria Math" panose="02040503050406030204" pitchFamily="18" charset="0"/>
-                                      </a:rPr>
-                                      <m:t>0.67</m:t>
-                                    </m:r>
-                                  </m:e>
-                                </m:mr>
-                              </m:m>
-                            </m:e>
-                          </m:d>
-                        </m:e>
-                      </m:eqArr>
-                    </m:oMath>
-                  </m:oMathPara>
-                </a14:m>
-                <a:endParaRPr lang="de-DE" sz="2000" dirty="0"/>
-              </a:p>
-            </p:txBody>
-          </p:sp>
-        </mc:Choice>
-        <mc:Fallback xmlns="">
-          <p:sp>
-            <p:nvSpPr>
-              <p:cNvPr id="2" name="Textfeld 1">
-                <a:extLst>
-                  <a:ext uri="{FF2B5EF4-FFF2-40B4-BE49-F238E27FC236}">
-                    <a16:creationId xmlns:a16="http://schemas.microsoft.com/office/drawing/2014/main" id="{76247171-5E72-D5D8-594A-CE29DFACF3B4}"/>
-                  </a:ext>
-                </a:extLst>
-              </p:cNvPr>
-              <p:cNvSpPr txBox="1">
-                <a:spLocks noRot="1" noChangeAspect="1" noMove="1" noResize="1" noEditPoints="1" noAdjustHandles="1" noChangeArrowheads="1" noChangeShapeType="1" noTextEdit="1"/>
-              </p:cNvSpPr>
-              <p:nvPr/>
-            </p:nvSpPr>
-            <p:spPr>
-              <a:xfrm>
-                <a:off x="0" y="2221105"/>
-                <a:ext cx="12192000" cy="2415790"/>
-              </a:xfrm>
-              <a:prstGeom prst="rect">
-                <a:avLst/>
-              </a:prstGeom>
-              <a:blipFill>
-                <a:blip r:embed="rId2"/>
-                <a:stretch>
-                  <a:fillRect/>
-                </a:stretch>
-              </a:blipFill>
-            </p:spPr>
-            <p:txBody>
-              <a:bodyPr/>
-              <a:lstStyle/>
-              <a:p>
-                <a:r>
-                  <a:rPr lang="de-DE">
-                    <a:noFill/>
-                  </a:rPr>
-                  <a:t> </a:t>
-                </a:r>
-              </a:p>
-            </p:txBody>
-          </p:sp>
-        </mc:Fallback>
-      </mc:AlternateContent>
-      <mc:AlternateContent xmlns:mc="http://schemas.openxmlformats.org/markup-compatibility/2006" xmlns:a14="http://schemas.microsoft.com/office/drawing/2010/main">
-        <mc:Choice Requires="a14">
-          <p:sp>
-            <p:nvSpPr>
-              <p:cNvPr id="6" name="Textfeld 5">
-                <a:extLst>
-                  <a:ext uri="{FF2B5EF4-FFF2-40B4-BE49-F238E27FC236}">
-                    <a16:creationId xmlns:a16="http://schemas.microsoft.com/office/drawing/2014/main" id="{A130F5BA-6B74-C9B7-B89A-0D578B0494A2}"/>
-                  </a:ext>
-                </a:extLst>
-              </p:cNvPr>
-              <p:cNvSpPr txBox="1"/>
-              <p:nvPr/>
-            </p:nvSpPr>
-            <p:spPr>
-              <a:xfrm>
-                <a:off x="5067300" y="3228945"/>
-                <a:ext cx="2057399" cy="400110"/>
-              </a:xfrm>
-              <a:prstGeom prst="rect">
-                <a:avLst/>
-              </a:prstGeom>
-              <a:noFill/>
-            </p:spPr>
-            <p:txBody>
-              <a:bodyPr wrap="square" rtlCol="0">
-                <a:spAutoFit/>
-              </a:bodyPr>
-              <a:lstStyle/>
-              <a:p>
-                <a:pPr algn="ctr"/>
-                <a14:m>
-                  <m:oMath xmlns:m="http://schemas.openxmlformats.org/officeDocument/2006/math">
-                    <m:d>
-                      <m:dPr>
-                        <m:begChr m:val="["/>
-                        <m:endChr m:val="]"/>
-                        <m:ctrlPr>
-                          <a:rPr lang="de-DE" sz="2000" b="0" i="1" smtClean="0">
-                            <a:latin typeface="Cambria Math" panose="02040503050406030204" pitchFamily="18" charset="0"/>
-                          </a:rPr>
-                        </m:ctrlPr>
-                      </m:dPr>
-                      <m:e>
-                        <m:r>
-                          <a:rPr lang="de-DE" sz="2000" b="0" i="1" smtClean="0">
-                            <a:latin typeface="Cambria Math" panose="02040503050406030204" pitchFamily="18" charset="0"/>
-                          </a:rPr>
-                          <m:t>1, 2, 4, 7, 8, 4, 3, 2</m:t>
-                        </m:r>
-                      </m:e>
-                    </m:d>
-                  </m:oMath>
-                </a14:m>
-                <a:r>
-                  <a:rPr lang="de-DE" sz="2000" b="0" dirty="0"/>
-                  <a:t> </a:t>
-                </a:r>
-              </a:p>
-            </p:txBody>
-          </p:sp>
-        </mc:Choice>
-        <mc:Fallback xmlns="">
-          <p:sp>
-            <p:nvSpPr>
-              <p:cNvPr id="6" name="Textfeld 5">
-                <a:extLst>
-                  <a:ext uri="{FF2B5EF4-FFF2-40B4-BE49-F238E27FC236}">
-                    <a16:creationId xmlns:a16="http://schemas.microsoft.com/office/drawing/2014/main" id="{A130F5BA-6B74-C9B7-B89A-0D578B0494A2}"/>
-                  </a:ext>
-                </a:extLst>
-              </p:cNvPr>
-              <p:cNvSpPr txBox="1">
-                <a:spLocks noRot="1" noChangeAspect="1" noMove="1" noResize="1" noEditPoints="1" noAdjustHandles="1" noChangeArrowheads="1" noChangeShapeType="1" noTextEdit="1"/>
-              </p:cNvSpPr>
-              <p:nvPr/>
-            </p:nvSpPr>
-            <p:spPr>
-              <a:xfrm>
-                <a:off x="5067300" y="3228945"/>
-                <a:ext cx="2057399" cy="400110"/>
-              </a:xfrm>
-              <a:prstGeom prst="rect">
-                <a:avLst/>
-              </a:prstGeom>
-              <a:blipFill>
-                <a:blip r:embed="rId3"/>
-                <a:stretch>
-                  <a:fillRect/>
-                </a:stretch>
-              </a:blipFill>
-            </p:spPr>
-            <p:txBody>
-              <a:bodyPr/>
-              <a:lstStyle/>
-              <a:p>
-                <a:r>
-                  <a:rPr lang="de-DE">
-                    <a:noFill/>
-                  </a:rPr>
-                  <a:t> </a:t>
-                </a:r>
-              </a:p>
-            </p:txBody>
-          </p:sp>
-        </mc:Fallback>
-      </mc:AlternateContent>
-    </p:spTree>
-    <p:extLst>
-      <p:ext uri="{BB962C8B-B14F-4D97-AF65-F5344CB8AC3E}">
-        <p14:creationId xmlns:p14="http://schemas.microsoft.com/office/powerpoint/2010/main" val="2456860037"/>
       </p:ext>
     </p:extLst>
   </p:cSld>
